--- a/Лекции/ИТиП 3 лек 6.pptx
+++ b/Лекции/ИТиП 3 лек 6.pptx
@@ -249,7 +249,7 @@
             <a:fld id="{AA2F9473-F066-431E-A6E8-1D478C995A6B}" type="datetimeFigureOut">
               <a:rPr lang="en-US" smtClean="0"/>
               <a:pPr/>
-              <a:t>3/7/2024</a:t>
+              <a:t>4/9/2025</a:t>
             </a:fld>
             <a:endParaRPr lang="en-US"/>
           </a:p>
@@ -4335,7 +4335,7 @@
           <p:cNvPr id="9" name="Номер слайда 3">
             <a:extLst>
               <a:ext uri="{FF2B5EF4-FFF2-40B4-BE49-F238E27FC236}">
-                <a16:creationId xmlns:a16="http://schemas.microsoft.com/office/drawing/2014/main" xmlns="" id="{3DF48714-7FE4-4364-BF9D-28B9C9E2979D}"/>
+                <a16:creationId xmlns="" xmlns:a16="http://schemas.microsoft.com/office/drawing/2014/main" id="{3DF48714-7FE4-4364-BF9D-28B9C9E2979D}"/>
               </a:ext>
             </a:extLst>
           </p:cNvPr>
@@ -4474,7 +4474,7 @@
           <p:cNvPr id="7" name="Номер слайда 3">
             <a:extLst>
               <a:ext uri="{FF2B5EF4-FFF2-40B4-BE49-F238E27FC236}">
-                <a16:creationId xmlns:a16="http://schemas.microsoft.com/office/drawing/2014/main" xmlns="" id="{3DF48714-7FE4-4364-BF9D-28B9C9E2979D}"/>
+                <a16:creationId xmlns="" xmlns:a16="http://schemas.microsoft.com/office/drawing/2014/main" id="{3DF48714-7FE4-4364-BF9D-28B9C9E2979D}"/>
               </a:ext>
             </a:extLst>
           </p:cNvPr>
@@ -4756,7 +4756,7 @@
           <p:cNvPr id="9" name="Номер слайда 3">
             <a:extLst>
               <a:ext uri="{FF2B5EF4-FFF2-40B4-BE49-F238E27FC236}">
-                <a16:creationId xmlns:a16="http://schemas.microsoft.com/office/drawing/2014/main" xmlns="" id="{3DF48714-7FE4-4364-BF9D-28B9C9E2979D}"/>
+                <a16:creationId xmlns="" xmlns:a16="http://schemas.microsoft.com/office/drawing/2014/main" id="{3DF48714-7FE4-4364-BF9D-28B9C9E2979D}"/>
               </a:ext>
             </a:extLst>
           </p:cNvPr>
@@ -5214,7 +5214,7 @@
           <p:cNvPr id="17" name="Заголовок 16">
             <a:extLst>
               <a:ext uri="{FF2B5EF4-FFF2-40B4-BE49-F238E27FC236}">
-                <a16:creationId xmlns:a16="http://schemas.microsoft.com/office/drawing/2014/main" xmlns="" id="{D630362D-1F09-46B4-9DE4-AEA483AC82FD}"/>
+                <a16:creationId xmlns="" xmlns:a16="http://schemas.microsoft.com/office/drawing/2014/main" id="{D630362D-1F09-46B4-9DE4-AEA483AC82FD}"/>
               </a:ext>
             </a:extLst>
           </p:cNvPr>
@@ -5441,7 +5441,7 @@
           <p:cNvPr id="12" name="TextBox 11">
             <a:extLst>
               <a:ext uri="{FF2B5EF4-FFF2-40B4-BE49-F238E27FC236}">
-                <a16:creationId xmlns:a16="http://schemas.microsoft.com/office/drawing/2014/main" xmlns="" id="{F7B00361-5492-4290-B470-295172C16526}"/>
+                <a16:creationId xmlns="" xmlns:a16="http://schemas.microsoft.com/office/drawing/2014/main" id="{F7B00361-5492-4290-B470-295172C16526}"/>
               </a:ext>
             </a:extLst>
           </p:cNvPr>
@@ -12985,7 +12985,7 @@
           <a:graphicData uri="http://schemas.openxmlformats.org/presentationml/2006/ole">
             <mc:AlternateContent xmlns:mc="http://schemas.openxmlformats.org/markup-compatibility/2006">
               <mc:Choice xmlns:v="urn:schemas-microsoft-com:vml" Requires="v">
-                <p:oleObj spid="_x0000_s1110" name="Уравнение" r:id="rId4" imgW="114120" imgH="215640" progId="Equation.3">
+                <p:oleObj spid="_x0000_s1112" name="Уравнение" r:id="rId4" imgW="114120" imgH="215640" progId="Equation.3">
                   <p:embed/>
                 </p:oleObj>
               </mc:Choice>
@@ -13042,7 +13042,7 @@
           <a:graphicData uri="http://schemas.openxmlformats.org/presentationml/2006/ole">
             <mc:AlternateContent xmlns:mc="http://schemas.openxmlformats.org/markup-compatibility/2006">
               <mc:Choice xmlns:v="urn:schemas-microsoft-com:vml" Requires="v">
-                <p:oleObj spid="_x0000_s1111" name="Уравнение" r:id="rId6" imgW="1422360" imgH="495000" progId="Equation.3">
+                <p:oleObj spid="_x0000_s1113" name="Уравнение" r:id="rId6" imgW="1422360" imgH="495000" progId="Equation.3">
                   <p:embed/>
                 </p:oleObj>
               </mc:Choice>
@@ -16163,7 +16163,7 @@
         <p:spPr>
           <a:xfrm>
             <a:off x="84667" y="0"/>
-            <a:ext cx="12107333" cy="6186309"/>
+            <a:ext cx="12107333" cy="6555641"/>
           </a:xfrm>
           <a:prstGeom prst="rect">
             <a:avLst/>
@@ -16271,7 +16271,60 @@
                 </a:solidFill>
                 <a:latin typeface="Cascadia Mono" panose="020B0609020000020004" pitchFamily="49" charset="0"/>
               </a:rPr>
-              <a:t> Task(() =&gt; </a:t>
+              <a:t> Task</a:t>
+            </a:r>
+            <a:r>
+              <a:rPr lang="en-US" sz="2400" dirty="0" smtClean="0">
+                <a:solidFill>
+                  <a:srgbClr val="000000"/>
+                </a:solidFill>
+                <a:latin typeface="Cascadia Mono" panose="020B0609020000020004" pitchFamily="49" charset="0"/>
+              </a:rPr>
+              <a:t>(</a:t>
+            </a:r>
+            <a:endParaRPr lang="ru-RU" sz="2400" dirty="0" smtClean="0">
+              <a:solidFill>
+                <a:srgbClr val="000000"/>
+              </a:solidFill>
+              <a:latin typeface="Cascadia Mono" panose="020B0609020000020004" pitchFamily="49" charset="0"/>
+            </a:endParaRPr>
+          </a:p>
+          <a:p>
+            <a:r>
+              <a:rPr lang="ru-RU" sz="2400" dirty="0">
+                <a:solidFill>
+                  <a:srgbClr val="000000"/>
+                </a:solidFill>
+                <a:latin typeface="Cascadia Mono" panose="020B0609020000020004" pitchFamily="49" charset="0"/>
+              </a:rPr>
+              <a:t>	</a:t>
+            </a:r>
+            <a:r>
+              <a:rPr lang="ru-RU" sz="2400" dirty="0" smtClean="0">
+                <a:solidFill>
+                  <a:srgbClr val="000000"/>
+                </a:solidFill>
+                <a:latin typeface="Cascadia Mono" panose="020B0609020000020004" pitchFamily="49" charset="0"/>
+              </a:rPr>
+              <a:t>					</a:t>
+            </a:r>
+            <a:r>
+              <a:rPr lang="en-US" sz="2400" dirty="0" smtClean="0">
+                <a:solidFill>
+                  <a:srgbClr val="000000"/>
+                </a:solidFill>
+                <a:latin typeface="Cascadia Mono" panose="020B0609020000020004" pitchFamily="49" charset="0"/>
+              </a:rPr>
+              <a:t>() </a:t>
+            </a:r>
+            <a:r>
+              <a:rPr lang="en-US" sz="2400" dirty="0">
+                <a:solidFill>
+                  <a:srgbClr val="000000"/>
+                </a:solidFill>
+                <a:latin typeface="Cascadia Mono" panose="020B0609020000020004" pitchFamily="49" charset="0"/>
+              </a:rPr>
+              <a:t>=&gt; </a:t>
             </a:r>
             <a:r>
               <a:rPr lang="en-US" sz="2400" dirty="0" err="1">
@@ -16461,13 +16514,62 @@
               <a:t>Task.Factory.StartNew</a:t>
             </a:r>
             <a:r>
-              <a:rPr lang="en-US" sz="2400" dirty="0">
-                <a:solidFill>
-                  <a:srgbClr val="000000"/>
-                </a:solidFill>
-                <a:latin typeface="Cascadia Mono" panose="020B0609020000020004" pitchFamily="49" charset="0"/>
-              </a:rPr>
-              <a:t>(() =&gt; </a:t>
+              <a:rPr lang="en-US" sz="2400" dirty="0" smtClean="0">
+                <a:solidFill>
+                  <a:srgbClr val="000000"/>
+                </a:solidFill>
+                <a:latin typeface="Cascadia Mono" panose="020B0609020000020004" pitchFamily="49" charset="0"/>
+              </a:rPr>
+              <a:t>(</a:t>
+            </a:r>
+            <a:endParaRPr lang="ru-RU" sz="2400" dirty="0" smtClean="0">
+              <a:solidFill>
+                <a:srgbClr val="000000"/>
+              </a:solidFill>
+              <a:latin typeface="Cascadia Mono" panose="020B0609020000020004" pitchFamily="49" charset="0"/>
+            </a:endParaRPr>
+          </a:p>
+          <a:p>
+            <a:pPr algn="just">
+              <a:lnSpc>
+                <a:spcPct val="150000"/>
+              </a:lnSpc>
+            </a:pPr>
+            <a:r>
+              <a:rPr lang="ru-RU" sz="2400" dirty="0">
+                <a:solidFill>
+                  <a:srgbClr val="000000"/>
+                </a:solidFill>
+                <a:latin typeface="Cascadia Mono" panose="020B0609020000020004" pitchFamily="49" charset="0"/>
+              </a:rPr>
+              <a:t>	</a:t>
+            </a:r>
+            <a:r>
+              <a:rPr lang="ru-RU" sz="2400" dirty="0" smtClean="0">
+                <a:solidFill>
+                  <a:srgbClr val="000000"/>
+                </a:solidFill>
+                <a:latin typeface="Cascadia Mono" panose="020B0609020000020004" pitchFamily="49" charset="0"/>
+              </a:rPr>
+              <a:t>					</a:t>
+            </a:r>
+            <a:r>
+              <a:rPr lang="en-US" sz="2400" dirty="0" smtClean="0">
+                <a:solidFill>
+                  <a:srgbClr val="000000"/>
+                </a:solidFill>
+                <a:latin typeface="Cascadia Mono" panose="020B0609020000020004" pitchFamily="49" charset="0"/>
+              </a:rPr>
+              <a:t>() </a:t>
+            </a:r>
+            <a:r>
+              <a:rPr lang="en-US" sz="2400" dirty="0">
+                <a:solidFill>
+                  <a:srgbClr val="000000"/>
+                </a:solidFill>
+                <a:latin typeface="Cascadia Mono" panose="020B0609020000020004" pitchFamily="49" charset="0"/>
+              </a:rPr>
+              <a:t>=&gt; </a:t>
             </a:r>
             <a:r>
               <a:rPr lang="en-US" sz="2400" dirty="0" err="1">

--- a/Лекции/ИТиП 3 лек 6.pptx
+++ b/Лекции/ИТиП 3 лек 6.pptx
@@ -5,7 +5,7 @@
     <p:sldMasterId id="2147483674" r:id="rId1"/>
   </p:sldMasterIdLst>
   <p:notesMasterIdLst>
-    <p:notesMasterId r:id="rId20"/>
+    <p:notesMasterId r:id="rId24"/>
   </p:notesMasterIdLst>
   <p:sldIdLst>
     <p:sldId id="273" r:id="rId2"/>
@@ -26,6 +26,10 @@
     <p:sldId id="1103" r:id="rId17"/>
     <p:sldId id="1104" r:id="rId18"/>
     <p:sldId id="1105" r:id="rId19"/>
+    <p:sldId id="1111" r:id="rId20"/>
+    <p:sldId id="1112" r:id="rId21"/>
+    <p:sldId id="1113" r:id="rId22"/>
+    <p:sldId id="1114" r:id="rId23"/>
   </p:sldIdLst>
   <p:sldSz cx="12192000" cy="6858000"/>
   <p:notesSz cx="6858000" cy="9144000"/>
@@ -229,7 +233,7 @@
             <a:fld id="{AA2F9473-F066-431E-A6E8-1D478C995A6B}" type="datetimeFigureOut">
               <a:rPr lang="en-US" smtClean="0"/>
               <a:pPr/>
-              <a:t>5/5/2025</a:t>
+              <a:t>9/29/2025</a:t>
             </a:fld>
             <a:endParaRPr lang="en-US"/>
           </a:p>
@@ -1398,6 +1402,96 @@
 </p:notes>
 </file>
 
+<file path=ppt/notesSlides/notesSlide19.xml><?xml version="1.0" encoding="utf-8"?>
+<p:notes xmlns:a="http://schemas.openxmlformats.org/drawingml/2006/main" xmlns:r="http://schemas.openxmlformats.org/officeDocument/2006/relationships" xmlns:p="http://schemas.openxmlformats.org/presentationml/2006/main">
+  <p:cSld>
+    <p:spTree>
+      <p:nvGrpSpPr>
+        <p:cNvPr id="1" name=""/>
+        <p:cNvGrpSpPr/>
+        <p:nvPr/>
+      </p:nvGrpSpPr>
+      <p:grpSpPr>
+        <a:xfrm>
+          <a:off x="0" y="0"/>
+          <a:ext cx="0" cy="0"/>
+          <a:chOff x="0" y="0"/>
+          <a:chExt cx="0" cy="0"/>
+        </a:xfrm>
+      </p:grpSpPr>
+      <p:sp>
+        <p:nvSpPr>
+          <p:cNvPr id="2" name="Образ слайда 1"/>
+          <p:cNvSpPr>
+            <a:spLocks noGrp="1" noRot="1" noChangeAspect="1"/>
+          </p:cNvSpPr>
+          <p:nvPr>
+            <p:ph type="sldImg"/>
+          </p:nvPr>
+        </p:nvSpPr>
+        <p:spPr>
+          <a:xfrm>
+            <a:off x="685800" y="1143000"/>
+            <a:ext cx="5486400" cy="3086100"/>
+          </a:xfrm>
+        </p:spPr>
+      </p:sp>
+      <p:sp>
+        <p:nvSpPr>
+          <p:cNvPr id="3" name="Заметки 2"/>
+          <p:cNvSpPr>
+            <a:spLocks noGrp="1"/>
+          </p:cNvSpPr>
+          <p:nvPr>
+            <p:ph type="body" idx="1"/>
+          </p:nvPr>
+        </p:nvSpPr>
+        <p:spPr/>
+        <p:txBody>
+          <a:bodyPr/>
+          <a:lstStyle/>
+          <a:p>
+            <a:endParaRPr lang="ru-RU"/>
+          </a:p>
+        </p:txBody>
+      </p:sp>
+      <p:sp>
+        <p:nvSpPr>
+          <p:cNvPr id="4" name="Номер слайда 3"/>
+          <p:cNvSpPr>
+            <a:spLocks noGrp="1"/>
+          </p:cNvSpPr>
+          <p:nvPr>
+            <p:ph type="sldNum" sz="quarter" idx="10"/>
+          </p:nvPr>
+        </p:nvSpPr>
+        <p:spPr/>
+        <p:txBody>
+          <a:bodyPr/>
+          <a:lstStyle/>
+          <a:p>
+            <a:fld id="{F0F4E2F1-1521-4C3A-A563-2F7D19AB6E0B}" type="slidenum">
+              <a:rPr lang="en-US" smtClean="0"/>
+              <a:pPr/>
+              <a:t>19</a:t>
+            </a:fld>
+            <a:endParaRPr lang="en-US"/>
+          </a:p>
+        </p:txBody>
+      </p:sp>
+    </p:spTree>
+    <p:extLst>
+      <p:ext uri="{BB962C8B-B14F-4D97-AF65-F5344CB8AC3E}">
+        <p14:creationId xmlns:p14="http://schemas.microsoft.com/office/powerpoint/2010/main" val="4259636690"/>
+      </p:ext>
+    </p:extLst>
+  </p:cSld>
+  <p:clrMapOvr>
+    <a:masterClrMapping/>
+  </p:clrMapOvr>
+</p:notes>
+</file>
+
 <file path=ppt/notesSlides/notesSlide2.xml><?xml version="1.0" encoding="utf-8"?>
 <p:notes xmlns:a="http://schemas.openxmlformats.org/drawingml/2006/main" xmlns:r="http://schemas.openxmlformats.org/officeDocument/2006/relationships" xmlns:p="http://schemas.openxmlformats.org/presentationml/2006/main">
   <p:cSld>
@@ -1479,6 +1573,276 @@
     <p:extLst>
       <p:ext uri="{BB962C8B-B14F-4D97-AF65-F5344CB8AC3E}">
         <p14:creationId xmlns:p14="http://schemas.microsoft.com/office/powerpoint/2010/main" val="1450365453"/>
+      </p:ext>
+    </p:extLst>
+  </p:cSld>
+  <p:clrMapOvr>
+    <a:masterClrMapping/>
+  </p:clrMapOvr>
+</p:notes>
+</file>
+
+<file path=ppt/notesSlides/notesSlide20.xml><?xml version="1.0" encoding="utf-8"?>
+<p:notes xmlns:a="http://schemas.openxmlformats.org/drawingml/2006/main" xmlns:r="http://schemas.openxmlformats.org/officeDocument/2006/relationships" xmlns:p="http://schemas.openxmlformats.org/presentationml/2006/main">
+  <p:cSld>
+    <p:spTree>
+      <p:nvGrpSpPr>
+        <p:cNvPr id="1" name=""/>
+        <p:cNvGrpSpPr/>
+        <p:nvPr/>
+      </p:nvGrpSpPr>
+      <p:grpSpPr>
+        <a:xfrm>
+          <a:off x="0" y="0"/>
+          <a:ext cx="0" cy="0"/>
+          <a:chOff x="0" y="0"/>
+          <a:chExt cx="0" cy="0"/>
+        </a:xfrm>
+      </p:grpSpPr>
+      <p:sp>
+        <p:nvSpPr>
+          <p:cNvPr id="2" name="Образ слайда 1"/>
+          <p:cNvSpPr>
+            <a:spLocks noGrp="1" noRot="1" noChangeAspect="1"/>
+          </p:cNvSpPr>
+          <p:nvPr>
+            <p:ph type="sldImg"/>
+          </p:nvPr>
+        </p:nvSpPr>
+        <p:spPr>
+          <a:xfrm>
+            <a:off x="685800" y="1143000"/>
+            <a:ext cx="5486400" cy="3086100"/>
+          </a:xfrm>
+        </p:spPr>
+      </p:sp>
+      <p:sp>
+        <p:nvSpPr>
+          <p:cNvPr id="3" name="Заметки 2"/>
+          <p:cNvSpPr>
+            <a:spLocks noGrp="1"/>
+          </p:cNvSpPr>
+          <p:nvPr>
+            <p:ph type="body" idx="1"/>
+          </p:nvPr>
+        </p:nvSpPr>
+        <p:spPr/>
+        <p:txBody>
+          <a:bodyPr/>
+          <a:lstStyle/>
+          <a:p>
+            <a:endParaRPr lang="ru-RU"/>
+          </a:p>
+        </p:txBody>
+      </p:sp>
+      <p:sp>
+        <p:nvSpPr>
+          <p:cNvPr id="4" name="Номер слайда 3"/>
+          <p:cNvSpPr>
+            <a:spLocks noGrp="1"/>
+          </p:cNvSpPr>
+          <p:nvPr>
+            <p:ph type="sldNum" sz="quarter" idx="10"/>
+          </p:nvPr>
+        </p:nvSpPr>
+        <p:spPr/>
+        <p:txBody>
+          <a:bodyPr/>
+          <a:lstStyle/>
+          <a:p>
+            <a:fld id="{F0F4E2F1-1521-4C3A-A563-2F7D19AB6E0B}" type="slidenum">
+              <a:rPr lang="en-US" smtClean="0"/>
+              <a:pPr/>
+              <a:t>20</a:t>
+            </a:fld>
+            <a:endParaRPr lang="en-US"/>
+          </a:p>
+        </p:txBody>
+      </p:sp>
+    </p:spTree>
+    <p:extLst>
+      <p:ext uri="{BB962C8B-B14F-4D97-AF65-F5344CB8AC3E}">
+        <p14:creationId xmlns:p14="http://schemas.microsoft.com/office/powerpoint/2010/main" val="1720080945"/>
+      </p:ext>
+    </p:extLst>
+  </p:cSld>
+  <p:clrMapOvr>
+    <a:masterClrMapping/>
+  </p:clrMapOvr>
+</p:notes>
+</file>
+
+<file path=ppt/notesSlides/notesSlide21.xml><?xml version="1.0" encoding="utf-8"?>
+<p:notes xmlns:a="http://schemas.openxmlformats.org/drawingml/2006/main" xmlns:r="http://schemas.openxmlformats.org/officeDocument/2006/relationships" xmlns:p="http://schemas.openxmlformats.org/presentationml/2006/main">
+  <p:cSld>
+    <p:spTree>
+      <p:nvGrpSpPr>
+        <p:cNvPr id="1" name=""/>
+        <p:cNvGrpSpPr/>
+        <p:nvPr/>
+      </p:nvGrpSpPr>
+      <p:grpSpPr>
+        <a:xfrm>
+          <a:off x="0" y="0"/>
+          <a:ext cx="0" cy="0"/>
+          <a:chOff x="0" y="0"/>
+          <a:chExt cx="0" cy="0"/>
+        </a:xfrm>
+      </p:grpSpPr>
+      <p:sp>
+        <p:nvSpPr>
+          <p:cNvPr id="2" name="Образ слайда 1"/>
+          <p:cNvSpPr>
+            <a:spLocks noGrp="1" noRot="1" noChangeAspect="1"/>
+          </p:cNvSpPr>
+          <p:nvPr>
+            <p:ph type="sldImg"/>
+          </p:nvPr>
+        </p:nvSpPr>
+        <p:spPr>
+          <a:xfrm>
+            <a:off x="685800" y="1143000"/>
+            <a:ext cx="5486400" cy="3086100"/>
+          </a:xfrm>
+        </p:spPr>
+      </p:sp>
+      <p:sp>
+        <p:nvSpPr>
+          <p:cNvPr id="3" name="Заметки 2"/>
+          <p:cNvSpPr>
+            <a:spLocks noGrp="1"/>
+          </p:cNvSpPr>
+          <p:nvPr>
+            <p:ph type="body" idx="1"/>
+          </p:nvPr>
+        </p:nvSpPr>
+        <p:spPr/>
+        <p:txBody>
+          <a:bodyPr/>
+          <a:lstStyle/>
+          <a:p>
+            <a:endParaRPr lang="ru-RU"/>
+          </a:p>
+        </p:txBody>
+      </p:sp>
+      <p:sp>
+        <p:nvSpPr>
+          <p:cNvPr id="4" name="Номер слайда 3"/>
+          <p:cNvSpPr>
+            <a:spLocks noGrp="1"/>
+          </p:cNvSpPr>
+          <p:nvPr>
+            <p:ph type="sldNum" sz="quarter" idx="10"/>
+          </p:nvPr>
+        </p:nvSpPr>
+        <p:spPr/>
+        <p:txBody>
+          <a:bodyPr/>
+          <a:lstStyle/>
+          <a:p>
+            <a:fld id="{F0F4E2F1-1521-4C3A-A563-2F7D19AB6E0B}" type="slidenum">
+              <a:rPr lang="en-US" smtClean="0"/>
+              <a:pPr/>
+              <a:t>21</a:t>
+            </a:fld>
+            <a:endParaRPr lang="en-US"/>
+          </a:p>
+        </p:txBody>
+      </p:sp>
+    </p:spTree>
+    <p:extLst>
+      <p:ext uri="{BB962C8B-B14F-4D97-AF65-F5344CB8AC3E}">
+        <p14:creationId xmlns:p14="http://schemas.microsoft.com/office/powerpoint/2010/main" val="3374288088"/>
+      </p:ext>
+    </p:extLst>
+  </p:cSld>
+  <p:clrMapOvr>
+    <a:masterClrMapping/>
+  </p:clrMapOvr>
+</p:notes>
+</file>
+
+<file path=ppt/notesSlides/notesSlide22.xml><?xml version="1.0" encoding="utf-8"?>
+<p:notes xmlns:a="http://schemas.openxmlformats.org/drawingml/2006/main" xmlns:r="http://schemas.openxmlformats.org/officeDocument/2006/relationships" xmlns:p="http://schemas.openxmlformats.org/presentationml/2006/main">
+  <p:cSld>
+    <p:spTree>
+      <p:nvGrpSpPr>
+        <p:cNvPr id="1" name=""/>
+        <p:cNvGrpSpPr/>
+        <p:nvPr/>
+      </p:nvGrpSpPr>
+      <p:grpSpPr>
+        <a:xfrm>
+          <a:off x="0" y="0"/>
+          <a:ext cx="0" cy="0"/>
+          <a:chOff x="0" y="0"/>
+          <a:chExt cx="0" cy="0"/>
+        </a:xfrm>
+      </p:grpSpPr>
+      <p:sp>
+        <p:nvSpPr>
+          <p:cNvPr id="2" name="Образ слайда 1"/>
+          <p:cNvSpPr>
+            <a:spLocks noGrp="1" noRot="1" noChangeAspect="1"/>
+          </p:cNvSpPr>
+          <p:nvPr>
+            <p:ph type="sldImg"/>
+          </p:nvPr>
+        </p:nvSpPr>
+        <p:spPr>
+          <a:xfrm>
+            <a:off x="685800" y="1143000"/>
+            <a:ext cx="5486400" cy="3086100"/>
+          </a:xfrm>
+        </p:spPr>
+      </p:sp>
+      <p:sp>
+        <p:nvSpPr>
+          <p:cNvPr id="3" name="Заметки 2"/>
+          <p:cNvSpPr>
+            <a:spLocks noGrp="1"/>
+          </p:cNvSpPr>
+          <p:nvPr>
+            <p:ph type="body" idx="1"/>
+          </p:nvPr>
+        </p:nvSpPr>
+        <p:spPr/>
+        <p:txBody>
+          <a:bodyPr/>
+          <a:lstStyle/>
+          <a:p>
+            <a:endParaRPr lang="ru-RU"/>
+          </a:p>
+        </p:txBody>
+      </p:sp>
+      <p:sp>
+        <p:nvSpPr>
+          <p:cNvPr id="4" name="Номер слайда 3"/>
+          <p:cNvSpPr>
+            <a:spLocks noGrp="1"/>
+          </p:cNvSpPr>
+          <p:nvPr>
+            <p:ph type="sldNum" sz="quarter" idx="10"/>
+          </p:nvPr>
+        </p:nvSpPr>
+        <p:spPr/>
+        <p:txBody>
+          <a:bodyPr/>
+          <a:lstStyle/>
+          <a:p>
+            <a:fld id="{F0F4E2F1-1521-4C3A-A563-2F7D19AB6E0B}" type="slidenum">
+              <a:rPr lang="en-US" smtClean="0"/>
+              <a:pPr/>
+              <a:t>22</a:t>
+            </a:fld>
+            <a:endParaRPr lang="en-US"/>
+          </a:p>
+        </p:txBody>
+      </p:sp>
+    </p:spTree>
+    <p:extLst>
+      <p:ext uri="{BB962C8B-B14F-4D97-AF65-F5344CB8AC3E}">
+        <p14:creationId xmlns:p14="http://schemas.microsoft.com/office/powerpoint/2010/main" val="2527876693"/>
       </p:ext>
     </p:extLst>
   </p:cSld>
@@ -2275,7 +2639,7 @@
           <p:cNvPr id="9" name="Номер слайда 3">
             <a:extLst>
               <a:ext uri="{FF2B5EF4-FFF2-40B4-BE49-F238E27FC236}">
-                <a16:creationId xmlns:a16="http://schemas.microsoft.com/office/drawing/2014/main" id="{3DF48714-7FE4-4364-BF9D-28B9C9E2979D}"/>
+                <a16:creationId xmlns:a16="http://schemas.microsoft.com/office/drawing/2014/main" xmlns="" id="{3DF48714-7FE4-4364-BF9D-28B9C9E2979D}"/>
               </a:ext>
             </a:extLst>
           </p:cNvPr>
@@ -2414,7 +2778,7 @@
           <p:cNvPr id="7" name="Номер слайда 3">
             <a:extLst>
               <a:ext uri="{FF2B5EF4-FFF2-40B4-BE49-F238E27FC236}">
-                <a16:creationId xmlns:a16="http://schemas.microsoft.com/office/drawing/2014/main" id="{3DF48714-7FE4-4364-BF9D-28B9C9E2979D}"/>
+                <a16:creationId xmlns:a16="http://schemas.microsoft.com/office/drawing/2014/main" xmlns="" id="{3DF48714-7FE4-4364-BF9D-28B9C9E2979D}"/>
               </a:ext>
             </a:extLst>
           </p:cNvPr>
@@ -2696,7 +3060,7 @@
           <p:cNvPr id="9" name="Номер слайда 3">
             <a:extLst>
               <a:ext uri="{FF2B5EF4-FFF2-40B4-BE49-F238E27FC236}">
-                <a16:creationId xmlns:a16="http://schemas.microsoft.com/office/drawing/2014/main" id="{3DF48714-7FE4-4364-BF9D-28B9C9E2979D}"/>
+                <a16:creationId xmlns:a16="http://schemas.microsoft.com/office/drawing/2014/main" xmlns="" id="{3DF48714-7FE4-4364-BF9D-28B9C9E2979D}"/>
               </a:ext>
             </a:extLst>
           </p:cNvPr>
@@ -3154,7 +3518,7 @@
           <p:cNvPr id="17" name="Заголовок 16">
             <a:extLst>
               <a:ext uri="{FF2B5EF4-FFF2-40B4-BE49-F238E27FC236}">
-                <a16:creationId xmlns:a16="http://schemas.microsoft.com/office/drawing/2014/main" id="{D630362D-1F09-46B4-9DE4-AEA483AC82FD}"/>
+                <a16:creationId xmlns:a16="http://schemas.microsoft.com/office/drawing/2014/main" xmlns="" id="{D630362D-1F09-46B4-9DE4-AEA483AC82FD}"/>
               </a:ext>
             </a:extLst>
           </p:cNvPr>
@@ -3357,7 +3721,7 @@
           <p:cNvPr id="12" name="TextBox 11">
             <a:extLst>
               <a:ext uri="{FF2B5EF4-FFF2-40B4-BE49-F238E27FC236}">
-                <a16:creationId xmlns:a16="http://schemas.microsoft.com/office/drawing/2014/main" id="{F7B00361-5492-4290-B470-295172C16526}"/>
+                <a16:creationId xmlns:a16="http://schemas.microsoft.com/office/drawing/2014/main" xmlns="" id="{F7B00361-5492-4290-B470-295172C16526}"/>
               </a:ext>
             </a:extLst>
           </p:cNvPr>
@@ -3514,28 +3878,28 @@
                 <a:gridCol w="1619249">
                   <a:extLst>
                     <a:ext uri="{9D8B030D-6E8A-4147-A177-3AD203B41FA5}">
-                      <a16:colId xmlns:a16="http://schemas.microsoft.com/office/drawing/2014/main" val="424884719"/>
+                      <a16:colId xmlns:a16="http://schemas.microsoft.com/office/drawing/2014/main" xmlns="" val="424884719"/>
                     </a:ext>
                   </a:extLst>
                 </a:gridCol>
                 <a:gridCol w="4375607">
                   <a:extLst>
                     <a:ext uri="{9D8B030D-6E8A-4147-A177-3AD203B41FA5}">
-                      <a16:colId xmlns:a16="http://schemas.microsoft.com/office/drawing/2014/main" val="4023994622"/>
+                      <a16:colId xmlns:a16="http://schemas.microsoft.com/office/drawing/2014/main" xmlns="" val="4023994622"/>
                     </a:ext>
                   </a:extLst>
                 </a:gridCol>
                 <a:gridCol w="1579483">
                   <a:extLst>
                     <a:ext uri="{9D8B030D-6E8A-4147-A177-3AD203B41FA5}">
-                      <a16:colId xmlns:a16="http://schemas.microsoft.com/office/drawing/2014/main" val="3619594727"/>
+                      <a16:colId xmlns:a16="http://schemas.microsoft.com/office/drawing/2014/main" xmlns="" val="3619594727"/>
                     </a:ext>
                   </a:extLst>
                 </a:gridCol>
                 <a:gridCol w="3912809">
                   <a:extLst>
                     <a:ext uri="{9D8B030D-6E8A-4147-A177-3AD203B41FA5}">
-                      <a16:colId xmlns:a16="http://schemas.microsoft.com/office/drawing/2014/main" val="1551228081"/>
+                      <a16:colId xmlns:a16="http://schemas.microsoft.com/office/drawing/2014/main" xmlns="" val="1551228081"/>
                     </a:ext>
                   </a:extLst>
                 </a:gridCol>
@@ -3819,7 +4183,7 @@
                 </a:tc>
                 <a:extLst>
                   <a:ext uri="{0D108BD9-81ED-4DB2-BD59-A6C34878D82A}">
-                    <a16:rowId xmlns:a16="http://schemas.microsoft.com/office/drawing/2014/main" val="1092949539"/>
+                    <a16:rowId xmlns:a16="http://schemas.microsoft.com/office/drawing/2014/main" xmlns="" val="1092949539"/>
                   </a:ext>
                 </a:extLst>
               </a:tr>
@@ -4139,7 +4503,7 @@
                 </a:tc>
                 <a:extLst>
                   <a:ext uri="{0D108BD9-81ED-4DB2-BD59-A6C34878D82A}">
-                    <a16:rowId xmlns:a16="http://schemas.microsoft.com/office/drawing/2014/main" val="4135988387"/>
+                    <a16:rowId xmlns:a16="http://schemas.microsoft.com/office/drawing/2014/main" xmlns="" val="4135988387"/>
                   </a:ext>
                 </a:extLst>
               </a:tr>
@@ -4438,7 +4802,7 @@
                 </a:tc>
                 <a:extLst>
                   <a:ext uri="{0D108BD9-81ED-4DB2-BD59-A6C34878D82A}">
-                    <a16:rowId xmlns:a16="http://schemas.microsoft.com/office/drawing/2014/main" val="1200325610"/>
+                    <a16:rowId xmlns:a16="http://schemas.microsoft.com/office/drawing/2014/main" xmlns="" val="1200325610"/>
                   </a:ext>
                 </a:extLst>
               </a:tr>
@@ -4737,7 +5101,7 @@
                 </a:tc>
                 <a:extLst>
                   <a:ext uri="{0D108BD9-81ED-4DB2-BD59-A6C34878D82A}">
-                    <a16:rowId xmlns:a16="http://schemas.microsoft.com/office/drawing/2014/main" val="169614643"/>
+                    <a16:rowId xmlns:a16="http://schemas.microsoft.com/office/drawing/2014/main" xmlns="" val="169614643"/>
                   </a:ext>
                 </a:extLst>
               </a:tr>
@@ -5071,7 +5435,7 @@
                 </a:tc>
                 <a:extLst>
                   <a:ext uri="{0D108BD9-81ED-4DB2-BD59-A6C34878D82A}">
-                    <a16:rowId xmlns:a16="http://schemas.microsoft.com/office/drawing/2014/main" val="2788824192"/>
+                    <a16:rowId xmlns:a16="http://schemas.microsoft.com/office/drawing/2014/main" xmlns="" val="2788824192"/>
                   </a:ext>
                 </a:extLst>
               </a:tr>
@@ -5363,7 +5727,7 @@
                 </a:tc>
                 <a:extLst>
                   <a:ext uri="{0D108BD9-81ED-4DB2-BD59-A6C34878D82A}">
-                    <a16:rowId xmlns:a16="http://schemas.microsoft.com/office/drawing/2014/main" val="2406214235"/>
+                    <a16:rowId xmlns:a16="http://schemas.microsoft.com/office/drawing/2014/main" xmlns="" val="2406214235"/>
                   </a:ext>
                 </a:extLst>
               </a:tr>
@@ -5730,7 +6094,7 @@
                 </a:tc>
                 <a:extLst>
                   <a:ext uri="{0D108BD9-81ED-4DB2-BD59-A6C34878D82A}">
-                    <a16:rowId xmlns:a16="http://schemas.microsoft.com/office/drawing/2014/main" val="1539968293"/>
+                    <a16:rowId xmlns:a16="http://schemas.microsoft.com/office/drawing/2014/main" xmlns="" val="1539968293"/>
                   </a:ext>
                 </a:extLst>
               </a:tr>
@@ -5882,28 +6246,28 @@
                 <a:gridCol w="1550391">
                   <a:extLst>
                     <a:ext uri="{9D8B030D-6E8A-4147-A177-3AD203B41FA5}">
-                      <a16:colId xmlns:a16="http://schemas.microsoft.com/office/drawing/2014/main" val="424884719"/>
+                      <a16:colId xmlns:a16="http://schemas.microsoft.com/office/drawing/2014/main" xmlns="" val="424884719"/>
                     </a:ext>
                   </a:extLst>
                 </a:gridCol>
                 <a:gridCol w="4174134">
                   <a:extLst>
                     <a:ext uri="{9D8B030D-6E8A-4147-A177-3AD203B41FA5}">
-                      <a16:colId xmlns:a16="http://schemas.microsoft.com/office/drawing/2014/main" val="4023994622"/>
+                      <a16:colId xmlns:a16="http://schemas.microsoft.com/office/drawing/2014/main" xmlns="" val="4023994622"/>
                     </a:ext>
                   </a:extLst>
                 </a:gridCol>
                 <a:gridCol w="1562100">
                   <a:extLst>
                     <a:ext uri="{9D8B030D-6E8A-4147-A177-3AD203B41FA5}">
-                      <a16:colId xmlns:a16="http://schemas.microsoft.com/office/drawing/2014/main" val="3619594727"/>
+                      <a16:colId xmlns:a16="http://schemas.microsoft.com/office/drawing/2014/main" xmlns="" val="3619594727"/>
                     </a:ext>
                   </a:extLst>
                 </a:gridCol>
                 <a:gridCol w="4162425">
                   <a:extLst>
                     <a:ext uri="{9D8B030D-6E8A-4147-A177-3AD203B41FA5}">
-                      <a16:colId xmlns:a16="http://schemas.microsoft.com/office/drawing/2014/main" val="1551228081"/>
+                      <a16:colId xmlns:a16="http://schemas.microsoft.com/office/drawing/2014/main" xmlns="" val="1551228081"/>
                     </a:ext>
                   </a:extLst>
                 </a:gridCol>
@@ -6194,7 +6558,7 @@
                 </a:tc>
                 <a:extLst>
                   <a:ext uri="{0D108BD9-81ED-4DB2-BD59-A6C34878D82A}">
-                    <a16:rowId xmlns:a16="http://schemas.microsoft.com/office/drawing/2014/main" val="1092949539"/>
+                    <a16:rowId xmlns:a16="http://schemas.microsoft.com/office/drawing/2014/main" xmlns="" val="1092949539"/>
                   </a:ext>
                 </a:extLst>
               </a:tr>
@@ -6545,7 +6909,7 @@
                 </a:tc>
                 <a:extLst>
                   <a:ext uri="{0D108BD9-81ED-4DB2-BD59-A6C34878D82A}">
-                    <a16:rowId xmlns:a16="http://schemas.microsoft.com/office/drawing/2014/main" val="4135988387"/>
+                    <a16:rowId xmlns:a16="http://schemas.microsoft.com/office/drawing/2014/main" xmlns="" val="4135988387"/>
                   </a:ext>
                 </a:extLst>
               </a:tr>
@@ -6868,7 +7232,7 @@
                 </a:tc>
                 <a:extLst>
                   <a:ext uri="{0D108BD9-81ED-4DB2-BD59-A6C34878D82A}">
-                    <a16:rowId xmlns:a16="http://schemas.microsoft.com/office/drawing/2014/main" val="1200325610"/>
+                    <a16:rowId xmlns:a16="http://schemas.microsoft.com/office/drawing/2014/main" xmlns="" val="1200325610"/>
                   </a:ext>
                 </a:extLst>
               </a:tr>
@@ -7177,7 +7541,7 @@
                 </a:tc>
                 <a:extLst>
                   <a:ext uri="{0D108BD9-81ED-4DB2-BD59-A6C34878D82A}">
-                    <a16:rowId xmlns:a16="http://schemas.microsoft.com/office/drawing/2014/main" val="169614643"/>
+                    <a16:rowId xmlns:a16="http://schemas.microsoft.com/office/drawing/2014/main" xmlns="" val="169614643"/>
                   </a:ext>
                 </a:extLst>
               </a:tr>
@@ -7528,7 +7892,7 @@
                 </a:tc>
                 <a:extLst>
                   <a:ext uri="{0D108BD9-81ED-4DB2-BD59-A6C34878D82A}">
-                    <a16:rowId xmlns:a16="http://schemas.microsoft.com/office/drawing/2014/main" val="2788824192"/>
+                    <a16:rowId xmlns:a16="http://schemas.microsoft.com/office/drawing/2014/main" xmlns="" val="2788824192"/>
                   </a:ext>
                 </a:extLst>
               </a:tr>
@@ -7795,7 +8159,7 @@
                 </a:tc>
                 <a:extLst>
                   <a:ext uri="{0D108BD9-81ED-4DB2-BD59-A6C34878D82A}">
-                    <a16:rowId xmlns:a16="http://schemas.microsoft.com/office/drawing/2014/main" val="2406214235"/>
+                    <a16:rowId xmlns:a16="http://schemas.microsoft.com/office/drawing/2014/main" xmlns="" val="2406214235"/>
                   </a:ext>
                 </a:extLst>
               </a:tr>
@@ -8142,7 +8506,7 @@
                 </a:tc>
                 <a:extLst>
                   <a:ext uri="{0D108BD9-81ED-4DB2-BD59-A6C34878D82A}">
-                    <a16:rowId xmlns:a16="http://schemas.microsoft.com/office/drawing/2014/main" val="1539968293"/>
+                    <a16:rowId xmlns:a16="http://schemas.microsoft.com/office/drawing/2014/main" xmlns="" val="1539968293"/>
                   </a:ext>
                 </a:extLst>
               </a:tr>
@@ -8285,28 +8649,28 @@
                 <a:gridCol w="1771650">
                   <a:extLst>
                     <a:ext uri="{9D8B030D-6E8A-4147-A177-3AD203B41FA5}">
-                      <a16:colId xmlns:a16="http://schemas.microsoft.com/office/drawing/2014/main" val="3790542227"/>
+                      <a16:colId xmlns:a16="http://schemas.microsoft.com/office/drawing/2014/main" xmlns="" val="3790542227"/>
                     </a:ext>
                   </a:extLst>
                 </a:gridCol>
                 <a:gridCol w="3933825">
                   <a:extLst>
                     <a:ext uri="{9D8B030D-6E8A-4147-A177-3AD203B41FA5}">
-                      <a16:colId xmlns:a16="http://schemas.microsoft.com/office/drawing/2014/main" val="1379228642"/>
+                      <a16:colId xmlns:a16="http://schemas.microsoft.com/office/drawing/2014/main" xmlns="" val="1379228642"/>
                     </a:ext>
                   </a:extLst>
                 </a:gridCol>
                 <a:gridCol w="1996913">
                   <a:extLst>
                     <a:ext uri="{9D8B030D-6E8A-4147-A177-3AD203B41FA5}">
-                      <a16:colId xmlns:a16="http://schemas.microsoft.com/office/drawing/2014/main" val="2031648666"/>
+                      <a16:colId xmlns:a16="http://schemas.microsoft.com/office/drawing/2014/main" xmlns="" val="2031648666"/>
                     </a:ext>
                   </a:extLst>
                 </a:gridCol>
                 <a:gridCol w="3708562">
                   <a:extLst>
                     <a:ext uri="{9D8B030D-6E8A-4147-A177-3AD203B41FA5}">
-                      <a16:colId xmlns:a16="http://schemas.microsoft.com/office/drawing/2014/main" val="2235991987"/>
+                      <a16:colId xmlns:a16="http://schemas.microsoft.com/office/drawing/2014/main" xmlns="" val="2235991987"/>
                     </a:ext>
                   </a:extLst>
                 </a:gridCol>
@@ -8558,7 +8922,7 @@
                 </a:tc>
                 <a:extLst>
                   <a:ext uri="{0D108BD9-81ED-4DB2-BD59-A6C34878D82A}">
-                    <a16:rowId xmlns:a16="http://schemas.microsoft.com/office/drawing/2014/main" val="3111837498"/>
+                    <a16:rowId xmlns:a16="http://schemas.microsoft.com/office/drawing/2014/main" xmlns="" val="3111837498"/>
                   </a:ext>
                 </a:extLst>
               </a:tr>
@@ -8818,7 +9182,7 @@
                 </a:tc>
                 <a:extLst>
                   <a:ext uri="{0D108BD9-81ED-4DB2-BD59-A6C34878D82A}">
-                    <a16:rowId xmlns:a16="http://schemas.microsoft.com/office/drawing/2014/main" val="3679006245"/>
+                    <a16:rowId xmlns:a16="http://schemas.microsoft.com/office/drawing/2014/main" xmlns="" val="3679006245"/>
                   </a:ext>
                 </a:extLst>
               </a:tr>
@@ -9078,7 +9442,7 @@
                 </a:tc>
                 <a:extLst>
                   <a:ext uri="{0D108BD9-81ED-4DB2-BD59-A6C34878D82A}">
-                    <a16:rowId xmlns:a16="http://schemas.microsoft.com/office/drawing/2014/main" val="2080939672"/>
+                    <a16:rowId xmlns:a16="http://schemas.microsoft.com/office/drawing/2014/main" xmlns="" val="2080939672"/>
                   </a:ext>
                 </a:extLst>
               </a:tr>
@@ -9331,7 +9695,7 @@
                 </a:tc>
                 <a:extLst>
                   <a:ext uri="{0D108BD9-81ED-4DB2-BD59-A6C34878D82A}">
-                    <a16:rowId xmlns:a16="http://schemas.microsoft.com/office/drawing/2014/main" val="414295895"/>
+                    <a16:rowId xmlns:a16="http://schemas.microsoft.com/office/drawing/2014/main" xmlns="" val="414295895"/>
                   </a:ext>
                 </a:extLst>
               </a:tr>
@@ -9598,7 +9962,7 @@
                 </a:tc>
                 <a:extLst>
                   <a:ext uri="{0D108BD9-81ED-4DB2-BD59-A6C34878D82A}">
-                    <a16:rowId xmlns:a16="http://schemas.microsoft.com/office/drawing/2014/main" val="94964750"/>
+                    <a16:rowId xmlns:a16="http://schemas.microsoft.com/office/drawing/2014/main" xmlns="" val="94964750"/>
                   </a:ext>
                 </a:extLst>
               </a:tr>
@@ -9858,7 +10222,7 @@
                 </a:tc>
                 <a:extLst>
                   <a:ext uri="{0D108BD9-81ED-4DB2-BD59-A6C34878D82A}">
-                    <a16:rowId xmlns:a16="http://schemas.microsoft.com/office/drawing/2014/main" val="4184363036"/>
+                    <a16:rowId xmlns:a16="http://schemas.microsoft.com/office/drawing/2014/main" xmlns="" val="4184363036"/>
                   </a:ext>
                 </a:extLst>
               </a:tr>
@@ -10118,7 +10482,7 @@
                 </a:tc>
                 <a:extLst>
                   <a:ext uri="{0D108BD9-81ED-4DB2-BD59-A6C34878D82A}">
-                    <a16:rowId xmlns:a16="http://schemas.microsoft.com/office/drawing/2014/main" val="460823643"/>
+                    <a16:rowId xmlns:a16="http://schemas.microsoft.com/office/drawing/2014/main" xmlns="" val="460823643"/>
                   </a:ext>
                 </a:extLst>
               </a:tr>
@@ -10189,28 +10553,28 @@
                 <a:gridCol w="1647179">
                   <a:extLst>
                     <a:ext uri="{9D8B030D-6E8A-4147-A177-3AD203B41FA5}">
-                      <a16:colId xmlns:a16="http://schemas.microsoft.com/office/drawing/2014/main" val="3790542227"/>
+                      <a16:colId xmlns:a16="http://schemas.microsoft.com/office/drawing/2014/main" xmlns="" val="3790542227"/>
                     </a:ext>
                   </a:extLst>
                 </a:gridCol>
                 <a:gridCol w="4053533">
                   <a:extLst>
                     <a:ext uri="{9D8B030D-6E8A-4147-A177-3AD203B41FA5}">
-                      <a16:colId xmlns:a16="http://schemas.microsoft.com/office/drawing/2014/main" val="1379228642"/>
+                      <a16:colId xmlns:a16="http://schemas.microsoft.com/office/drawing/2014/main" xmlns="" val="1379228642"/>
                     </a:ext>
                   </a:extLst>
                 </a:gridCol>
                 <a:gridCol w="2850356">
                   <a:extLst>
                     <a:ext uri="{9D8B030D-6E8A-4147-A177-3AD203B41FA5}">
-                      <a16:colId xmlns:a16="http://schemas.microsoft.com/office/drawing/2014/main" val="2031648666"/>
+                      <a16:colId xmlns:a16="http://schemas.microsoft.com/office/drawing/2014/main" xmlns="" val="2031648666"/>
                     </a:ext>
                   </a:extLst>
                 </a:gridCol>
                 <a:gridCol w="2850356">
                   <a:extLst>
                     <a:ext uri="{9D8B030D-6E8A-4147-A177-3AD203B41FA5}">
-                      <a16:colId xmlns:a16="http://schemas.microsoft.com/office/drawing/2014/main" val="2235991987"/>
+                      <a16:colId xmlns:a16="http://schemas.microsoft.com/office/drawing/2014/main" xmlns="" val="2235991987"/>
                     </a:ext>
                   </a:extLst>
                 </a:gridCol>
@@ -10462,7 +10826,7 @@
                 </a:tc>
                 <a:extLst>
                   <a:ext uri="{0D108BD9-81ED-4DB2-BD59-A6C34878D82A}">
-                    <a16:rowId xmlns:a16="http://schemas.microsoft.com/office/drawing/2014/main" val="3111837498"/>
+                    <a16:rowId xmlns:a16="http://schemas.microsoft.com/office/drawing/2014/main" xmlns="" val="3111837498"/>
                   </a:ext>
                 </a:extLst>
               </a:tr>
@@ -10750,7 +11114,7 @@
                 </a:tc>
                 <a:extLst>
                   <a:ext uri="{0D108BD9-81ED-4DB2-BD59-A6C34878D82A}">
-                    <a16:rowId xmlns:a16="http://schemas.microsoft.com/office/drawing/2014/main" val="3546249796"/>
+                    <a16:rowId xmlns:a16="http://schemas.microsoft.com/office/drawing/2014/main" xmlns="" val="3546249796"/>
                   </a:ext>
                 </a:extLst>
               </a:tr>
@@ -11003,7 +11367,7 @@
                 </a:tc>
                 <a:extLst>
                   <a:ext uri="{0D108BD9-81ED-4DB2-BD59-A6C34878D82A}">
-                    <a16:rowId xmlns:a16="http://schemas.microsoft.com/office/drawing/2014/main" val="228318580"/>
+                    <a16:rowId xmlns:a16="http://schemas.microsoft.com/office/drawing/2014/main" xmlns="" val="228318580"/>
                   </a:ext>
                 </a:extLst>
               </a:tr>
@@ -12856,17 +13220,8 @@
               <a:rPr lang="ru-RU" sz="2400" dirty="0" smtClean="0">
                 <a:latin typeface="Bookman Old Style" panose="02050604050505020204" pitchFamily="18" charset="0"/>
               </a:rPr>
-              <a:t>одинарными</a:t>
-            </a:r>
-            <a:r>
-              <a:rPr lang="ru-RU" sz="2400" dirty="0" smtClean="0">
-                <a:latin typeface="Bookman Old Style" panose="02050604050505020204" pitchFamily="18" charset="0"/>
-              </a:rPr>
-              <a:t>.</a:t>
-            </a:r>
-            <a:endParaRPr lang="ru-RU" sz="2400" dirty="0" smtClean="0">
-              <a:latin typeface="Bookman Old Style" panose="02050604050505020204" pitchFamily="18" charset="0"/>
-            </a:endParaRPr>
+              <a:t>одинарными.</a:t>
+            </a:r>
           </a:p>
         </p:txBody>
       </p:sp>
@@ -13617,6 +13972,1620 @@
 </p:sld>
 </file>
 
+<file path=ppt/slides/slide19.xml><?xml version="1.0" encoding="utf-8"?>
+<p:sld xmlns:a="http://schemas.openxmlformats.org/drawingml/2006/main" xmlns:r="http://schemas.openxmlformats.org/officeDocument/2006/relationships" xmlns:p="http://schemas.openxmlformats.org/presentationml/2006/main">
+  <p:cSld>
+    <p:spTree>
+      <p:nvGrpSpPr>
+        <p:cNvPr id="1" name=""/>
+        <p:cNvGrpSpPr/>
+        <p:nvPr/>
+      </p:nvGrpSpPr>
+      <p:grpSpPr>
+        <a:xfrm>
+          <a:off x="0" y="0"/>
+          <a:ext cx="0" cy="0"/>
+          <a:chOff x="0" y="0"/>
+          <a:chExt cx="0" cy="0"/>
+        </a:xfrm>
+      </p:grpSpPr>
+      <p:sp>
+        <p:nvSpPr>
+          <p:cNvPr id="7" name="Прямоугольник 6"/>
+          <p:cNvSpPr/>
+          <p:nvPr/>
+        </p:nvSpPr>
+        <p:spPr>
+          <a:xfrm>
+            <a:off x="-2" y="0"/>
+            <a:ext cx="12192000" cy="6986528"/>
+          </a:xfrm>
+          <a:prstGeom prst="rect">
+            <a:avLst/>
+          </a:prstGeom>
+        </p:spPr>
+        <p:txBody>
+          <a:bodyPr wrap="square" lIns="360000" rIns="360000">
+            <a:spAutoFit/>
+          </a:bodyPr>
+          <a:lstStyle/>
+          <a:p>
+            <a:pPr algn="just"/>
+            <a:r>
+              <a:rPr lang="ru-RU" sz="2400" dirty="0" smtClean="0">
+                <a:latin typeface="Bookman Old Style" panose="02050604050505020204" pitchFamily="18" charset="0"/>
+              </a:rPr>
+              <a:t>Группы захвата</a:t>
+            </a:r>
+            <a:r>
+              <a:rPr lang="ru-RU" sz="2400" dirty="0">
+                <a:latin typeface="Bookman Old Style" panose="02050604050505020204" pitchFamily="18" charset="0"/>
+              </a:rPr>
+              <a:t> </a:t>
+            </a:r>
+            <a:r>
+              <a:rPr lang="ru-RU" sz="2400" dirty="0">
+                <a:latin typeface="Bookman Old Style" panose="02050604050505020204" pitchFamily="18" charset="0"/>
+              </a:rPr>
+              <a:t> создаются с помощью круглых скобок (), которые позволяют извлечь определенные части совпавшей </a:t>
+            </a:r>
+            <a:r>
+              <a:rPr lang="ru-RU" sz="2400" dirty="0" smtClean="0">
+                <a:latin typeface="Bookman Old Style" panose="02050604050505020204" pitchFamily="18" charset="0"/>
+              </a:rPr>
+              <a:t>строки.</a:t>
+            </a:r>
+            <a:endParaRPr lang="ru-RU" sz="2400" dirty="0">
+              <a:latin typeface="Bookman Old Style" panose="02050604050505020204" pitchFamily="18" charset="0"/>
+            </a:endParaRPr>
+          </a:p>
+          <a:p>
+            <a:r>
+              <a:rPr lang="en-US" sz="2000" dirty="0" smtClean="0">
+                <a:solidFill>
+                  <a:srgbClr val="0000FF"/>
+                </a:solidFill>
+                <a:latin typeface="Consolas" panose="020B0609020204030204" pitchFamily="49" charset="0"/>
+              </a:rPr>
+              <a:t>string</a:t>
+            </a:r>
+            <a:r>
+              <a:rPr lang="en-US" sz="2000" dirty="0" smtClean="0">
+                <a:solidFill>
+                  <a:srgbClr val="000000"/>
+                </a:solidFill>
+                <a:latin typeface="Consolas" panose="020B0609020204030204" pitchFamily="49" charset="0"/>
+              </a:rPr>
+              <a:t> </a:t>
+            </a:r>
+            <a:r>
+              <a:rPr lang="en-US" sz="2000" dirty="0">
+                <a:solidFill>
+                  <a:srgbClr val="001080"/>
+                </a:solidFill>
+                <a:latin typeface="Consolas" panose="020B0609020204030204" pitchFamily="49" charset="0"/>
+              </a:rPr>
+              <a:t>log</a:t>
+            </a:r>
+            <a:r>
+              <a:rPr lang="en-US" sz="2000" dirty="0">
+                <a:solidFill>
+                  <a:srgbClr val="000000"/>
+                </a:solidFill>
+                <a:latin typeface="Consolas" panose="020B0609020204030204" pitchFamily="49" charset="0"/>
+              </a:rPr>
+              <a:t> = </a:t>
+            </a:r>
+            <a:r>
+              <a:rPr lang="en-US" sz="2000" dirty="0">
+                <a:solidFill>
+                  <a:srgbClr val="A31515"/>
+                </a:solidFill>
+                <a:latin typeface="Consolas" panose="020B0609020204030204" pitchFamily="49" charset="0"/>
+              </a:rPr>
+              <a:t>"""</a:t>
+            </a:r>
+            <a:endParaRPr lang="en-US" sz="2000" dirty="0">
+              <a:solidFill>
+                <a:srgbClr val="000000"/>
+              </a:solidFill>
+              <a:latin typeface="Consolas" panose="020B0609020204030204" pitchFamily="49" charset="0"/>
+            </a:endParaRPr>
+          </a:p>
+          <a:p>
+            <a:r>
+              <a:rPr lang="en-US" sz="2000" dirty="0">
+                <a:solidFill>
+                  <a:srgbClr val="A31515"/>
+                </a:solidFill>
+                <a:latin typeface="Consolas" panose="020B0609020204030204" pitchFamily="49" charset="0"/>
+              </a:rPr>
+              <a:t>        [ERROR] 2023-10-15 14:30:25 Database connection failed</a:t>
+            </a:r>
+            <a:endParaRPr lang="en-US" sz="2000" dirty="0">
+              <a:solidFill>
+                <a:srgbClr val="000000"/>
+              </a:solidFill>
+              <a:latin typeface="Consolas" panose="020B0609020204030204" pitchFamily="49" charset="0"/>
+            </a:endParaRPr>
+          </a:p>
+          <a:p>
+            <a:r>
+              <a:rPr lang="en-US" sz="2000" dirty="0">
+                <a:solidFill>
+                  <a:srgbClr val="A31515"/>
+                </a:solidFill>
+                <a:latin typeface="Consolas" panose="020B0609020204030204" pitchFamily="49" charset="0"/>
+              </a:rPr>
+              <a:t>        [INFO] 2023-10-15 14:31:00 User login successful</a:t>
+            </a:r>
+            <a:endParaRPr lang="en-US" sz="2000" dirty="0">
+              <a:solidFill>
+                <a:srgbClr val="000000"/>
+              </a:solidFill>
+              <a:latin typeface="Consolas" panose="020B0609020204030204" pitchFamily="49" charset="0"/>
+            </a:endParaRPr>
+          </a:p>
+          <a:p>
+            <a:r>
+              <a:rPr lang="en-US" sz="2000" dirty="0">
+                <a:solidFill>
+                  <a:srgbClr val="A31515"/>
+                </a:solidFill>
+                <a:latin typeface="Consolas" panose="020B0609020204030204" pitchFamily="49" charset="0"/>
+              </a:rPr>
+              <a:t>        [WARN] 2023-10-15 14:32:15 High memory usage detected</a:t>
+            </a:r>
+            <a:endParaRPr lang="en-US" sz="2000" dirty="0">
+              <a:solidFill>
+                <a:srgbClr val="000000"/>
+              </a:solidFill>
+              <a:latin typeface="Consolas" panose="020B0609020204030204" pitchFamily="49" charset="0"/>
+            </a:endParaRPr>
+          </a:p>
+          <a:p>
+            <a:r>
+              <a:rPr lang="en-US" sz="2000" dirty="0">
+                <a:solidFill>
+                  <a:srgbClr val="A31515"/>
+                </a:solidFill>
+                <a:latin typeface="Consolas" panose="020B0609020204030204" pitchFamily="49" charset="0"/>
+              </a:rPr>
+              <a:t>        """</a:t>
+            </a:r>
+            <a:r>
+              <a:rPr lang="en-US" sz="2000" dirty="0">
+                <a:solidFill>
+                  <a:srgbClr val="222222"/>
+                </a:solidFill>
+                <a:latin typeface="Consolas" panose="020B0609020204030204" pitchFamily="49" charset="0"/>
+              </a:rPr>
+              <a:t>;</a:t>
+            </a:r>
+            <a:endParaRPr lang="en-US" sz="2000" dirty="0">
+              <a:solidFill>
+                <a:srgbClr val="000000"/>
+              </a:solidFill>
+              <a:latin typeface="Consolas" panose="020B0609020204030204" pitchFamily="49" charset="0"/>
+            </a:endParaRPr>
+          </a:p>
+          <a:p>
+            <a:r>
+              <a:rPr lang="en-US" sz="2000" dirty="0" smtClean="0">
+                <a:solidFill>
+                  <a:srgbClr val="0000FF"/>
+                </a:solidFill>
+                <a:latin typeface="Consolas" panose="020B0609020204030204" pitchFamily="49" charset="0"/>
+              </a:rPr>
+              <a:t>string</a:t>
+            </a:r>
+            <a:r>
+              <a:rPr lang="en-US" sz="2000" dirty="0" smtClean="0">
+                <a:solidFill>
+                  <a:srgbClr val="000000"/>
+                </a:solidFill>
+                <a:latin typeface="Consolas" panose="020B0609020204030204" pitchFamily="49" charset="0"/>
+              </a:rPr>
+              <a:t> </a:t>
+            </a:r>
+            <a:r>
+              <a:rPr lang="en-US" sz="2000" dirty="0" smtClean="0">
+                <a:solidFill>
+                  <a:srgbClr val="001080"/>
+                </a:solidFill>
+                <a:latin typeface="Consolas" panose="020B0609020204030204" pitchFamily="49" charset="0"/>
+              </a:rPr>
+              <a:t>pattern</a:t>
+            </a:r>
+            <a:r>
+              <a:rPr lang="en-US" sz="2000" dirty="0" smtClean="0">
+                <a:solidFill>
+                  <a:srgbClr val="000000"/>
+                </a:solidFill>
+                <a:latin typeface="Consolas" panose="020B0609020204030204" pitchFamily="49" charset="0"/>
+              </a:rPr>
+              <a:t> </a:t>
+            </a:r>
+            <a:r>
+              <a:rPr lang="en-US" sz="2000" dirty="0">
+                <a:solidFill>
+                  <a:srgbClr val="000000"/>
+                </a:solidFill>
+                <a:latin typeface="Consolas" panose="020B0609020204030204" pitchFamily="49" charset="0"/>
+              </a:rPr>
+              <a:t>= </a:t>
+            </a:r>
+            <a:r>
+              <a:rPr lang="en-US" sz="2000" dirty="0">
+                <a:solidFill>
+                  <a:srgbClr val="A31515"/>
+                </a:solidFill>
+                <a:latin typeface="Consolas" panose="020B0609020204030204" pitchFamily="49" charset="0"/>
+              </a:rPr>
+              <a:t>@"\[(\w+)\] (\d{4}-\d{2}-\d{2}) (\d{2}:\d{2}:\d{2}) </a:t>
+            </a:r>
+            <a:r>
+              <a:rPr lang="en-US" sz="2000" dirty="0" smtClean="0">
+                <a:solidFill>
+                  <a:srgbClr val="A31515"/>
+                </a:solidFill>
+                <a:latin typeface="Consolas" panose="020B0609020204030204" pitchFamily="49" charset="0"/>
+              </a:rPr>
+              <a:t>(.+)"</a:t>
+            </a:r>
+            <a:r>
+              <a:rPr lang="en-US" sz="2000" dirty="0" smtClean="0">
+                <a:solidFill>
+                  <a:srgbClr val="222222"/>
+                </a:solidFill>
+                <a:latin typeface="Consolas" panose="020B0609020204030204" pitchFamily="49" charset="0"/>
+              </a:rPr>
+              <a:t>;</a:t>
+            </a:r>
+            <a:r>
+              <a:rPr lang="en-US" sz="2000" dirty="0" smtClean="0">
+                <a:solidFill>
+                  <a:srgbClr val="000000"/>
+                </a:solidFill>
+                <a:latin typeface="Consolas" panose="020B0609020204030204" pitchFamily="49" charset="0"/>
+              </a:rPr>
+              <a:t> </a:t>
+            </a:r>
+            <a:endParaRPr lang="en-US" sz="2000" dirty="0">
+              <a:solidFill>
+                <a:srgbClr val="000000"/>
+              </a:solidFill>
+              <a:latin typeface="Consolas" panose="020B0609020204030204" pitchFamily="49" charset="0"/>
+            </a:endParaRPr>
+          </a:p>
+          <a:p>
+            <a:r>
+              <a:rPr lang="en-US" sz="2000" dirty="0" err="1" smtClean="0">
+                <a:solidFill>
+                  <a:srgbClr val="267F99"/>
+                </a:solidFill>
+                <a:latin typeface="Consolas" panose="020B0609020204030204" pitchFamily="49" charset="0"/>
+              </a:rPr>
+              <a:t>MatchCollection</a:t>
+            </a:r>
+            <a:r>
+              <a:rPr lang="en-US" sz="2000" dirty="0" smtClean="0">
+                <a:solidFill>
+                  <a:srgbClr val="000000"/>
+                </a:solidFill>
+                <a:latin typeface="Consolas" panose="020B0609020204030204" pitchFamily="49" charset="0"/>
+              </a:rPr>
+              <a:t> </a:t>
+            </a:r>
+            <a:r>
+              <a:rPr lang="en-US" sz="2000" dirty="0">
+                <a:solidFill>
+                  <a:srgbClr val="001080"/>
+                </a:solidFill>
+                <a:latin typeface="Consolas" panose="020B0609020204030204" pitchFamily="49" charset="0"/>
+              </a:rPr>
+              <a:t>matches</a:t>
+            </a:r>
+            <a:r>
+              <a:rPr lang="en-US" sz="2000" dirty="0">
+                <a:solidFill>
+                  <a:srgbClr val="000000"/>
+                </a:solidFill>
+                <a:latin typeface="Consolas" panose="020B0609020204030204" pitchFamily="49" charset="0"/>
+              </a:rPr>
+              <a:t> = </a:t>
+            </a:r>
+            <a:r>
+              <a:rPr lang="en-US" sz="2000" dirty="0" err="1">
+                <a:solidFill>
+                  <a:srgbClr val="001080"/>
+                </a:solidFill>
+                <a:latin typeface="Consolas" panose="020B0609020204030204" pitchFamily="49" charset="0"/>
+              </a:rPr>
+              <a:t>Regex</a:t>
+            </a:r>
+            <a:r>
+              <a:rPr lang="en-US" sz="2000" dirty="0" err="1">
+                <a:solidFill>
+                  <a:srgbClr val="222222"/>
+                </a:solidFill>
+                <a:latin typeface="Consolas" panose="020B0609020204030204" pitchFamily="49" charset="0"/>
+              </a:rPr>
+              <a:t>.</a:t>
+            </a:r>
+            <a:r>
+              <a:rPr lang="en-US" sz="2000" dirty="0" err="1">
+                <a:solidFill>
+                  <a:srgbClr val="795E26"/>
+                </a:solidFill>
+                <a:latin typeface="Consolas" panose="020B0609020204030204" pitchFamily="49" charset="0"/>
+              </a:rPr>
+              <a:t>Matches</a:t>
+            </a:r>
+            <a:r>
+              <a:rPr lang="en-US" sz="2000" dirty="0">
+                <a:solidFill>
+                  <a:srgbClr val="222222"/>
+                </a:solidFill>
+                <a:latin typeface="Consolas" panose="020B0609020204030204" pitchFamily="49" charset="0"/>
+              </a:rPr>
+              <a:t>(</a:t>
+            </a:r>
+            <a:r>
+              <a:rPr lang="en-US" sz="2000" dirty="0">
+                <a:solidFill>
+                  <a:srgbClr val="001080"/>
+                </a:solidFill>
+                <a:latin typeface="Consolas" panose="020B0609020204030204" pitchFamily="49" charset="0"/>
+              </a:rPr>
+              <a:t>log</a:t>
+            </a:r>
+            <a:r>
+              <a:rPr lang="en-US" sz="2000" dirty="0">
+                <a:solidFill>
+                  <a:srgbClr val="222222"/>
+                </a:solidFill>
+                <a:latin typeface="Consolas" panose="020B0609020204030204" pitchFamily="49" charset="0"/>
+              </a:rPr>
+              <a:t>,</a:t>
+            </a:r>
+            <a:r>
+              <a:rPr lang="en-US" sz="2000" dirty="0">
+                <a:solidFill>
+                  <a:srgbClr val="000000"/>
+                </a:solidFill>
+                <a:latin typeface="Consolas" panose="020B0609020204030204" pitchFamily="49" charset="0"/>
+              </a:rPr>
+              <a:t> </a:t>
+            </a:r>
+            <a:r>
+              <a:rPr lang="en-US" sz="2000" dirty="0">
+                <a:solidFill>
+                  <a:srgbClr val="001080"/>
+                </a:solidFill>
+                <a:latin typeface="Consolas" panose="020B0609020204030204" pitchFamily="49" charset="0"/>
+              </a:rPr>
+              <a:t>pattern</a:t>
+            </a:r>
+            <a:r>
+              <a:rPr lang="en-US" sz="2000" dirty="0" smtClean="0">
+                <a:solidFill>
+                  <a:srgbClr val="222222"/>
+                </a:solidFill>
+                <a:latin typeface="Consolas" panose="020B0609020204030204" pitchFamily="49" charset="0"/>
+              </a:rPr>
+              <a:t>);</a:t>
+            </a:r>
+            <a:r>
+              <a:rPr lang="en-US" sz="2000" dirty="0" smtClean="0">
+                <a:solidFill>
+                  <a:srgbClr val="000000"/>
+                </a:solidFill>
+                <a:latin typeface="Consolas" panose="020B0609020204030204" pitchFamily="49" charset="0"/>
+              </a:rPr>
+              <a:t> </a:t>
+            </a:r>
+            <a:r>
+              <a:rPr lang="en-US" sz="2000" dirty="0">
+                <a:solidFill>
+                  <a:srgbClr val="000000"/>
+                </a:solidFill>
+                <a:latin typeface="Consolas" panose="020B0609020204030204" pitchFamily="49" charset="0"/>
+              </a:rPr>
+              <a:t>  </a:t>
+            </a:r>
+          </a:p>
+          <a:p>
+            <a:r>
+              <a:rPr lang="en-US" sz="2000" dirty="0" err="1" smtClean="0">
+                <a:solidFill>
+                  <a:srgbClr val="AF00DB"/>
+                </a:solidFill>
+                <a:latin typeface="Consolas" panose="020B0609020204030204" pitchFamily="49" charset="0"/>
+              </a:rPr>
+              <a:t>foreach</a:t>
+            </a:r>
+            <a:r>
+              <a:rPr lang="en-US" sz="2000" dirty="0" smtClean="0">
+                <a:solidFill>
+                  <a:srgbClr val="000000"/>
+                </a:solidFill>
+                <a:latin typeface="Consolas" panose="020B0609020204030204" pitchFamily="49" charset="0"/>
+              </a:rPr>
+              <a:t> </a:t>
+            </a:r>
+            <a:r>
+              <a:rPr lang="en-US" sz="2000" dirty="0">
+                <a:solidFill>
+                  <a:srgbClr val="222222"/>
+                </a:solidFill>
+                <a:latin typeface="Consolas" panose="020B0609020204030204" pitchFamily="49" charset="0"/>
+              </a:rPr>
+              <a:t>(</a:t>
+            </a:r>
+            <a:r>
+              <a:rPr lang="en-US" sz="2000" dirty="0">
+                <a:solidFill>
+                  <a:srgbClr val="267F99"/>
+                </a:solidFill>
+                <a:latin typeface="Consolas" panose="020B0609020204030204" pitchFamily="49" charset="0"/>
+              </a:rPr>
+              <a:t>Match</a:t>
+            </a:r>
+            <a:r>
+              <a:rPr lang="en-US" sz="2000" dirty="0">
+                <a:solidFill>
+                  <a:srgbClr val="000000"/>
+                </a:solidFill>
+                <a:latin typeface="Consolas" panose="020B0609020204030204" pitchFamily="49" charset="0"/>
+              </a:rPr>
+              <a:t> </a:t>
+            </a:r>
+            <a:r>
+              <a:rPr lang="en-US" sz="2000" dirty="0" err="1">
+                <a:solidFill>
+                  <a:srgbClr val="001080"/>
+                </a:solidFill>
+                <a:latin typeface="Consolas" panose="020B0609020204030204" pitchFamily="49" charset="0"/>
+              </a:rPr>
+              <a:t>match</a:t>
+            </a:r>
+            <a:r>
+              <a:rPr lang="en-US" sz="2000" dirty="0">
+                <a:solidFill>
+                  <a:srgbClr val="000000"/>
+                </a:solidFill>
+                <a:latin typeface="Consolas" panose="020B0609020204030204" pitchFamily="49" charset="0"/>
+              </a:rPr>
+              <a:t> </a:t>
+            </a:r>
+            <a:r>
+              <a:rPr lang="en-US" sz="2000" dirty="0">
+                <a:solidFill>
+                  <a:srgbClr val="AF00DB"/>
+                </a:solidFill>
+                <a:latin typeface="Consolas" panose="020B0609020204030204" pitchFamily="49" charset="0"/>
+              </a:rPr>
+              <a:t>in</a:t>
+            </a:r>
+            <a:r>
+              <a:rPr lang="en-US" sz="2000" dirty="0">
+                <a:solidFill>
+                  <a:srgbClr val="000000"/>
+                </a:solidFill>
+                <a:latin typeface="Consolas" panose="020B0609020204030204" pitchFamily="49" charset="0"/>
+              </a:rPr>
+              <a:t> </a:t>
+            </a:r>
+            <a:r>
+              <a:rPr lang="en-US" sz="2000" dirty="0">
+                <a:solidFill>
+                  <a:srgbClr val="001080"/>
+                </a:solidFill>
+                <a:latin typeface="Consolas" panose="020B0609020204030204" pitchFamily="49" charset="0"/>
+              </a:rPr>
+              <a:t>matches</a:t>
+            </a:r>
+            <a:r>
+              <a:rPr lang="en-US" sz="2000" dirty="0">
+                <a:solidFill>
+                  <a:srgbClr val="222222"/>
+                </a:solidFill>
+                <a:latin typeface="Consolas" panose="020B0609020204030204" pitchFamily="49" charset="0"/>
+              </a:rPr>
+              <a:t>)</a:t>
+            </a:r>
+            <a:endParaRPr lang="en-US" sz="2000" dirty="0">
+              <a:solidFill>
+                <a:srgbClr val="000000"/>
+              </a:solidFill>
+              <a:latin typeface="Consolas" panose="020B0609020204030204" pitchFamily="49" charset="0"/>
+            </a:endParaRPr>
+          </a:p>
+          <a:p>
+            <a:r>
+              <a:rPr lang="en-US" sz="2000" dirty="0" smtClean="0">
+                <a:solidFill>
+                  <a:srgbClr val="222222"/>
+                </a:solidFill>
+                <a:latin typeface="Consolas" panose="020B0609020204030204" pitchFamily="49" charset="0"/>
+              </a:rPr>
+              <a:t>{</a:t>
+            </a:r>
+            <a:endParaRPr lang="en-US" sz="2000" dirty="0">
+              <a:solidFill>
+                <a:srgbClr val="000000"/>
+              </a:solidFill>
+              <a:latin typeface="Consolas" panose="020B0609020204030204" pitchFamily="49" charset="0"/>
+            </a:endParaRPr>
+          </a:p>
+          <a:p>
+            <a:r>
+              <a:rPr lang="en-US" sz="2000" dirty="0" smtClean="0">
+                <a:solidFill>
+                  <a:srgbClr val="AF00DB"/>
+                </a:solidFill>
+                <a:latin typeface="Consolas" panose="020B0609020204030204" pitchFamily="49" charset="0"/>
+              </a:rPr>
+              <a:t>	if</a:t>
+            </a:r>
+            <a:r>
+              <a:rPr lang="en-US" sz="2000" dirty="0" smtClean="0">
+                <a:solidFill>
+                  <a:srgbClr val="000000"/>
+                </a:solidFill>
+                <a:latin typeface="Consolas" panose="020B0609020204030204" pitchFamily="49" charset="0"/>
+              </a:rPr>
+              <a:t> </a:t>
+            </a:r>
+            <a:r>
+              <a:rPr lang="en-US" sz="2000" dirty="0">
+                <a:solidFill>
+                  <a:srgbClr val="222222"/>
+                </a:solidFill>
+                <a:latin typeface="Consolas" panose="020B0609020204030204" pitchFamily="49" charset="0"/>
+              </a:rPr>
+              <a:t>(</a:t>
+            </a:r>
+            <a:r>
+              <a:rPr lang="en-US" sz="2000" dirty="0" err="1">
+                <a:solidFill>
+                  <a:srgbClr val="001080"/>
+                </a:solidFill>
+                <a:latin typeface="Consolas" panose="020B0609020204030204" pitchFamily="49" charset="0"/>
+              </a:rPr>
+              <a:t>match</a:t>
+            </a:r>
+            <a:r>
+              <a:rPr lang="en-US" sz="2000" dirty="0" err="1">
+                <a:solidFill>
+                  <a:srgbClr val="222222"/>
+                </a:solidFill>
+                <a:latin typeface="Consolas" panose="020B0609020204030204" pitchFamily="49" charset="0"/>
+              </a:rPr>
+              <a:t>.</a:t>
+            </a:r>
+            <a:r>
+              <a:rPr lang="en-US" sz="2000" dirty="0" err="1">
+                <a:solidFill>
+                  <a:srgbClr val="001080"/>
+                </a:solidFill>
+                <a:latin typeface="Consolas" panose="020B0609020204030204" pitchFamily="49" charset="0"/>
+              </a:rPr>
+              <a:t>Success</a:t>
+            </a:r>
+            <a:r>
+              <a:rPr lang="en-US" sz="2000" dirty="0">
+                <a:solidFill>
+                  <a:srgbClr val="222222"/>
+                </a:solidFill>
+                <a:latin typeface="Consolas" panose="020B0609020204030204" pitchFamily="49" charset="0"/>
+              </a:rPr>
+              <a:t>)</a:t>
+            </a:r>
+            <a:endParaRPr lang="en-US" sz="2000" dirty="0">
+              <a:solidFill>
+                <a:srgbClr val="000000"/>
+              </a:solidFill>
+              <a:latin typeface="Consolas" panose="020B0609020204030204" pitchFamily="49" charset="0"/>
+            </a:endParaRPr>
+          </a:p>
+          <a:p>
+            <a:r>
+              <a:rPr lang="en-US" sz="2000" dirty="0" smtClean="0">
+                <a:solidFill>
+                  <a:srgbClr val="222222"/>
+                </a:solidFill>
+                <a:latin typeface="Consolas" panose="020B0609020204030204" pitchFamily="49" charset="0"/>
+              </a:rPr>
+              <a:t>	{</a:t>
+            </a:r>
+            <a:endParaRPr lang="en-US" sz="2000" dirty="0">
+              <a:solidFill>
+                <a:srgbClr val="000000"/>
+              </a:solidFill>
+              <a:latin typeface="Consolas" panose="020B0609020204030204" pitchFamily="49" charset="0"/>
+            </a:endParaRPr>
+          </a:p>
+          <a:p>
+            <a:r>
+              <a:rPr lang="en-US" sz="2000" dirty="0" smtClean="0">
+                <a:solidFill>
+                  <a:srgbClr val="0000FF"/>
+                </a:solidFill>
+                <a:latin typeface="Consolas" panose="020B0609020204030204" pitchFamily="49" charset="0"/>
+              </a:rPr>
+              <a:t>		string</a:t>
+            </a:r>
+            <a:r>
+              <a:rPr lang="en-US" sz="2000" dirty="0" smtClean="0">
+                <a:solidFill>
+                  <a:srgbClr val="000000"/>
+                </a:solidFill>
+                <a:latin typeface="Consolas" panose="020B0609020204030204" pitchFamily="49" charset="0"/>
+              </a:rPr>
+              <a:t> </a:t>
+            </a:r>
+            <a:r>
+              <a:rPr lang="en-US" sz="2000" dirty="0">
+                <a:solidFill>
+                  <a:srgbClr val="001080"/>
+                </a:solidFill>
+                <a:latin typeface="Consolas" panose="020B0609020204030204" pitchFamily="49" charset="0"/>
+              </a:rPr>
+              <a:t>level</a:t>
+            </a:r>
+            <a:r>
+              <a:rPr lang="en-US" sz="2000" dirty="0">
+                <a:solidFill>
+                  <a:srgbClr val="000000"/>
+                </a:solidFill>
+                <a:latin typeface="Consolas" panose="020B0609020204030204" pitchFamily="49" charset="0"/>
+              </a:rPr>
+              <a:t> = </a:t>
+            </a:r>
+            <a:r>
+              <a:rPr lang="en-US" sz="2000" dirty="0" err="1">
+                <a:solidFill>
+                  <a:srgbClr val="001080"/>
+                </a:solidFill>
+                <a:latin typeface="Consolas" panose="020B0609020204030204" pitchFamily="49" charset="0"/>
+              </a:rPr>
+              <a:t>match</a:t>
+            </a:r>
+            <a:r>
+              <a:rPr lang="en-US" sz="2000" dirty="0" err="1">
+                <a:solidFill>
+                  <a:srgbClr val="222222"/>
+                </a:solidFill>
+                <a:latin typeface="Consolas" panose="020B0609020204030204" pitchFamily="49" charset="0"/>
+              </a:rPr>
+              <a:t>.</a:t>
+            </a:r>
+            <a:r>
+              <a:rPr lang="en-US" sz="2000" dirty="0" err="1">
+                <a:solidFill>
+                  <a:srgbClr val="001080"/>
+                </a:solidFill>
+                <a:latin typeface="Consolas" panose="020B0609020204030204" pitchFamily="49" charset="0"/>
+              </a:rPr>
+              <a:t>Groups</a:t>
+            </a:r>
+            <a:r>
+              <a:rPr lang="en-US" sz="2000" dirty="0">
+                <a:solidFill>
+                  <a:srgbClr val="222222"/>
+                </a:solidFill>
+                <a:latin typeface="Consolas" panose="020B0609020204030204" pitchFamily="49" charset="0"/>
+              </a:rPr>
+              <a:t>[</a:t>
+            </a:r>
+            <a:r>
+              <a:rPr lang="en-US" sz="2000" dirty="0">
+                <a:solidFill>
+                  <a:srgbClr val="098658"/>
+                </a:solidFill>
+                <a:latin typeface="Consolas" panose="020B0609020204030204" pitchFamily="49" charset="0"/>
+              </a:rPr>
+              <a:t>1</a:t>
+            </a:r>
+            <a:r>
+              <a:rPr lang="en-US" sz="2000" dirty="0">
+                <a:solidFill>
+                  <a:srgbClr val="222222"/>
+                </a:solidFill>
+                <a:latin typeface="Consolas" panose="020B0609020204030204" pitchFamily="49" charset="0"/>
+              </a:rPr>
+              <a:t>].</a:t>
+            </a:r>
+            <a:r>
+              <a:rPr lang="en-US" sz="2000" dirty="0">
+                <a:solidFill>
+                  <a:srgbClr val="001080"/>
+                </a:solidFill>
+                <a:latin typeface="Consolas" panose="020B0609020204030204" pitchFamily="49" charset="0"/>
+              </a:rPr>
+              <a:t>Value</a:t>
+            </a:r>
+            <a:r>
+              <a:rPr lang="en-US" sz="2000" dirty="0" smtClean="0">
+                <a:solidFill>
+                  <a:srgbClr val="222222"/>
+                </a:solidFill>
+                <a:latin typeface="Consolas" panose="020B0609020204030204" pitchFamily="49" charset="0"/>
+              </a:rPr>
+              <a:t>;  </a:t>
+            </a:r>
+            <a:r>
+              <a:rPr lang="en-US" sz="2000" dirty="0" smtClean="0">
+                <a:solidFill>
+                  <a:srgbClr val="008000"/>
+                </a:solidFill>
+                <a:latin typeface="Consolas" panose="020B0609020204030204" pitchFamily="49" charset="0"/>
+              </a:rPr>
+              <a:t>//ERROR</a:t>
+            </a:r>
+            <a:r>
+              <a:rPr lang="en-US" sz="2000" dirty="0">
+                <a:solidFill>
+                  <a:srgbClr val="008000"/>
+                </a:solidFill>
+                <a:latin typeface="Consolas" panose="020B0609020204030204" pitchFamily="49" charset="0"/>
+              </a:rPr>
+              <a:t>, </a:t>
+            </a:r>
+            <a:r>
+              <a:rPr lang="en-US" sz="2000" dirty="0" smtClean="0">
+                <a:solidFill>
+                  <a:srgbClr val="008000"/>
+                </a:solidFill>
+                <a:latin typeface="Consolas" panose="020B0609020204030204" pitchFamily="49" charset="0"/>
+              </a:rPr>
+              <a:t>INFO, WARN</a:t>
+            </a:r>
+            <a:endParaRPr lang="en-US" sz="2000" dirty="0">
+              <a:solidFill>
+                <a:srgbClr val="000000"/>
+              </a:solidFill>
+              <a:latin typeface="Consolas" panose="020B0609020204030204" pitchFamily="49" charset="0"/>
+            </a:endParaRPr>
+          </a:p>
+          <a:p>
+            <a:r>
+              <a:rPr lang="en-US" sz="2000" dirty="0" smtClean="0">
+                <a:solidFill>
+                  <a:srgbClr val="0000FF"/>
+                </a:solidFill>
+                <a:latin typeface="Consolas" panose="020B0609020204030204" pitchFamily="49" charset="0"/>
+              </a:rPr>
+              <a:t>		string</a:t>
+            </a:r>
+            <a:r>
+              <a:rPr lang="en-US" sz="2000" dirty="0" smtClean="0">
+                <a:solidFill>
+                  <a:srgbClr val="000000"/>
+                </a:solidFill>
+                <a:latin typeface="Consolas" panose="020B0609020204030204" pitchFamily="49" charset="0"/>
+              </a:rPr>
+              <a:t> </a:t>
+            </a:r>
+            <a:r>
+              <a:rPr lang="en-US" sz="2000" dirty="0">
+                <a:solidFill>
+                  <a:srgbClr val="001080"/>
+                </a:solidFill>
+                <a:latin typeface="Consolas" panose="020B0609020204030204" pitchFamily="49" charset="0"/>
+              </a:rPr>
+              <a:t>date</a:t>
+            </a:r>
+            <a:r>
+              <a:rPr lang="en-US" sz="2000" dirty="0">
+                <a:solidFill>
+                  <a:srgbClr val="000000"/>
+                </a:solidFill>
+                <a:latin typeface="Consolas" panose="020B0609020204030204" pitchFamily="49" charset="0"/>
+              </a:rPr>
+              <a:t> = </a:t>
+            </a:r>
+            <a:r>
+              <a:rPr lang="en-US" sz="2000" dirty="0" err="1">
+                <a:solidFill>
+                  <a:srgbClr val="001080"/>
+                </a:solidFill>
+                <a:latin typeface="Consolas" panose="020B0609020204030204" pitchFamily="49" charset="0"/>
+              </a:rPr>
+              <a:t>match</a:t>
+            </a:r>
+            <a:r>
+              <a:rPr lang="en-US" sz="2000" dirty="0" err="1">
+                <a:solidFill>
+                  <a:srgbClr val="222222"/>
+                </a:solidFill>
+                <a:latin typeface="Consolas" panose="020B0609020204030204" pitchFamily="49" charset="0"/>
+              </a:rPr>
+              <a:t>.</a:t>
+            </a:r>
+            <a:r>
+              <a:rPr lang="en-US" sz="2000" dirty="0" err="1">
+                <a:solidFill>
+                  <a:srgbClr val="001080"/>
+                </a:solidFill>
+                <a:latin typeface="Consolas" panose="020B0609020204030204" pitchFamily="49" charset="0"/>
+              </a:rPr>
+              <a:t>Groups</a:t>
+            </a:r>
+            <a:r>
+              <a:rPr lang="en-US" sz="2000" dirty="0">
+                <a:solidFill>
+                  <a:srgbClr val="222222"/>
+                </a:solidFill>
+                <a:latin typeface="Consolas" panose="020B0609020204030204" pitchFamily="49" charset="0"/>
+              </a:rPr>
+              <a:t>[</a:t>
+            </a:r>
+            <a:r>
+              <a:rPr lang="en-US" sz="2000" dirty="0">
+                <a:solidFill>
+                  <a:srgbClr val="098658"/>
+                </a:solidFill>
+                <a:latin typeface="Consolas" panose="020B0609020204030204" pitchFamily="49" charset="0"/>
+              </a:rPr>
+              <a:t>2</a:t>
+            </a:r>
+            <a:r>
+              <a:rPr lang="en-US" sz="2000" dirty="0">
+                <a:solidFill>
+                  <a:srgbClr val="222222"/>
+                </a:solidFill>
+                <a:latin typeface="Consolas" panose="020B0609020204030204" pitchFamily="49" charset="0"/>
+              </a:rPr>
+              <a:t>].</a:t>
+            </a:r>
+            <a:r>
+              <a:rPr lang="en-US" sz="2000" dirty="0">
+                <a:solidFill>
+                  <a:srgbClr val="001080"/>
+                </a:solidFill>
+                <a:latin typeface="Consolas" panose="020B0609020204030204" pitchFamily="49" charset="0"/>
+              </a:rPr>
+              <a:t>Value</a:t>
+            </a:r>
+            <a:r>
+              <a:rPr lang="en-US" sz="2000" dirty="0">
+                <a:solidFill>
+                  <a:srgbClr val="222222"/>
+                </a:solidFill>
+                <a:latin typeface="Consolas" panose="020B0609020204030204" pitchFamily="49" charset="0"/>
+              </a:rPr>
+              <a:t>;</a:t>
+            </a:r>
+            <a:r>
+              <a:rPr lang="en-US" sz="2000" dirty="0">
+                <a:solidFill>
+                  <a:srgbClr val="000000"/>
+                </a:solidFill>
+                <a:latin typeface="Consolas" panose="020B0609020204030204" pitchFamily="49" charset="0"/>
+              </a:rPr>
+              <a:t> </a:t>
+            </a:r>
+            <a:r>
+              <a:rPr lang="en-US" sz="2000" dirty="0" smtClean="0">
+                <a:solidFill>
+                  <a:srgbClr val="000000"/>
+                </a:solidFill>
+                <a:latin typeface="Consolas" panose="020B0609020204030204" pitchFamily="49" charset="0"/>
+              </a:rPr>
+              <a:t>  </a:t>
+            </a:r>
+            <a:r>
+              <a:rPr lang="en-US" sz="2000" dirty="0" smtClean="0">
+                <a:solidFill>
+                  <a:srgbClr val="008000"/>
+                </a:solidFill>
+                <a:latin typeface="Consolas" panose="020B0609020204030204" pitchFamily="49" charset="0"/>
+              </a:rPr>
+              <a:t>// </a:t>
+            </a:r>
+            <a:r>
+              <a:rPr lang="en-US" sz="2000" dirty="0">
+                <a:solidFill>
+                  <a:srgbClr val="008000"/>
+                </a:solidFill>
+                <a:latin typeface="Consolas" panose="020B0609020204030204" pitchFamily="49" charset="0"/>
+              </a:rPr>
+              <a:t>2023-10-15</a:t>
+            </a:r>
+            <a:endParaRPr lang="en-US" sz="2000" dirty="0">
+              <a:solidFill>
+                <a:srgbClr val="000000"/>
+              </a:solidFill>
+              <a:latin typeface="Consolas" panose="020B0609020204030204" pitchFamily="49" charset="0"/>
+            </a:endParaRPr>
+          </a:p>
+          <a:p>
+            <a:r>
+              <a:rPr lang="en-US" sz="2000" dirty="0" smtClean="0">
+                <a:solidFill>
+                  <a:srgbClr val="0000FF"/>
+                </a:solidFill>
+                <a:latin typeface="Consolas" panose="020B0609020204030204" pitchFamily="49" charset="0"/>
+              </a:rPr>
+              <a:t>		string</a:t>
+            </a:r>
+            <a:r>
+              <a:rPr lang="en-US" sz="2000" dirty="0" smtClean="0">
+                <a:solidFill>
+                  <a:srgbClr val="000000"/>
+                </a:solidFill>
+                <a:latin typeface="Consolas" panose="020B0609020204030204" pitchFamily="49" charset="0"/>
+              </a:rPr>
+              <a:t> </a:t>
+            </a:r>
+            <a:r>
+              <a:rPr lang="en-US" sz="2000" dirty="0">
+                <a:solidFill>
+                  <a:srgbClr val="001080"/>
+                </a:solidFill>
+                <a:latin typeface="Consolas" panose="020B0609020204030204" pitchFamily="49" charset="0"/>
+              </a:rPr>
+              <a:t>time</a:t>
+            </a:r>
+            <a:r>
+              <a:rPr lang="en-US" sz="2000" dirty="0">
+                <a:solidFill>
+                  <a:srgbClr val="000000"/>
+                </a:solidFill>
+                <a:latin typeface="Consolas" panose="020B0609020204030204" pitchFamily="49" charset="0"/>
+              </a:rPr>
+              <a:t> = </a:t>
+            </a:r>
+            <a:r>
+              <a:rPr lang="en-US" sz="2000" dirty="0" err="1">
+                <a:solidFill>
+                  <a:srgbClr val="001080"/>
+                </a:solidFill>
+                <a:latin typeface="Consolas" panose="020B0609020204030204" pitchFamily="49" charset="0"/>
+              </a:rPr>
+              <a:t>match</a:t>
+            </a:r>
+            <a:r>
+              <a:rPr lang="en-US" sz="2000" dirty="0" err="1">
+                <a:solidFill>
+                  <a:srgbClr val="222222"/>
+                </a:solidFill>
+                <a:latin typeface="Consolas" panose="020B0609020204030204" pitchFamily="49" charset="0"/>
+              </a:rPr>
+              <a:t>.</a:t>
+            </a:r>
+            <a:r>
+              <a:rPr lang="en-US" sz="2000" dirty="0" err="1">
+                <a:solidFill>
+                  <a:srgbClr val="001080"/>
+                </a:solidFill>
+                <a:latin typeface="Consolas" panose="020B0609020204030204" pitchFamily="49" charset="0"/>
+              </a:rPr>
+              <a:t>Groups</a:t>
+            </a:r>
+            <a:r>
+              <a:rPr lang="en-US" sz="2000" dirty="0">
+                <a:solidFill>
+                  <a:srgbClr val="222222"/>
+                </a:solidFill>
+                <a:latin typeface="Consolas" panose="020B0609020204030204" pitchFamily="49" charset="0"/>
+              </a:rPr>
+              <a:t>[</a:t>
+            </a:r>
+            <a:r>
+              <a:rPr lang="en-US" sz="2000" dirty="0">
+                <a:solidFill>
+                  <a:srgbClr val="098658"/>
+                </a:solidFill>
+                <a:latin typeface="Consolas" panose="020B0609020204030204" pitchFamily="49" charset="0"/>
+              </a:rPr>
+              <a:t>3</a:t>
+            </a:r>
+            <a:r>
+              <a:rPr lang="en-US" sz="2000" dirty="0">
+                <a:solidFill>
+                  <a:srgbClr val="222222"/>
+                </a:solidFill>
+                <a:latin typeface="Consolas" panose="020B0609020204030204" pitchFamily="49" charset="0"/>
+              </a:rPr>
+              <a:t>].</a:t>
+            </a:r>
+            <a:r>
+              <a:rPr lang="en-US" sz="2000" dirty="0">
+                <a:solidFill>
+                  <a:srgbClr val="001080"/>
+                </a:solidFill>
+                <a:latin typeface="Consolas" panose="020B0609020204030204" pitchFamily="49" charset="0"/>
+              </a:rPr>
+              <a:t>Value</a:t>
+            </a:r>
+            <a:r>
+              <a:rPr lang="en-US" sz="2000" dirty="0">
+                <a:solidFill>
+                  <a:srgbClr val="222222"/>
+                </a:solidFill>
+                <a:latin typeface="Consolas" panose="020B0609020204030204" pitchFamily="49" charset="0"/>
+              </a:rPr>
+              <a:t>;</a:t>
+            </a:r>
+            <a:r>
+              <a:rPr lang="en-US" sz="2000" dirty="0">
+                <a:solidFill>
+                  <a:srgbClr val="000000"/>
+                </a:solidFill>
+                <a:latin typeface="Consolas" panose="020B0609020204030204" pitchFamily="49" charset="0"/>
+              </a:rPr>
+              <a:t> </a:t>
+            </a:r>
+            <a:r>
+              <a:rPr lang="en-US" sz="2000" dirty="0" smtClean="0">
+                <a:solidFill>
+                  <a:srgbClr val="000000"/>
+                </a:solidFill>
+                <a:latin typeface="Consolas" panose="020B0609020204030204" pitchFamily="49" charset="0"/>
+              </a:rPr>
+              <a:t>  </a:t>
+            </a:r>
+            <a:r>
+              <a:rPr lang="en-US" sz="2000" dirty="0" smtClean="0">
+                <a:solidFill>
+                  <a:srgbClr val="008000"/>
+                </a:solidFill>
+                <a:latin typeface="Consolas" panose="020B0609020204030204" pitchFamily="49" charset="0"/>
+              </a:rPr>
+              <a:t>// </a:t>
+            </a:r>
+            <a:r>
+              <a:rPr lang="en-US" sz="2000" dirty="0">
+                <a:solidFill>
+                  <a:srgbClr val="008000"/>
+                </a:solidFill>
+                <a:latin typeface="Consolas" panose="020B0609020204030204" pitchFamily="49" charset="0"/>
+              </a:rPr>
+              <a:t>14:30:25</a:t>
+            </a:r>
+            <a:endParaRPr lang="en-US" sz="2000" dirty="0">
+              <a:solidFill>
+                <a:srgbClr val="000000"/>
+              </a:solidFill>
+              <a:latin typeface="Consolas" panose="020B0609020204030204" pitchFamily="49" charset="0"/>
+            </a:endParaRPr>
+          </a:p>
+          <a:p>
+            <a:r>
+              <a:rPr lang="en-US" sz="2000" dirty="0" smtClean="0">
+                <a:solidFill>
+                  <a:srgbClr val="0000FF"/>
+                </a:solidFill>
+                <a:latin typeface="Consolas" panose="020B0609020204030204" pitchFamily="49" charset="0"/>
+              </a:rPr>
+              <a:t>		string</a:t>
+            </a:r>
+            <a:r>
+              <a:rPr lang="en-US" sz="2000" dirty="0" smtClean="0">
+                <a:solidFill>
+                  <a:srgbClr val="000000"/>
+                </a:solidFill>
+                <a:latin typeface="Consolas" panose="020B0609020204030204" pitchFamily="49" charset="0"/>
+              </a:rPr>
+              <a:t> </a:t>
+            </a:r>
+            <a:r>
+              <a:rPr lang="en-US" sz="2000" dirty="0">
+                <a:solidFill>
+                  <a:srgbClr val="001080"/>
+                </a:solidFill>
+                <a:latin typeface="Consolas" panose="020B0609020204030204" pitchFamily="49" charset="0"/>
+              </a:rPr>
+              <a:t>message</a:t>
+            </a:r>
+            <a:r>
+              <a:rPr lang="en-US" sz="2000" dirty="0">
+                <a:solidFill>
+                  <a:srgbClr val="000000"/>
+                </a:solidFill>
+                <a:latin typeface="Consolas" panose="020B0609020204030204" pitchFamily="49" charset="0"/>
+              </a:rPr>
+              <a:t> = </a:t>
+            </a:r>
+            <a:r>
+              <a:rPr lang="en-US" sz="2000" dirty="0" err="1">
+                <a:solidFill>
+                  <a:srgbClr val="001080"/>
+                </a:solidFill>
+                <a:latin typeface="Consolas" panose="020B0609020204030204" pitchFamily="49" charset="0"/>
+              </a:rPr>
+              <a:t>match</a:t>
+            </a:r>
+            <a:r>
+              <a:rPr lang="en-US" sz="2000" dirty="0" err="1">
+                <a:solidFill>
+                  <a:srgbClr val="222222"/>
+                </a:solidFill>
+                <a:latin typeface="Consolas" panose="020B0609020204030204" pitchFamily="49" charset="0"/>
+              </a:rPr>
+              <a:t>.</a:t>
+            </a:r>
+            <a:r>
+              <a:rPr lang="en-US" sz="2000" dirty="0" err="1">
+                <a:solidFill>
+                  <a:srgbClr val="001080"/>
+                </a:solidFill>
+                <a:latin typeface="Consolas" panose="020B0609020204030204" pitchFamily="49" charset="0"/>
+              </a:rPr>
+              <a:t>Groups</a:t>
+            </a:r>
+            <a:r>
+              <a:rPr lang="en-US" sz="2000" dirty="0">
+                <a:solidFill>
+                  <a:srgbClr val="222222"/>
+                </a:solidFill>
+                <a:latin typeface="Consolas" panose="020B0609020204030204" pitchFamily="49" charset="0"/>
+              </a:rPr>
+              <a:t>[</a:t>
+            </a:r>
+            <a:r>
+              <a:rPr lang="en-US" sz="2000" dirty="0">
+                <a:solidFill>
+                  <a:srgbClr val="098658"/>
+                </a:solidFill>
+                <a:latin typeface="Consolas" panose="020B0609020204030204" pitchFamily="49" charset="0"/>
+              </a:rPr>
+              <a:t>4</a:t>
+            </a:r>
+            <a:r>
+              <a:rPr lang="en-US" sz="2000" dirty="0">
+                <a:solidFill>
+                  <a:srgbClr val="222222"/>
+                </a:solidFill>
+                <a:latin typeface="Consolas" panose="020B0609020204030204" pitchFamily="49" charset="0"/>
+              </a:rPr>
+              <a:t>].</a:t>
+            </a:r>
+            <a:r>
+              <a:rPr lang="en-US" sz="2000" dirty="0">
+                <a:solidFill>
+                  <a:srgbClr val="001080"/>
+                </a:solidFill>
+                <a:latin typeface="Consolas" panose="020B0609020204030204" pitchFamily="49" charset="0"/>
+              </a:rPr>
+              <a:t>Value</a:t>
+            </a:r>
+            <a:r>
+              <a:rPr lang="en-US" sz="2000" dirty="0" smtClean="0">
+                <a:solidFill>
+                  <a:srgbClr val="222222"/>
+                </a:solidFill>
+                <a:latin typeface="Consolas" panose="020B0609020204030204" pitchFamily="49" charset="0"/>
+              </a:rPr>
+              <a:t>;</a:t>
+            </a:r>
+            <a:r>
+              <a:rPr lang="en-US" sz="2000" dirty="0" smtClean="0">
+                <a:solidFill>
+                  <a:srgbClr val="008000"/>
+                </a:solidFill>
+                <a:latin typeface="Consolas" panose="020B0609020204030204" pitchFamily="49" charset="0"/>
+              </a:rPr>
+              <a:t>// </a:t>
+            </a:r>
+            <a:r>
+              <a:rPr lang="ru-RU" sz="2000" dirty="0">
+                <a:solidFill>
+                  <a:srgbClr val="008000"/>
+                </a:solidFill>
+                <a:latin typeface="Consolas" panose="020B0609020204030204" pitchFamily="49" charset="0"/>
+              </a:rPr>
+              <a:t>Сообщение</a:t>
+            </a:r>
+            <a:endParaRPr lang="ru-RU" sz="2000" dirty="0">
+              <a:solidFill>
+                <a:srgbClr val="000000"/>
+              </a:solidFill>
+              <a:latin typeface="Consolas" panose="020B0609020204030204" pitchFamily="49" charset="0"/>
+            </a:endParaRPr>
+          </a:p>
+          <a:p>
+            <a:r>
+              <a:rPr lang="ru-RU" sz="2000" dirty="0">
+                <a:solidFill>
+                  <a:srgbClr val="000000"/>
+                </a:solidFill>
+                <a:latin typeface="Consolas" panose="020B0609020204030204" pitchFamily="49" charset="0"/>
+              </a:rPr>
+              <a:t>           </a:t>
+            </a:r>
+          </a:p>
+          <a:p>
+            <a:r>
+              <a:rPr lang="en-US" sz="2000" dirty="0" smtClean="0">
+                <a:solidFill>
+                  <a:srgbClr val="001080"/>
+                </a:solidFill>
+                <a:latin typeface="Consolas" panose="020B0609020204030204" pitchFamily="49" charset="0"/>
+              </a:rPr>
+              <a:t>		</a:t>
+            </a:r>
+            <a:r>
+              <a:rPr lang="en-US" sz="2000" dirty="0" err="1" smtClean="0">
+                <a:solidFill>
+                  <a:srgbClr val="001080"/>
+                </a:solidFill>
+                <a:latin typeface="Consolas" panose="020B0609020204030204" pitchFamily="49" charset="0"/>
+              </a:rPr>
+              <a:t>Console</a:t>
+            </a:r>
+            <a:r>
+              <a:rPr lang="en-US" sz="2000" dirty="0" err="1" smtClean="0">
+                <a:solidFill>
+                  <a:srgbClr val="222222"/>
+                </a:solidFill>
+                <a:latin typeface="Consolas" panose="020B0609020204030204" pitchFamily="49" charset="0"/>
+              </a:rPr>
+              <a:t>.</a:t>
+            </a:r>
+            <a:r>
+              <a:rPr lang="en-US" sz="2000" dirty="0" err="1" smtClean="0">
+                <a:solidFill>
+                  <a:srgbClr val="795E26"/>
+                </a:solidFill>
+                <a:latin typeface="Consolas" panose="020B0609020204030204" pitchFamily="49" charset="0"/>
+              </a:rPr>
+              <a:t>WriteLine</a:t>
+            </a:r>
+            <a:r>
+              <a:rPr lang="en-US" sz="2000" dirty="0">
+                <a:solidFill>
+                  <a:srgbClr val="222222"/>
+                </a:solidFill>
+                <a:latin typeface="Consolas" panose="020B0609020204030204" pitchFamily="49" charset="0"/>
+              </a:rPr>
+              <a:t>(</a:t>
+            </a:r>
+            <a:r>
+              <a:rPr lang="en-US" sz="2000" dirty="0">
+                <a:solidFill>
+                  <a:srgbClr val="A31515"/>
+                </a:solidFill>
+                <a:latin typeface="Consolas" panose="020B0609020204030204" pitchFamily="49" charset="0"/>
+              </a:rPr>
+              <a:t>$"</a:t>
+            </a:r>
+            <a:r>
+              <a:rPr lang="ru-RU" sz="2000" dirty="0">
+                <a:solidFill>
+                  <a:srgbClr val="A31515"/>
+                </a:solidFill>
+                <a:latin typeface="Consolas" panose="020B0609020204030204" pitchFamily="49" charset="0"/>
+              </a:rPr>
+              <a:t>Уровень: </a:t>
+            </a:r>
+            <a:r>
+              <a:rPr lang="ru-RU" sz="2000" dirty="0">
+                <a:solidFill>
+                  <a:srgbClr val="222222"/>
+                </a:solidFill>
+                <a:latin typeface="Consolas" panose="020B0609020204030204" pitchFamily="49" charset="0"/>
+              </a:rPr>
+              <a:t>{</a:t>
+            </a:r>
+            <a:r>
+              <a:rPr lang="en-US" sz="2000" dirty="0">
+                <a:solidFill>
+                  <a:srgbClr val="001080"/>
+                </a:solidFill>
+                <a:latin typeface="Consolas" panose="020B0609020204030204" pitchFamily="49" charset="0"/>
+              </a:rPr>
+              <a:t>level</a:t>
+            </a:r>
+            <a:r>
+              <a:rPr lang="en-US" sz="2000" dirty="0">
+                <a:solidFill>
+                  <a:srgbClr val="222222"/>
+                </a:solidFill>
+                <a:latin typeface="Consolas" panose="020B0609020204030204" pitchFamily="49" charset="0"/>
+              </a:rPr>
+              <a:t>}</a:t>
+            </a:r>
+            <a:r>
+              <a:rPr lang="en-US" sz="2000" dirty="0">
+                <a:solidFill>
+                  <a:srgbClr val="A31515"/>
+                </a:solidFill>
+                <a:latin typeface="Consolas" panose="020B0609020204030204" pitchFamily="49" charset="0"/>
+              </a:rPr>
+              <a:t>, </a:t>
+            </a:r>
+            <a:r>
+              <a:rPr lang="ru-RU" sz="2000" dirty="0">
+                <a:solidFill>
+                  <a:srgbClr val="A31515"/>
+                </a:solidFill>
+                <a:latin typeface="Consolas" panose="020B0609020204030204" pitchFamily="49" charset="0"/>
+              </a:rPr>
+              <a:t>Дата: </a:t>
+            </a:r>
+            <a:r>
+              <a:rPr lang="ru-RU" sz="2000" dirty="0">
+                <a:solidFill>
+                  <a:srgbClr val="222222"/>
+                </a:solidFill>
+                <a:latin typeface="Consolas" panose="020B0609020204030204" pitchFamily="49" charset="0"/>
+              </a:rPr>
+              <a:t>{</a:t>
+            </a:r>
+            <a:r>
+              <a:rPr lang="en-US" sz="2000" dirty="0">
+                <a:solidFill>
+                  <a:srgbClr val="001080"/>
+                </a:solidFill>
+                <a:latin typeface="Consolas" panose="020B0609020204030204" pitchFamily="49" charset="0"/>
+              </a:rPr>
+              <a:t>date</a:t>
+            </a:r>
+            <a:r>
+              <a:rPr lang="en-US" sz="2000" dirty="0">
+                <a:solidFill>
+                  <a:srgbClr val="222222"/>
+                </a:solidFill>
+                <a:latin typeface="Consolas" panose="020B0609020204030204" pitchFamily="49" charset="0"/>
+              </a:rPr>
+              <a:t>}</a:t>
+            </a:r>
+            <a:r>
+              <a:rPr lang="en-US" sz="2000" dirty="0">
+                <a:solidFill>
+                  <a:srgbClr val="A31515"/>
+                </a:solidFill>
+                <a:latin typeface="Consolas" panose="020B0609020204030204" pitchFamily="49" charset="0"/>
+              </a:rPr>
+              <a:t>, </a:t>
+            </a:r>
+            <a:r>
+              <a:rPr lang="ru-RU" sz="2000" dirty="0">
+                <a:solidFill>
+                  <a:srgbClr val="A31515"/>
+                </a:solidFill>
+                <a:latin typeface="Consolas" panose="020B0609020204030204" pitchFamily="49" charset="0"/>
+              </a:rPr>
+              <a:t>Время: </a:t>
+            </a:r>
+            <a:r>
+              <a:rPr lang="ru-RU" sz="2000" dirty="0">
+                <a:solidFill>
+                  <a:srgbClr val="222222"/>
+                </a:solidFill>
+                <a:latin typeface="Consolas" panose="020B0609020204030204" pitchFamily="49" charset="0"/>
+              </a:rPr>
+              <a:t>{</a:t>
+            </a:r>
+            <a:r>
+              <a:rPr lang="en-US" sz="2000" dirty="0">
+                <a:solidFill>
+                  <a:srgbClr val="001080"/>
+                </a:solidFill>
+                <a:latin typeface="Consolas" panose="020B0609020204030204" pitchFamily="49" charset="0"/>
+              </a:rPr>
+              <a:t>time</a:t>
+            </a:r>
+            <a:r>
+              <a:rPr lang="en-US" sz="2000" dirty="0">
+                <a:solidFill>
+                  <a:srgbClr val="222222"/>
+                </a:solidFill>
+                <a:latin typeface="Consolas" panose="020B0609020204030204" pitchFamily="49" charset="0"/>
+              </a:rPr>
+              <a:t>}</a:t>
+            </a:r>
+            <a:r>
+              <a:rPr lang="en-US" sz="2000" dirty="0">
+                <a:solidFill>
+                  <a:srgbClr val="A31515"/>
+                </a:solidFill>
+                <a:latin typeface="Consolas" panose="020B0609020204030204" pitchFamily="49" charset="0"/>
+              </a:rPr>
+              <a:t>"</a:t>
+            </a:r>
+            <a:r>
+              <a:rPr lang="en-US" sz="2000" dirty="0">
+                <a:solidFill>
+                  <a:srgbClr val="222222"/>
+                </a:solidFill>
+                <a:latin typeface="Consolas" panose="020B0609020204030204" pitchFamily="49" charset="0"/>
+              </a:rPr>
+              <a:t>);</a:t>
+            </a:r>
+            <a:endParaRPr lang="en-US" sz="2000" dirty="0">
+              <a:solidFill>
+                <a:srgbClr val="000000"/>
+              </a:solidFill>
+              <a:latin typeface="Consolas" panose="020B0609020204030204" pitchFamily="49" charset="0"/>
+            </a:endParaRPr>
+          </a:p>
+          <a:p>
+            <a:r>
+              <a:rPr lang="en-US" sz="2000" dirty="0" smtClean="0">
+                <a:solidFill>
+                  <a:srgbClr val="001080"/>
+                </a:solidFill>
+                <a:latin typeface="Consolas" panose="020B0609020204030204" pitchFamily="49" charset="0"/>
+              </a:rPr>
+              <a:t>		</a:t>
+            </a:r>
+            <a:r>
+              <a:rPr lang="en-US" sz="2000" dirty="0" err="1" smtClean="0">
+                <a:solidFill>
+                  <a:srgbClr val="001080"/>
+                </a:solidFill>
+                <a:latin typeface="Consolas" panose="020B0609020204030204" pitchFamily="49" charset="0"/>
+              </a:rPr>
+              <a:t>Console</a:t>
+            </a:r>
+            <a:r>
+              <a:rPr lang="en-US" sz="2000" dirty="0" err="1" smtClean="0">
+                <a:solidFill>
+                  <a:srgbClr val="222222"/>
+                </a:solidFill>
+                <a:latin typeface="Consolas" panose="020B0609020204030204" pitchFamily="49" charset="0"/>
+              </a:rPr>
+              <a:t>.</a:t>
+            </a:r>
+            <a:r>
+              <a:rPr lang="en-US" sz="2000" dirty="0" err="1" smtClean="0">
+                <a:solidFill>
+                  <a:srgbClr val="795E26"/>
+                </a:solidFill>
+                <a:latin typeface="Consolas" panose="020B0609020204030204" pitchFamily="49" charset="0"/>
+              </a:rPr>
+              <a:t>WriteLine</a:t>
+            </a:r>
+            <a:r>
+              <a:rPr lang="en-US" sz="2000" dirty="0">
+                <a:solidFill>
+                  <a:srgbClr val="222222"/>
+                </a:solidFill>
+                <a:latin typeface="Consolas" panose="020B0609020204030204" pitchFamily="49" charset="0"/>
+              </a:rPr>
+              <a:t>(</a:t>
+            </a:r>
+            <a:r>
+              <a:rPr lang="en-US" sz="2000" dirty="0">
+                <a:solidFill>
+                  <a:srgbClr val="A31515"/>
+                </a:solidFill>
+                <a:latin typeface="Consolas" panose="020B0609020204030204" pitchFamily="49" charset="0"/>
+              </a:rPr>
+              <a:t>$"</a:t>
+            </a:r>
+            <a:r>
+              <a:rPr lang="ru-RU" sz="2000" dirty="0">
+                <a:solidFill>
+                  <a:srgbClr val="A31515"/>
+                </a:solidFill>
+                <a:latin typeface="Consolas" panose="020B0609020204030204" pitchFamily="49" charset="0"/>
+              </a:rPr>
+              <a:t>Сообщение: </a:t>
+            </a:r>
+            <a:r>
+              <a:rPr lang="ru-RU" sz="2000" dirty="0">
+                <a:solidFill>
+                  <a:srgbClr val="222222"/>
+                </a:solidFill>
+                <a:latin typeface="Consolas" panose="020B0609020204030204" pitchFamily="49" charset="0"/>
+              </a:rPr>
+              <a:t>{</a:t>
+            </a:r>
+            <a:r>
+              <a:rPr lang="en-US" sz="2000" dirty="0">
+                <a:solidFill>
+                  <a:srgbClr val="001080"/>
+                </a:solidFill>
+                <a:latin typeface="Consolas" panose="020B0609020204030204" pitchFamily="49" charset="0"/>
+              </a:rPr>
+              <a:t>message</a:t>
+            </a:r>
+            <a:r>
+              <a:rPr lang="en-US" sz="2000" dirty="0">
+                <a:solidFill>
+                  <a:srgbClr val="222222"/>
+                </a:solidFill>
+                <a:latin typeface="Consolas" panose="020B0609020204030204" pitchFamily="49" charset="0"/>
+              </a:rPr>
+              <a:t>}</a:t>
+            </a:r>
+            <a:r>
+              <a:rPr lang="en-US" sz="2000" dirty="0">
+                <a:solidFill>
+                  <a:srgbClr val="FF0000"/>
+                </a:solidFill>
+                <a:latin typeface="Consolas" panose="020B0609020204030204" pitchFamily="49" charset="0"/>
+              </a:rPr>
+              <a:t>\n</a:t>
+            </a:r>
+            <a:r>
+              <a:rPr lang="en-US" sz="2000" dirty="0">
+                <a:solidFill>
+                  <a:srgbClr val="A31515"/>
+                </a:solidFill>
+                <a:latin typeface="Consolas" panose="020B0609020204030204" pitchFamily="49" charset="0"/>
+              </a:rPr>
+              <a:t>"</a:t>
+            </a:r>
+            <a:r>
+              <a:rPr lang="en-US" sz="2000" dirty="0">
+                <a:solidFill>
+                  <a:srgbClr val="222222"/>
+                </a:solidFill>
+                <a:latin typeface="Consolas" panose="020B0609020204030204" pitchFamily="49" charset="0"/>
+              </a:rPr>
+              <a:t>);</a:t>
+            </a:r>
+            <a:endParaRPr lang="en-US" sz="2000" dirty="0">
+              <a:solidFill>
+                <a:srgbClr val="000000"/>
+              </a:solidFill>
+              <a:latin typeface="Consolas" panose="020B0609020204030204" pitchFamily="49" charset="0"/>
+            </a:endParaRPr>
+          </a:p>
+          <a:p>
+            <a:r>
+              <a:rPr lang="en-US" sz="2000" dirty="0" smtClean="0">
+                <a:solidFill>
+                  <a:srgbClr val="222222"/>
+                </a:solidFill>
+                <a:latin typeface="Consolas" panose="020B0609020204030204" pitchFamily="49" charset="0"/>
+              </a:rPr>
+              <a:t>	}</a:t>
+            </a:r>
+            <a:endParaRPr lang="en-US" sz="2000" dirty="0">
+              <a:solidFill>
+                <a:srgbClr val="000000"/>
+              </a:solidFill>
+              <a:latin typeface="Consolas" panose="020B0609020204030204" pitchFamily="49" charset="0"/>
+            </a:endParaRPr>
+          </a:p>
+          <a:p>
+            <a:r>
+              <a:rPr lang="en-US" sz="2000" dirty="0" smtClean="0">
+                <a:solidFill>
+                  <a:srgbClr val="222222"/>
+                </a:solidFill>
+                <a:latin typeface="Consolas" panose="020B0609020204030204" pitchFamily="49" charset="0"/>
+              </a:rPr>
+              <a:t>}</a:t>
+            </a:r>
+            <a:endParaRPr lang="en-US" sz="2000" dirty="0">
+              <a:solidFill>
+                <a:srgbClr val="000000"/>
+              </a:solidFill>
+              <a:latin typeface="Consolas" panose="020B0609020204030204" pitchFamily="49" charset="0"/>
+            </a:endParaRPr>
+          </a:p>
+        </p:txBody>
+      </p:sp>
+    </p:spTree>
+    <p:extLst>
+      <p:ext uri="{BB962C8B-B14F-4D97-AF65-F5344CB8AC3E}">
+        <p14:creationId xmlns:p14="http://schemas.microsoft.com/office/powerpoint/2010/main" val="546355818"/>
+      </p:ext>
+    </p:extLst>
+  </p:cSld>
+  <p:clrMapOvr>
+    <a:masterClrMapping/>
+  </p:clrMapOvr>
+  <p:timing>
+    <p:tnLst>
+      <p:par>
+        <p:cTn id="1" dur="indefinite" restart="never" nodeType="tmRoot"/>
+      </p:par>
+    </p:tnLst>
+  </p:timing>
+</p:sld>
+</file>
+
 <file path=ppt/slides/slide2.xml><?xml version="1.0" encoding="utf-8"?>
 <p:sld xmlns:a="http://schemas.openxmlformats.org/drawingml/2006/main" xmlns:r="http://schemas.openxmlformats.org/officeDocument/2006/relationships" xmlns:p="http://schemas.openxmlformats.org/presentationml/2006/main">
   <p:cSld>
@@ -13819,6 +15788,3379 @@
     <p:extLst>
       <p:ext uri="{BB962C8B-B14F-4D97-AF65-F5344CB8AC3E}">
         <p14:creationId xmlns:p14="http://schemas.microsoft.com/office/powerpoint/2010/main" val="2078555141"/>
+      </p:ext>
+    </p:extLst>
+  </p:cSld>
+  <p:clrMapOvr>
+    <a:masterClrMapping/>
+  </p:clrMapOvr>
+  <p:timing>
+    <p:tnLst>
+      <p:par>
+        <p:cTn id="1" dur="indefinite" restart="never" nodeType="tmRoot"/>
+      </p:par>
+    </p:tnLst>
+  </p:timing>
+</p:sld>
+</file>
+
+<file path=ppt/slides/slide20.xml><?xml version="1.0" encoding="utf-8"?>
+<p:sld xmlns:a="http://schemas.openxmlformats.org/drawingml/2006/main" xmlns:r="http://schemas.openxmlformats.org/officeDocument/2006/relationships" xmlns:p="http://schemas.openxmlformats.org/presentationml/2006/main">
+  <p:cSld>
+    <p:spTree>
+      <p:nvGrpSpPr>
+        <p:cNvPr id="1" name=""/>
+        <p:cNvGrpSpPr/>
+        <p:nvPr/>
+      </p:nvGrpSpPr>
+      <p:grpSpPr>
+        <a:xfrm>
+          <a:off x="0" y="0"/>
+          <a:ext cx="0" cy="0"/>
+          <a:chOff x="0" y="0"/>
+          <a:chExt cx="0" cy="0"/>
+        </a:xfrm>
+      </p:grpSpPr>
+      <p:sp>
+        <p:nvSpPr>
+          <p:cNvPr id="7" name="Прямоугольник 6"/>
+          <p:cNvSpPr/>
+          <p:nvPr/>
+        </p:nvSpPr>
+        <p:spPr>
+          <a:xfrm>
+            <a:off x="-2" y="0"/>
+            <a:ext cx="12192000" cy="7001917"/>
+          </a:xfrm>
+          <a:prstGeom prst="rect">
+            <a:avLst/>
+          </a:prstGeom>
+        </p:spPr>
+        <p:txBody>
+          <a:bodyPr wrap="square" lIns="360000" rIns="360000">
+            <a:spAutoFit/>
+          </a:bodyPr>
+          <a:lstStyle/>
+          <a:p>
+            <a:pPr algn="just"/>
+            <a:r>
+              <a:rPr lang="ru-RU" sz="2400" dirty="0">
+                <a:latin typeface="Bookman Old Style" panose="02050604050505020204" pitchFamily="18" charset="0"/>
+              </a:rPr>
+              <a:t>Динамическое создание регулярного выражения с учетом культурных </a:t>
+            </a:r>
+            <a:r>
+              <a:rPr lang="ru-RU" sz="2400" dirty="0" smtClean="0">
+                <a:latin typeface="Bookman Old Style" panose="02050604050505020204" pitchFamily="18" charset="0"/>
+              </a:rPr>
+              <a:t>особенностей</a:t>
+            </a:r>
+            <a:endParaRPr lang="en-US" sz="2400" dirty="0">
+              <a:latin typeface="Bookman Old Style" panose="02050604050505020204" pitchFamily="18" charset="0"/>
+            </a:endParaRPr>
+          </a:p>
+          <a:p>
+            <a:r>
+              <a:rPr lang="en-US" sz="2400" dirty="0">
+                <a:solidFill>
+                  <a:srgbClr val="008000"/>
+                </a:solidFill>
+                <a:latin typeface="Consolas" panose="020B0609020204030204" pitchFamily="49" charset="0"/>
+              </a:rPr>
+              <a:t>// Define text to be parsed.</a:t>
+            </a:r>
+            <a:endParaRPr lang="en-US" sz="2400" dirty="0">
+              <a:solidFill>
+                <a:srgbClr val="000000"/>
+              </a:solidFill>
+              <a:latin typeface="Consolas" panose="020B0609020204030204" pitchFamily="49" charset="0"/>
+            </a:endParaRPr>
+          </a:p>
+          <a:p>
+            <a:r>
+              <a:rPr lang="en-US" sz="2400" dirty="0">
+                <a:solidFill>
+                  <a:srgbClr val="0000FF"/>
+                </a:solidFill>
+                <a:latin typeface="Consolas" panose="020B0609020204030204" pitchFamily="49" charset="0"/>
+              </a:rPr>
+              <a:t>string</a:t>
+            </a:r>
+            <a:r>
+              <a:rPr lang="en-US" sz="2400" dirty="0">
+                <a:solidFill>
+                  <a:srgbClr val="000000"/>
+                </a:solidFill>
+                <a:latin typeface="Consolas" panose="020B0609020204030204" pitchFamily="49" charset="0"/>
+              </a:rPr>
+              <a:t> </a:t>
+            </a:r>
+            <a:r>
+              <a:rPr lang="en-US" sz="2400" dirty="0">
+                <a:solidFill>
+                  <a:srgbClr val="001080"/>
+                </a:solidFill>
+                <a:latin typeface="Consolas" panose="020B0609020204030204" pitchFamily="49" charset="0"/>
+              </a:rPr>
+              <a:t>input</a:t>
+            </a:r>
+            <a:r>
+              <a:rPr lang="en-US" sz="2400" dirty="0">
+                <a:solidFill>
+                  <a:srgbClr val="000000"/>
+                </a:solidFill>
+                <a:latin typeface="Consolas" panose="020B0609020204030204" pitchFamily="49" charset="0"/>
+              </a:rPr>
+              <a:t> = </a:t>
+            </a:r>
+            <a:r>
+              <a:rPr lang="en-US" sz="2400" dirty="0">
+                <a:solidFill>
+                  <a:srgbClr val="A31515"/>
+                </a:solidFill>
+                <a:latin typeface="Consolas" panose="020B0609020204030204" pitchFamily="49" charset="0"/>
+              </a:rPr>
+              <a:t>"Office expenses on 2/13/2008:</a:t>
+            </a:r>
+            <a:r>
+              <a:rPr lang="en-US" sz="2400" dirty="0">
+                <a:solidFill>
+                  <a:srgbClr val="FF0000"/>
+                </a:solidFill>
+                <a:latin typeface="Consolas" panose="020B0609020204030204" pitchFamily="49" charset="0"/>
+              </a:rPr>
+              <a:t>\n</a:t>
+            </a:r>
+            <a:r>
+              <a:rPr lang="en-US" sz="2400" dirty="0">
+                <a:solidFill>
+                  <a:srgbClr val="A31515"/>
+                </a:solidFill>
+                <a:latin typeface="Consolas" panose="020B0609020204030204" pitchFamily="49" charset="0"/>
+              </a:rPr>
+              <a:t>"</a:t>
+            </a:r>
+            <a:r>
+              <a:rPr lang="en-US" sz="2400" dirty="0">
+                <a:solidFill>
+                  <a:srgbClr val="000000"/>
+                </a:solidFill>
+                <a:latin typeface="Consolas" panose="020B0609020204030204" pitchFamily="49" charset="0"/>
+              </a:rPr>
+              <a:t> +</a:t>
+            </a:r>
+          </a:p>
+          <a:p>
+            <a:r>
+              <a:rPr lang="en-US" sz="2400" dirty="0">
+                <a:solidFill>
+                  <a:srgbClr val="000000"/>
+                </a:solidFill>
+                <a:latin typeface="Consolas" panose="020B0609020204030204" pitchFamily="49" charset="0"/>
+              </a:rPr>
+              <a:t>               </a:t>
+            </a:r>
+            <a:r>
+              <a:rPr lang="en-US" sz="2400" dirty="0">
+                <a:solidFill>
+                  <a:srgbClr val="A31515"/>
+                </a:solidFill>
+                <a:latin typeface="Consolas" panose="020B0609020204030204" pitchFamily="49" charset="0"/>
+              </a:rPr>
+              <a:t>"Paper (500 sheets)                      $3.95</a:t>
+            </a:r>
+            <a:r>
+              <a:rPr lang="en-US" sz="2400" dirty="0">
+                <a:solidFill>
+                  <a:srgbClr val="FF0000"/>
+                </a:solidFill>
+                <a:latin typeface="Consolas" panose="020B0609020204030204" pitchFamily="49" charset="0"/>
+              </a:rPr>
+              <a:t>\n</a:t>
+            </a:r>
+            <a:r>
+              <a:rPr lang="en-US" sz="2400" dirty="0">
+                <a:solidFill>
+                  <a:srgbClr val="A31515"/>
+                </a:solidFill>
+                <a:latin typeface="Consolas" panose="020B0609020204030204" pitchFamily="49" charset="0"/>
+              </a:rPr>
+              <a:t>"</a:t>
+            </a:r>
+            <a:r>
+              <a:rPr lang="en-US" sz="2400" dirty="0">
+                <a:solidFill>
+                  <a:srgbClr val="000000"/>
+                </a:solidFill>
+                <a:latin typeface="Consolas" panose="020B0609020204030204" pitchFamily="49" charset="0"/>
+              </a:rPr>
+              <a:t> +</a:t>
+            </a:r>
+          </a:p>
+          <a:p>
+            <a:r>
+              <a:rPr lang="en-US" sz="2400" dirty="0">
+                <a:solidFill>
+                  <a:srgbClr val="000000"/>
+                </a:solidFill>
+                <a:latin typeface="Consolas" panose="020B0609020204030204" pitchFamily="49" charset="0"/>
+              </a:rPr>
+              <a:t>               </a:t>
+            </a:r>
+            <a:r>
+              <a:rPr lang="en-US" sz="2400" dirty="0">
+                <a:solidFill>
+                  <a:srgbClr val="A31515"/>
+                </a:solidFill>
+                <a:latin typeface="Consolas" panose="020B0609020204030204" pitchFamily="49" charset="0"/>
+              </a:rPr>
+              <a:t>"Pencils (box of 10)                     $1.00</a:t>
+            </a:r>
+            <a:r>
+              <a:rPr lang="en-US" sz="2400" dirty="0">
+                <a:solidFill>
+                  <a:srgbClr val="FF0000"/>
+                </a:solidFill>
+                <a:latin typeface="Consolas" panose="020B0609020204030204" pitchFamily="49" charset="0"/>
+              </a:rPr>
+              <a:t>\n</a:t>
+            </a:r>
+            <a:r>
+              <a:rPr lang="en-US" sz="2400" dirty="0">
+                <a:solidFill>
+                  <a:srgbClr val="A31515"/>
+                </a:solidFill>
+                <a:latin typeface="Consolas" panose="020B0609020204030204" pitchFamily="49" charset="0"/>
+              </a:rPr>
+              <a:t>"</a:t>
+            </a:r>
+            <a:r>
+              <a:rPr lang="en-US" sz="2400" dirty="0">
+                <a:solidFill>
+                  <a:srgbClr val="000000"/>
+                </a:solidFill>
+                <a:latin typeface="Consolas" panose="020B0609020204030204" pitchFamily="49" charset="0"/>
+              </a:rPr>
+              <a:t> +</a:t>
+            </a:r>
+          </a:p>
+          <a:p>
+            <a:r>
+              <a:rPr lang="en-US" sz="2400" dirty="0">
+                <a:solidFill>
+                  <a:srgbClr val="000000"/>
+                </a:solidFill>
+                <a:latin typeface="Consolas" panose="020B0609020204030204" pitchFamily="49" charset="0"/>
+              </a:rPr>
+              <a:t>               </a:t>
+            </a:r>
+            <a:r>
+              <a:rPr lang="en-US" sz="2400" dirty="0">
+                <a:solidFill>
+                  <a:srgbClr val="A31515"/>
+                </a:solidFill>
+                <a:latin typeface="Consolas" panose="020B0609020204030204" pitchFamily="49" charset="0"/>
+              </a:rPr>
+              <a:t>"Pens (box of 10)                        $4.49</a:t>
+            </a:r>
+            <a:r>
+              <a:rPr lang="en-US" sz="2400" dirty="0">
+                <a:solidFill>
+                  <a:srgbClr val="FF0000"/>
+                </a:solidFill>
+                <a:latin typeface="Consolas" panose="020B0609020204030204" pitchFamily="49" charset="0"/>
+              </a:rPr>
+              <a:t>\n</a:t>
+            </a:r>
+            <a:r>
+              <a:rPr lang="en-US" sz="2400" dirty="0">
+                <a:solidFill>
+                  <a:srgbClr val="A31515"/>
+                </a:solidFill>
+                <a:latin typeface="Consolas" panose="020B0609020204030204" pitchFamily="49" charset="0"/>
+              </a:rPr>
+              <a:t>"</a:t>
+            </a:r>
+            <a:r>
+              <a:rPr lang="en-US" sz="2400" dirty="0">
+                <a:solidFill>
+                  <a:srgbClr val="000000"/>
+                </a:solidFill>
+                <a:latin typeface="Consolas" panose="020B0609020204030204" pitchFamily="49" charset="0"/>
+              </a:rPr>
+              <a:t> +</a:t>
+            </a:r>
+          </a:p>
+          <a:p>
+            <a:r>
+              <a:rPr lang="en-US" sz="2400" dirty="0">
+                <a:solidFill>
+                  <a:srgbClr val="000000"/>
+                </a:solidFill>
+                <a:latin typeface="Consolas" panose="020B0609020204030204" pitchFamily="49" charset="0"/>
+              </a:rPr>
+              <a:t>               </a:t>
+            </a:r>
+            <a:r>
+              <a:rPr lang="en-US" sz="2400" dirty="0">
+                <a:solidFill>
+                  <a:srgbClr val="A31515"/>
+                </a:solidFill>
+                <a:latin typeface="Consolas" panose="020B0609020204030204" pitchFamily="49" charset="0"/>
+              </a:rPr>
+              <a:t>"Erasers                                 $2.19</a:t>
+            </a:r>
+            <a:r>
+              <a:rPr lang="en-US" sz="2400" dirty="0">
+                <a:solidFill>
+                  <a:srgbClr val="FF0000"/>
+                </a:solidFill>
+                <a:latin typeface="Consolas" panose="020B0609020204030204" pitchFamily="49" charset="0"/>
+              </a:rPr>
+              <a:t>\n</a:t>
+            </a:r>
+            <a:r>
+              <a:rPr lang="en-US" sz="2400" dirty="0">
+                <a:solidFill>
+                  <a:srgbClr val="A31515"/>
+                </a:solidFill>
+                <a:latin typeface="Consolas" panose="020B0609020204030204" pitchFamily="49" charset="0"/>
+              </a:rPr>
+              <a:t>"</a:t>
+            </a:r>
+            <a:r>
+              <a:rPr lang="en-US" sz="2400" dirty="0">
+                <a:solidFill>
+                  <a:srgbClr val="000000"/>
+                </a:solidFill>
+                <a:latin typeface="Consolas" panose="020B0609020204030204" pitchFamily="49" charset="0"/>
+              </a:rPr>
+              <a:t> +</a:t>
+            </a:r>
+          </a:p>
+          <a:p>
+            <a:r>
+              <a:rPr lang="en-US" sz="2400" dirty="0">
+                <a:solidFill>
+                  <a:srgbClr val="000000"/>
+                </a:solidFill>
+                <a:latin typeface="Consolas" panose="020B0609020204030204" pitchFamily="49" charset="0"/>
+              </a:rPr>
+              <a:t>               </a:t>
+            </a:r>
+            <a:r>
+              <a:rPr lang="en-US" sz="2400" dirty="0">
+                <a:solidFill>
+                  <a:srgbClr val="A31515"/>
+                </a:solidFill>
+                <a:latin typeface="Consolas" panose="020B0609020204030204" pitchFamily="49" charset="0"/>
+              </a:rPr>
+              <a:t>"Ink jet printer                        $69.95</a:t>
+            </a:r>
+            <a:r>
+              <a:rPr lang="en-US" sz="2400" dirty="0">
+                <a:solidFill>
+                  <a:srgbClr val="FF0000"/>
+                </a:solidFill>
+                <a:latin typeface="Consolas" panose="020B0609020204030204" pitchFamily="49" charset="0"/>
+              </a:rPr>
+              <a:t>\n\n</a:t>
+            </a:r>
+            <a:r>
+              <a:rPr lang="en-US" sz="2400" dirty="0">
+                <a:solidFill>
+                  <a:srgbClr val="A31515"/>
+                </a:solidFill>
+                <a:latin typeface="Consolas" panose="020B0609020204030204" pitchFamily="49" charset="0"/>
+              </a:rPr>
+              <a:t>"</a:t>
+            </a:r>
+            <a:r>
+              <a:rPr lang="en-US" sz="2400" dirty="0">
+                <a:solidFill>
+                  <a:srgbClr val="000000"/>
+                </a:solidFill>
+                <a:latin typeface="Consolas" panose="020B0609020204030204" pitchFamily="49" charset="0"/>
+              </a:rPr>
+              <a:t> +</a:t>
+            </a:r>
+          </a:p>
+          <a:p>
+            <a:r>
+              <a:rPr lang="en-US" sz="2400" dirty="0">
+                <a:solidFill>
+                  <a:srgbClr val="000000"/>
+                </a:solidFill>
+                <a:latin typeface="Consolas" panose="020B0609020204030204" pitchFamily="49" charset="0"/>
+              </a:rPr>
+              <a:t>               </a:t>
+            </a:r>
+            <a:r>
+              <a:rPr lang="en-US" sz="2400" dirty="0">
+                <a:solidFill>
+                  <a:srgbClr val="A31515"/>
+                </a:solidFill>
+                <a:latin typeface="Consolas" panose="020B0609020204030204" pitchFamily="49" charset="0"/>
+              </a:rPr>
+              <a:t>"Total Expenses                        $ 81.58</a:t>
+            </a:r>
+            <a:r>
+              <a:rPr lang="en-US" sz="2400" dirty="0">
+                <a:solidFill>
+                  <a:srgbClr val="FF0000"/>
+                </a:solidFill>
+                <a:latin typeface="Consolas" panose="020B0609020204030204" pitchFamily="49" charset="0"/>
+              </a:rPr>
+              <a:t>\n</a:t>
+            </a:r>
+            <a:r>
+              <a:rPr lang="en-US" sz="2400" dirty="0">
+                <a:solidFill>
+                  <a:srgbClr val="A31515"/>
+                </a:solidFill>
+                <a:latin typeface="Consolas" panose="020B0609020204030204" pitchFamily="49" charset="0"/>
+              </a:rPr>
+              <a:t>"</a:t>
+            </a:r>
+            <a:r>
+              <a:rPr lang="en-US" sz="2400" dirty="0">
+                <a:solidFill>
+                  <a:srgbClr val="222222"/>
+                </a:solidFill>
+                <a:latin typeface="Consolas" panose="020B0609020204030204" pitchFamily="49" charset="0"/>
+              </a:rPr>
+              <a:t>;</a:t>
+            </a:r>
+            <a:endParaRPr lang="en-US" sz="2400" dirty="0">
+              <a:solidFill>
+                <a:srgbClr val="000000"/>
+              </a:solidFill>
+              <a:latin typeface="Consolas" panose="020B0609020204030204" pitchFamily="49" charset="0"/>
+            </a:endParaRPr>
+          </a:p>
+          <a:p>
+            <a:r>
+              <a:rPr lang="en-US" sz="2400" dirty="0">
+                <a:solidFill>
+                  <a:srgbClr val="000000"/>
+                </a:solidFill>
+                <a:latin typeface="Consolas" panose="020B0609020204030204" pitchFamily="49" charset="0"/>
+              </a:rPr>
+              <a:t/>
+            </a:r>
+            <a:br>
+              <a:rPr lang="en-US" sz="2400" dirty="0">
+                <a:solidFill>
+                  <a:srgbClr val="000000"/>
+                </a:solidFill>
+                <a:latin typeface="Consolas" panose="020B0609020204030204" pitchFamily="49" charset="0"/>
+              </a:rPr>
+            </a:br>
+            <a:r>
+              <a:rPr lang="en-US" sz="2300" dirty="0">
+                <a:solidFill>
+                  <a:srgbClr val="008000"/>
+                </a:solidFill>
+                <a:latin typeface="Consolas" panose="020B0609020204030204" pitchFamily="49" charset="0"/>
+              </a:rPr>
+              <a:t>// Get current culture's </a:t>
+            </a:r>
+            <a:r>
+              <a:rPr lang="en-US" sz="2300" dirty="0" err="1">
+                <a:solidFill>
+                  <a:srgbClr val="008000"/>
+                </a:solidFill>
+                <a:latin typeface="Consolas" panose="020B0609020204030204" pitchFamily="49" charset="0"/>
+              </a:rPr>
+              <a:t>NumberFormatInfo</a:t>
+            </a:r>
+            <a:r>
+              <a:rPr lang="en-US" sz="2300" dirty="0">
+                <a:solidFill>
+                  <a:srgbClr val="008000"/>
+                </a:solidFill>
+                <a:latin typeface="Consolas" panose="020B0609020204030204" pitchFamily="49" charset="0"/>
+              </a:rPr>
+              <a:t> object.</a:t>
+            </a:r>
+            <a:endParaRPr lang="en-US" sz="2300" dirty="0">
+              <a:solidFill>
+                <a:srgbClr val="000000"/>
+              </a:solidFill>
+              <a:latin typeface="Consolas" panose="020B0609020204030204" pitchFamily="49" charset="0"/>
+            </a:endParaRPr>
+          </a:p>
+          <a:p>
+            <a:r>
+              <a:rPr lang="en-US" sz="2300" dirty="0" err="1">
+                <a:solidFill>
+                  <a:srgbClr val="001080"/>
+                </a:solidFill>
+                <a:latin typeface="Consolas" panose="020B0609020204030204" pitchFamily="49" charset="0"/>
+              </a:rPr>
+              <a:t>NumberFormatInfo</a:t>
+            </a:r>
+            <a:r>
+              <a:rPr lang="en-US" sz="2300" dirty="0">
+                <a:solidFill>
+                  <a:srgbClr val="000000"/>
+                </a:solidFill>
+                <a:latin typeface="Consolas" panose="020B0609020204030204" pitchFamily="49" charset="0"/>
+              </a:rPr>
+              <a:t> </a:t>
+            </a:r>
+            <a:r>
+              <a:rPr lang="en-US" sz="2300" dirty="0" err="1">
+                <a:solidFill>
+                  <a:srgbClr val="001080"/>
+                </a:solidFill>
+                <a:latin typeface="Consolas" panose="020B0609020204030204" pitchFamily="49" charset="0"/>
+              </a:rPr>
+              <a:t>nfi</a:t>
+            </a:r>
+            <a:r>
+              <a:rPr lang="en-US" sz="2300" dirty="0">
+                <a:solidFill>
+                  <a:srgbClr val="000000"/>
+                </a:solidFill>
+                <a:latin typeface="Consolas" panose="020B0609020204030204" pitchFamily="49" charset="0"/>
+              </a:rPr>
+              <a:t> = </a:t>
+            </a:r>
+            <a:r>
+              <a:rPr lang="en-US" sz="2300" dirty="0" err="1">
+                <a:solidFill>
+                  <a:srgbClr val="001080"/>
+                </a:solidFill>
+                <a:latin typeface="Consolas" panose="020B0609020204030204" pitchFamily="49" charset="0"/>
+              </a:rPr>
+              <a:t>CultureInfo</a:t>
+            </a:r>
+            <a:r>
+              <a:rPr lang="en-US" sz="2300" dirty="0" err="1">
+                <a:solidFill>
+                  <a:srgbClr val="000000"/>
+                </a:solidFill>
+                <a:latin typeface="Consolas" panose="020B0609020204030204" pitchFamily="49" charset="0"/>
+              </a:rPr>
+              <a:t>.</a:t>
+            </a:r>
+            <a:r>
+              <a:rPr lang="en-US" sz="2300" dirty="0" err="1">
+                <a:solidFill>
+                  <a:srgbClr val="001080"/>
+                </a:solidFill>
+                <a:latin typeface="Consolas" panose="020B0609020204030204" pitchFamily="49" charset="0"/>
+              </a:rPr>
+              <a:t>CurrentCulture</a:t>
+            </a:r>
+            <a:r>
+              <a:rPr lang="en-US" sz="2300" dirty="0" err="1">
+                <a:solidFill>
+                  <a:srgbClr val="000000"/>
+                </a:solidFill>
+                <a:latin typeface="Consolas" panose="020B0609020204030204" pitchFamily="49" charset="0"/>
+              </a:rPr>
+              <a:t>.</a:t>
+            </a:r>
+            <a:r>
+              <a:rPr lang="en-US" sz="2300" dirty="0" err="1">
+                <a:solidFill>
+                  <a:srgbClr val="001080"/>
+                </a:solidFill>
+                <a:latin typeface="Consolas" panose="020B0609020204030204" pitchFamily="49" charset="0"/>
+              </a:rPr>
+              <a:t>NumberFormat</a:t>
+            </a:r>
+            <a:r>
+              <a:rPr lang="en-US" sz="2300" dirty="0">
+                <a:solidFill>
+                  <a:srgbClr val="222222"/>
+                </a:solidFill>
+                <a:latin typeface="Consolas" panose="020B0609020204030204" pitchFamily="49" charset="0"/>
+              </a:rPr>
+              <a:t>;</a:t>
+            </a:r>
+            <a:endParaRPr lang="en-US" sz="2300" dirty="0">
+              <a:solidFill>
+                <a:srgbClr val="000000"/>
+              </a:solidFill>
+              <a:latin typeface="Consolas" panose="020B0609020204030204" pitchFamily="49" charset="0"/>
+            </a:endParaRPr>
+          </a:p>
+          <a:p>
+            <a:r>
+              <a:rPr lang="en-US" sz="2300" dirty="0">
+                <a:solidFill>
+                  <a:srgbClr val="008000"/>
+                </a:solidFill>
+                <a:latin typeface="Consolas" panose="020B0609020204030204" pitchFamily="49" charset="0"/>
+              </a:rPr>
+              <a:t>// Assign needed property values to variables.</a:t>
+            </a:r>
+            <a:endParaRPr lang="en-US" sz="2300" dirty="0">
+              <a:solidFill>
+                <a:srgbClr val="000000"/>
+              </a:solidFill>
+              <a:latin typeface="Consolas" panose="020B0609020204030204" pitchFamily="49" charset="0"/>
+            </a:endParaRPr>
+          </a:p>
+          <a:p>
+            <a:r>
+              <a:rPr lang="en-US" sz="2300" dirty="0">
+                <a:solidFill>
+                  <a:srgbClr val="0000FF"/>
+                </a:solidFill>
+                <a:latin typeface="Consolas" panose="020B0609020204030204" pitchFamily="49" charset="0"/>
+              </a:rPr>
+              <a:t>string</a:t>
+            </a:r>
+            <a:r>
+              <a:rPr lang="en-US" sz="2300" dirty="0">
+                <a:solidFill>
+                  <a:srgbClr val="000000"/>
+                </a:solidFill>
+                <a:latin typeface="Consolas" panose="020B0609020204030204" pitchFamily="49" charset="0"/>
+              </a:rPr>
+              <a:t> </a:t>
+            </a:r>
+            <a:r>
+              <a:rPr lang="en-US" sz="2300" dirty="0" err="1">
+                <a:solidFill>
+                  <a:srgbClr val="001080"/>
+                </a:solidFill>
+                <a:latin typeface="Consolas" panose="020B0609020204030204" pitchFamily="49" charset="0"/>
+              </a:rPr>
+              <a:t>currencySymbol</a:t>
+            </a:r>
+            <a:r>
+              <a:rPr lang="en-US" sz="2300" dirty="0">
+                <a:solidFill>
+                  <a:srgbClr val="000000"/>
+                </a:solidFill>
+                <a:latin typeface="Consolas" panose="020B0609020204030204" pitchFamily="49" charset="0"/>
+              </a:rPr>
+              <a:t> = </a:t>
+            </a:r>
+            <a:r>
+              <a:rPr lang="en-US" sz="2300" dirty="0" err="1">
+                <a:solidFill>
+                  <a:srgbClr val="001080"/>
+                </a:solidFill>
+                <a:latin typeface="Consolas" panose="020B0609020204030204" pitchFamily="49" charset="0"/>
+              </a:rPr>
+              <a:t>nfi</a:t>
+            </a:r>
+            <a:r>
+              <a:rPr lang="en-US" sz="2300" dirty="0" err="1">
+                <a:solidFill>
+                  <a:srgbClr val="000000"/>
+                </a:solidFill>
+                <a:latin typeface="Consolas" panose="020B0609020204030204" pitchFamily="49" charset="0"/>
+              </a:rPr>
+              <a:t>.</a:t>
+            </a:r>
+            <a:r>
+              <a:rPr lang="en-US" sz="2300" dirty="0" err="1">
+                <a:solidFill>
+                  <a:srgbClr val="001080"/>
+                </a:solidFill>
+                <a:latin typeface="Consolas" panose="020B0609020204030204" pitchFamily="49" charset="0"/>
+              </a:rPr>
+              <a:t>CurrencySymbol</a:t>
+            </a:r>
+            <a:r>
+              <a:rPr lang="en-US" sz="2300" dirty="0">
+                <a:solidFill>
+                  <a:srgbClr val="222222"/>
+                </a:solidFill>
+                <a:latin typeface="Consolas" panose="020B0609020204030204" pitchFamily="49" charset="0"/>
+              </a:rPr>
+              <a:t>;</a:t>
+            </a:r>
+            <a:endParaRPr lang="en-US" sz="2300" dirty="0">
+              <a:solidFill>
+                <a:srgbClr val="000000"/>
+              </a:solidFill>
+              <a:latin typeface="Consolas" panose="020B0609020204030204" pitchFamily="49" charset="0"/>
+            </a:endParaRPr>
+          </a:p>
+          <a:p>
+            <a:r>
+              <a:rPr lang="en-US" sz="2300" dirty="0" err="1">
+                <a:solidFill>
+                  <a:srgbClr val="0000FF"/>
+                </a:solidFill>
+                <a:latin typeface="Consolas" panose="020B0609020204030204" pitchFamily="49" charset="0"/>
+              </a:rPr>
+              <a:t>bool</a:t>
+            </a:r>
+            <a:r>
+              <a:rPr lang="en-US" sz="2300" dirty="0">
+                <a:solidFill>
+                  <a:srgbClr val="000000"/>
+                </a:solidFill>
+                <a:latin typeface="Consolas" panose="020B0609020204030204" pitchFamily="49" charset="0"/>
+              </a:rPr>
+              <a:t> </a:t>
+            </a:r>
+            <a:r>
+              <a:rPr lang="en-US" sz="2300" dirty="0" err="1">
+                <a:solidFill>
+                  <a:srgbClr val="001080"/>
+                </a:solidFill>
+                <a:latin typeface="Consolas" panose="020B0609020204030204" pitchFamily="49" charset="0"/>
+              </a:rPr>
+              <a:t>symbolPrecedesIfPositive</a:t>
+            </a:r>
+            <a:r>
+              <a:rPr lang="en-US" sz="2300" dirty="0">
+                <a:solidFill>
+                  <a:srgbClr val="000000"/>
+                </a:solidFill>
+                <a:latin typeface="Consolas" panose="020B0609020204030204" pitchFamily="49" charset="0"/>
+              </a:rPr>
+              <a:t> = </a:t>
+            </a:r>
+            <a:r>
+              <a:rPr lang="en-US" sz="2300" dirty="0" err="1">
+                <a:solidFill>
+                  <a:srgbClr val="001080"/>
+                </a:solidFill>
+                <a:latin typeface="Consolas" panose="020B0609020204030204" pitchFamily="49" charset="0"/>
+              </a:rPr>
+              <a:t>nfi</a:t>
+            </a:r>
+            <a:r>
+              <a:rPr lang="en-US" sz="2300" dirty="0" err="1">
+                <a:solidFill>
+                  <a:srgbClr val="000000"/>
+                </a:solidFill>
+                <a:latin typeface="Consolas" panose="020B0609020204030204" pitchFamily="49" charset="0"/>
+              </a:rPr>
+              <a:t>.</a:t>
+            </a:r>
+            <a:r>
+              <a:rPr lang="en-US" sz="2300" dirty="0" err="1">
+                <a:solidFill>
+                  <a:srgbClr val="001080"/>
+                </a:solidFill>
+                <a:latin typeface="Consolas" panose="020B0609020204030204" pitchFamily="49" charset="0"/>
+              </a:rPr>
+              <a:t>CurrencyPositivePattern</a:t>
+            </a:r>
+            <a:r>
+              <a:rPr lang="en-US" sz="2300" dirty="0">
+                <a:solidFill>
+                  <a:srgbClr val="000000"/>
+                </a:solidFill>
+                <a:latin typeface="Consolas" panose="020B0609020204030204" pitchFamily="49" charset="0"/>
+              </a:rPr>
+              <a:t> % </a:t>
+            </a:r>
+            <a:r>
+              <a:rPr lang="en-US" sz="2300" dirty="0">
+                <a:solidFill>
+                  <a:srgbClr val="098658"/>
+                </a:solidFill>
+                <a:latin typeface="Consolas" panose="020B0609020204030204" pitchFamily="49" charset="0"/>
+              </a:rPr>
+              <a:t>2</a:t>
+            </a:r>
+            <a:r>
+              <a:rPr lang="en-US" sz="2300" dirty="0">
+                <a:solidFill>
+                  <a:srgbClr val="000000"/>
+                </a:solidFill>
+                <a:latin typeface="Consolas" panose="020B0609020204030204" pitchFamily="49" charset="0"/>
+              </a:rPr>
+              <a:t> == </a:t>
+            </a:r>
+            <a:r>
+              <a:rPr lang="en-US" sz="2300" dirty="0">
+                <a:solidFill>
+                  <a:srgbClr val="098658"/>
+                </a:solidFill>
+                <a:latin typeface="Consolas" panose="020B0609020204030204" pitchFamily="49" charset="0"/>
+              </a:rPr>
+              <a:t>0</a:t>
+            </a:r>
+            <a:r>
+              <a:rPr lang="en-US" sz="2300" dirty="0">
+                <a:solidFill>
+                  <a:srgbClr val="222222"/>
+                </a:solidFill>
+                <a:latin typeface="Consolas" panose="020B0609020204030204" pitchFamily="49" charset="0"/>
+              </a:rPr>
+              <a:t>;</a:t>
+            </a:r>
+            <a:endParaRPr lang="en-US" sz="2300" dirty="0">
+              <a:solidFill>
+                <a:srgbClr val="000000"/>
+              </a:solidFill>
+              <a:latin typeface="Consolas" panose="020B0609020204030204" pitchFamily="49" charset="0"/>
+            </a:endParaRPr>
+          </a:p>
+          <a:p>
+            <a:r>
+              <a:rPr lang="en-US" sz="2300" dirty="0">
+                <a:solidFill>
+                  <a:srgbClr val="0000FF"/>
+                </a:solidFill>
+                <a:latin typeface="Consolas" panose="020B0609020204030204" pitchFamily="49" charset="0"/>
+              </a:rPr>
+              <a:t>string</a:t>
+            </a:r>
+            <a:r>
+              <a:rPr lang="en-US" sz="2300" dirty="0">
+                <a:solidFill>
+                  <a:srgbClr val="000000"/>
+                </a:solidFill>
+                <a:latin typeface="Consolas" panose="020B0609020204030204" pitchFamily="49" charset="0"/>
+              </a:rPr>
+              <a:t> </a:t>
+            </a:r>
+            <a:r>
+              <a:rPr lang="en-US" sz="2300" dirty="0" err="1">
+                <a:solidFill>
+                  <a:srgbClr val="001080"/>
+                </a:solidFill>
+                <a:latin typeface="Consolas" panose="020B0609020204030204" pitchFamily="49" charset="0"/>
+              </a:rPr>
+              <a:t>groupSeparator</a:t>
+            </a:r>
+            <a:r>
+              <a:rPr lang="en-US" sz="2300" dirty="0">
+                <a:solidFill>
+                  <a:srgbClr val="000000"/>
+                </a:solidFill>
+                <a:latin typeface="Consolas" panose="020B0609020204030204" pitchFamily="49" charset="0"/>
+              </a:rPr>
+              <a:t> = </a:t>
+            </a:r>
+            <a:r>
+              <a:rPr lang="en-US" sz="2300" dirty="0" err="1">
+                <a:solidFill>
+                  <a:srgbClr val="001080"/>
+                </a:solidFill>
+                <a:latin typeface="Consolas" panose="020B0609020204030204" pitchFamily="49" charset="0"/>
+              </a:rPr>
+              <a:t>nfi</a:t>
+            </a:r>
+            <a:r>
+              <a:rPr lang="en-US" sz="2300" dirty="0" err="1">
+                <a:solidFill>
+                  <a:srgbClr val="000000"/>
+                </a:solidFill>
+                <a:latin typeface="Consolas" panose="020B0609020204030204" pitchFamily="49" charset="0"/>
+              </a:rPr>
+              <a:t>.</a:t>
+            </a:r>
+            <a:r>
+              <a:rPr lang="en-US" sz="2300" dirty="0" err="1">
+                <a:solidFill>
+                  <a:srgbClr val="001080"/>
+                </a:solidFill>
+                <a:latin typeface="Consolas" panose="020B0609020204030204" pitchFamily="49" charset="0"/>
+              </a:rPr>
+              <a:t>CurrencyGroupSeparator</a:t>
+            </a:r>
+            <a:r>
+              <a:rPr lang="en-US" sz="2300" dirty="0">
+                <a:solidFill>
+                  <a:srgbClr val="222222"/>
+                </a:solidFill>
+                <a:latin typeface="Consolas" panose="020B0609020204030204" pitchFamily="49" charset="0"/>
+              </a:rPr>
+              <a:t>;</a:t>
+            </a:r>
+            <a:endParaRPr lang="en-US" sz="2300" dirty="0">
+              <a:solidFill>
+                <a:srgbClr val="000000"/>
+              </a:solidFill>
+              <a:latin typeface="Consolas" panose="020B0609020204030204" pitchFamily="49" charset="0"/>
+            </a:endParaRPr>
+          </a:p>
+          <a:p>
+            <a:r>
+              <a:rPr lang="en-US" sz="2300" dirty="0">
+                <a:solidFill>
+                  <a:srgbClr val="0000FF"/>
+                </a:solidFill>
+                <a:latin typeface="Consolas" panose="020B0609020204030204" pitchFamily="49" charset="0"/>
+              </a:rPr>
+              <a:t>string</a:t>
+            </a:r>
+            <a:r>
+              <a:rPr lang="en-US" sz="2300" dirty="0">
+                <a:solidFill>
+                  <a:srgbClr val="000000"/>
+                </a:solidFill>
+                <a:latin typeface="Consolas" panose="020B0609020204030204" pitchFamily="49" charset="0"/>
+              </a:rPr>
+              <a:t> </a:t>
+            </a:r>
+            <a:r>
+              <a:rPr lang="en-US" sz="2300" dirty="0" err="1">
+                <a:solidFill>
+                  <a:srgbClr val="001080"/>
+                </a:solidFill>
+                <a:latin typeface="Consolas" panose="020B0609020204030204" pitchFamily="49" charset="0"/>
+              </a:rPr>
+              <a:t>decimalSeparator</a:t>
+            </a:r>
+            <a:r>
+              <a:rPr lang="en-US" sz="2300" dirty="0">
+                <a:solidFill>
+                  <a:srgbClr val="000000"/>
+                </a:solidFill>
+                <a:latin typeface="Consolas" panose="020B0609020204030204" pitchFamily="49" charset="0"/>
+              </a:rPr>
+              <a:t> = </a:t>
+            </a:r>
+            <a:r>
+              <a:rPr lang="en-US" sz="2300" dirty="0" err="1">
+                <a:solidFill>
+                  <a:srgbClr val="001080"/>
+                </a:solidFill>
+                <a:latin typeface="Consolas" panose="020B0609020204030204" pitchFamily="49" charset="0"/>
+              </a:rPr>
+              <a:t>nfi</a:t>
+            </a:r>
+            <a:r>
+              <a:rPr lang="en-US" sz="2300" dirty="0" err="1">
+                <a:solidFill>
+                  <a:srgbClr val="000000"/>
+                </a:solidFill>
+                <a:latin typeface="Consolas" panose="020B0609020204030204" pitchFamily="49" charset="0"/>
+              </a:rPr>
+              <a:t>.</a:t>
+            </a:r>
+            <a:r>
+              <a:rPr lang="en-US" sz="2300" dirty="0" err="1">
+                <a:solidFill>
+                  <a:srgbClr val="001080"/>
+                </a:solidFill>
+                <a:latin typeface="Consolas" panose="020B0609020204030204" pitchFamily="49" charset="0"/>
+              </a:rPr>
+              <a:t>CurrencyDecimalSeparator</a:t>
+            </a:r>
+            <a:r>
+              <a:rPr lang="en-US" sz="2300" dirty="0">
+                <a:solidFill>
+                  <a:srgbClr val="222222"/>
+                </a:solidFill>
+                <a:latin typeface="Consolas" panose="020B0609020204030204" pitchFamily="49" charset="0"/>
+              </a:rPr>
+              <a:t>;</a:t>
+            </a:r>
+            <a:endParaRPr lang="en-US" sz="2300" dirty="0">
+              <a:solidFill>
+                <a:srgbClr val="000000"/>
+              </a:solidFill>
+              <a:latin typeface="Consolas" panose="020B0609020204030204" pitchFamily="49" charset="0"/>
+            </a:endParaRPr>
+          </a:p>
+          <a:p>
+            <a:pPr algn="just"/>
+            <a:endParaRPr lang="en-US" sz="2400" dirty="0" smtClean="0">
+              <a:latin typeface="Bookman Old Style" panose="02050604050505020204" pitchFamily="18" charset="0"/>
+            </a:endParaRPr>
+          </a:p>
+        </p:txBody>
+      </p:sp>
+    </p:spTree>
+    <p:extLst>
+      <p:ext uri="{BB962C8B-B14F-4D97-AF65-F5344CB8AC3E}">
+        <p14:creationId xmlns:p14="http://schemas.microsoft.com/office/powerpoint/2010/main" val="1368813132"/>
+      </p:ext>
+    </p:extLst>
+  </p:cSld>
+  <p:clrMapOvr>
+    <a:masterClrMapping/>
+  </p:clrMapOvr>
+  <p:timing>
+    <p:tnLst>
+      <p:par>
+        <p:cTn id="1" dur="indefinite" restart="never" nodeType="tmRoot"/>
+      </p:par>
+    </p:tnLst>
+  </p:timing>
+</p:sld>
+</file>
+
+<file path=ppt/slides/slide21.xml><?xml version="1.0" encoding="utf-8"?>
+<p:sld xmlns:a="http://schemas.openxmlformats.org/drawingml/2006/main" xmlns:r="http://schemas.openxmlformats.org/officeDocument/2006/relationships" xmlns:p="http://schemas.openxmlformats.org/presentationml/2006/main">
+  <p:cSld>
+    <p:spTree>
+      <p:nvGrpSpPr>
+        <p:cNvPr id="1" name=""/>
+        <p:cNvGrpSpPr/>
+        <p:nvPr/>
+      </p:nvGrpSpPr>
+      <p:grpSpPr>
+        <a:xfrm>
+          <a:off x="0" y="0"/>
+          <a:ext cx="0" cy="0"/>
+          <a:chOff x="0" y="0"/>
+          <a:chExt cx="0" cy="0"/>
+        </a:xfrm>
+      </p:grpSpPr>
+      <p:sp>
+        <p:nvSpPr>
+          <p:cNvPr id="7" name="Прямоугольник 6"/>
+          <p:cNvSpPr/>
+          <p:nvPr/>
+        </p:nvSpPr>
+        <p:spPr>
+          <a:xfrm>
+            <a:off x="-2" y="0"/>
+            <a:ext cx="12192000" cy="6093976"/>
+          </a:xfrm>
+          <a:prstGeom prst="rect">
+            <a:avLst/>
+          </a:prstGeom>
+        </p:spPr>
+        <p:txBody>
+          <a:bodyPr wrap="square" lIns="360000" rIns="360000">
+            <a:spAutoFit/>
+          </a:bodyPr>
+          <a:lstStyle/>
+          <a:p>
+            <a:pPr>
+              <a:lnSpc>
+                <a:spcPct val="150000"/>
+              </a:lnSpc>
+            </a:pPr>
+            <a:endParaRPr lang="en-US" sz="2000" dirty="0" smtClean="0">
+              <a:solidFill>
+                <a:srgbClr val="008000"/>
+              </a:solidFill>
+              <a:latin typeface="Consolas" panose="020B0609020204030204" pitchFamily="49" charset="0"/>
+            </a:endParaRPr>
+          </a:p>
+          <a:p>
+            <a:pPr>
+              <a:lnSpc>
+                <a:spcPct val="150000"/>
+              </a:lnSpc>
+            </a:pPr>
+            <a:r>
+              <a:rPr lang="en-US" sz="2000" dirty="0" smtClean="0">
+                <a:solidFill>
+                  <a:srgbClr val="008000"/>
+                </a:solidFill>
+                <a:latin typeface="Consolas" panose="020B0609020204030204" pitchFamily="49" charset="0"/>
+              </a:rPr>
+              <a:t>// </a:t>
+            </a:r>
+            <a:r>
+              <a:rPr lang="en-US" sz="2000" dirty="0">
+                <a:solidFill>
+                  <a:srgbClr val="008000"/>
+                </a:solidFill>
+                <a:latin typeface="Consolas" panose="020B0609020204030204" pitchFamily="49" charset="0"/>
+              </a:rPr>
+              <a:t>Form regular expression pattern.</a:t>
+            </a:r>
+            <a:endParaRPr lang="en-US" sz="2000" dirty="0">
+              <a:solidFill>
+                <a:srgbClr val="000000"/>
+              </a:solidFill>
+              <a:latin typeface="Consolas" panose="020B0609020204030204" pitchFamily="49" charset="0"/>
+            </a:endParaRPr>
+          </a:p>
+          <a:p>
+            <a:pPr>
+              <a:lnSpc>
+                <a:spcPct val="150000"/>
+              </a:lnSpc>
+            </a:pPr>
+            <a:r>
+              <a:rPr lang="en-US" sz="2000" dirty="0">
+                <a:solidFill>
+                  <a:srgbClr val="0000FF"/>
+                </a:solidFill>
+                <a:latin typeface="Consolas" panose="020B0609020204030204" pitchFamily="49" charset="0"/>
+              </a:rPr>
+              <a:t>string</a:t>
+            </a:r>
+            <a:r>
+              <a:rPr lang="en-US" sz="2000" dirty="0">
+                <a:solidFill>
+                  <a:srgbClr val="000000"/>
+                </a:solidFill>
+                <a:latin typeface="Consolas" panose="020B0609020204030204" pitchFamily="49" charset="0"/>
+              </a:rPr>
+              <a:t> </a:t>
+            </a:r>
+            <a:r>
+              <a:rPr lang="en-US" sz="2000" dirty="0">
+                <a:solidFill>
+                  <a:srgbClr val="001080"/>
+                </a:solidFill>
+                <a:latin typeface="Consolas" panose="020B0609020204030204" pitchFamily="49" charset="0"/>
+              </a:rPr>
+              <a:t>pattern</a:t>
+            </a:r>
+            <a:r>
+              <a:rPr lang="en-US" sz="2000" dirty="0">
+                <a:solidFill>
+                  <a:srgbClr val="000000"/>
+                </a:solidFill>
+                <a:latin typeface="Consolas" panose="020B0609020204030204" pitchFamily="49" charset="0"/>
+              </a:rPr>
+              <a:t> = </a:t>
+            </a:r>
+            <a:r>
+              <a:rPr lang="en-US" sz="2000" dirty="0" err="1">
+                <a:solidFill>
+                  <a:srgbClr val="001080"/>
+                </a:solidFill>
+                <a:latin typeface="Consolas" panose="020B0609020204030204" pitchFamily="49" charset="0"/>
+              </a:rPr>
+              <a:t>Regex</a:t>
+            </a:r>
+            <a:r>
+              <a:rPr lang="en-US" sz="2000" dirty="0" err="1">
+                <a:solidFill>
+                  <a:srgbClr val="000000"/>
+                </a:solidFill>
+                <a:latin typeface="Consolas" panose="020B0609020204030204" pitchFamily="49" charset="0"/>
+              </a:rPr>
+              <a:t>.</a:t>
+            </a:r>
+            <a:r>
+              <a:rPr lang="en-US" sz="2000" dirty="0" err="1">
+                <a:solidFill>
+                  <a:srgbClr val="001080"/>
+                </a:solidFill>
+                <a:latin typeface="Consolas" panose="020B0609020204030204" pitchFamily="49" charset="0"/>
+              </a:rPr>
+              <a:t>Escape</a:t>
+            </a:r>
+            <a:r>
+              <a:rPr lang="en-US" sz="2000" dirty="0">
+                <a:solidFill>
+                  <a:srgbClr val="222222"/>
+                </a:solidFill>
+                <a:latin typeface="Consolas" panose="020B0609020204030204" pitchFamily="49" charset="0"/>
+              </a:rPr>
+              <a:t>(</a:t>
+            </a:r>
+            <a:r>
+              <a:rPr lang="en-US" sz="2000" dirty="0" err="1">
+                <a:solidFill>
+                  <a:srgbClr val="001080"/>
+                </a:solidFill>
+                <a:latin typeface="Consolas" panose="020B0609020204030204" pitchFamily="49" charset="0"/>
+              </a:rPr>
+              <a:t>symbolPrecedesIfPositive</a:t>
+            </a:r>
+            <a:r>
+              <a:rPr lang="en-US" sz="2000" dirty="0">
+                <a:solidFill>
+                  <a:srgbClr val="000000"/>
+                </a:solidFill>
+                <a:latin typeface="Consolas" panose="020B0609020204030204" pitchFamily="49" charset="0"/>
+              </a:rPr>
+              <a:t> ? </a:t>
+            </a:r>
+            <a:r>
+              <a:rPr lang="en-US" sz="2000" dirty="0" err="1">
+                <a:solidFill>
+                  <a:srgbClr val="001080"/>
+                </a:solidFill>
+                <a:latin typeface="Consolas" panose="020B0609020204030204" pitchFamily="49" charset="0"/>
+              </a:rPr>
+              <a:t>currencySymbol</a:t>
+            </a:r>
+            <a:r>
+              <a:rPr lang="en-US" sz="2000" dirty="0">
+                <a:solidFill>
+                  <a:srgbClr val="000000"/>
+                </a:solidFill>
+                <a:latin typeface="Consolas" panose="020B0609020204030204" pitchFamily="49" charset="0"/>
+              </a:rPr>
+              <a:t> : </a:t>
+            </a:r>
+            <a:r>
+              <a:rPr lang="en-US" sz="2000" dirty="0">
+                <a:solidFill>
+                  <a:srgbClr val="A31515"/>
+                </a:solidFill>
+                <a:latin typeface="Consolas" panose="020B0609020204030204" pitchFamily="49" charset="0"/>
+              </a:rPr>
+              <a:t>""</a:t>
+            </a:r>
+            <a:r>
+              <a:rPr lang="en-US" sz="2000" dirty="0">
+                <a:solidFill>
+                  <a:srgbClr val="222222"/>
+                </a:solidFill>
+                <a:latin typeface="Consolas" panose="020B0609020204030204" pitchFamily="49" charset="0"/>
+              </a:rPr>
+              <a:t>)</a:t>
+            </a:r>
+            <a:r>
+              <a:rPr lang="en-US" sz="2000" dirty="0">
+                <a:solidFill>
+                  <a:srgbClr val="000000"/>
+                </a:solidFill>
+                <a:latin typeface="Consolas" panose="020B0609020204030204" pitchFamily="49" charset="0"/>
+              </a:rPr>
+              <a:t> +</a:t>
+            </a:r>
+          </a:p>
+          <a:p>
+            <a:pPr>
+              <a:lnSpc>
+                <a:spcPct val="150000"/>
+              </a:lnSpc>
+            </a:pPr>
+            <a:r>
+              <a:rPr lang="en-US" sz="2000" dirty="0">
+                <a:solidFill>
+                  <a:srgbClr val="000000"/>
+                </a:solidFill>
+                <a:latin typeface="Consolas" panose="020B0609020204030204" pitchFamily="49" charset="0"/>
+              </a:rPr>
+              <a:t>                 </a:t>
+            </a:r>
+            <a:r>
+              <a:rPr lang="en-US" sz="2000" dirty="0">
+                <a:solidFill>
+                  <a:srgbClr val="A31515"/>
+                </a:solidFill>
+                <a:latin typeface="Consolas" panose="020B0609020204030204" pitchFamily="49" charset="0"/>
+              </a:rPr>
+              <a:t>@"\s*[-+]?"</a:t>
+            </a:r>
+            <a:r>
+              <a:rPr lang="en-US" sz="2000" dirty="0">
+                <a:solidFill>
+                  <a:srgbClr val="000000"/>
+                </a:solidFill>
+                <a:latin typeface="Consolas" panose="020B0609020204030204" pitchFamily="49" charset="0"/>
+              </a:rPr>
+              <a:t> + </a:t>
+            </a:r>
+            <a:r>
+              <a:rPr lang="en-US" sz="2000" dirty="0">
+                <a:solidFill>
+                  <a:srgbClr val="A31515"/>
+                </a:solidFill>
+                <a:latin typeface="Consolas" panose="020B0609020204030204" pitchFamily="49" charset="0"/>
+              </a:rPr>
+              <a:t>"([0-9]{0,3}("</a:t>
+            </a:r>
+            <a:r>
+              <a:rPr lang="en-US" sz="2000" dirty="0">
+                <a:solidFill>
+                  <a:srgbClr val="000000"/>
+                </a:solidFill>
+                <a:latin typeface="Consolas" panose="020B0609020204030204" pitchFamily="49" charset="0"/>
+              </a:rPr>
+              <a:t> + </a:t>
+            </a:r>
+            <a:r>
+              <a:rPr lang="en-US" sz="2000" dirty="0" err="1">
+                <a:solidFill>
+                  <a:srgbClr val="001080"/>
+                </a:solidFill>
+                <a:latin typeface="Consolas" panose="020B0609020204030204" pitchFamily="49" charset="0"/>
+              </a:rPr>
+              <a:t>groupSeparator</a:t>
+            </a:r>
+            <a:r>
+              <a:rPr lang="en-US" sz="2000" dirty="0">
+                <a:solidFill>
+                  <a:srgbClr val="000000"/>
+                </a:solidFill>
+                <a:latin typeface="Consolas" panose="020B0609020204030204" pitchFamily="49" charset="0"/>
+              </a:rPr>
+              <a:t> + </a:t>
+            </a:r>
+            <a:r>
+              <a:rPr lang="en-US" sz="2000" dirty="0">
+                <a:solidFill>
+                  <a:srgbClr val="A31515"/>
+                </a:solidFill>
+                <a:latin typeface="Consolas" panose="020B0609020204030204" pitchFamily="49" charset="0"/>
+              </a:rPr>
+              <a:t>"[0-9]{3})*("</a:t>
+            </a:r>
+            <a:r>
+              <a:rPr lang="en-US" sz="2000" dirty="0">
+                <a:solidFill>
+                  <a:srgbClr val="000000"/>
+                </a:solidFill>
+                <a:latin typeface="Consolas" panose="020B0609020204030204" pitchFamily="49" charset="0"/>
+              </a:rPr>
+              <a:t> +</a:t>
+            </a:r>
+          </a:p>
+          <a:p>
+            <a:pPr>
+              <a:lnSpc>
+                <a:spcPct val="150000"/>
+              </a:lnSpc>
+            </a:pPr>
+            <a:r>
+              <a:rPr lang="en-US" sz="2000" dirty="0">
+                <a:solidFill>
+                  <a:srgbClr val="000000"/>
+                </a:solidFill>
+                <a:latin typeface="Consolas" panose="020B0609020204030204" pitchFamily="49" charset="0"/>
+              </a:rPr>
+              <a:t>                 </a:t>
+            </a:r>
+            <a:r>
+              <a:rPr lang="en-US" sz="2000" dirty="0" err="1">
+                <a:solidFill>
+                  <a:srgbClr val="001080"/>
+                </a:solidFill>
+                <a:latin typeface="Consolas" panose="020B0609020204030204" pitchFamily="49" charset="0"/>
+              </a:rPr>
+              <a:t>Regex</a:t>
+            </a:r>
+            <a:r>
+              <a:rPr lang="en-US" sz="2000" dirty="0" err="1">
+                <a:solidFill>
+                  <a:srgbClr val="000000"/>
+                </a:solidFill>
+                <a:latin typeface="Consolas" panose="020B0609020204030204" pitchFamily="49" charset="0"/>
+              </a:rPr>
+              <a:t>.</a:t>
+            </a:r>
+            <a:r>
+              <a:rPr lang="en-US" sz="2000" dirty="0" err="1">
+                <a:solidFill>
+                  <a:srgbClr val="001080"/>
+                </a:solidFill>
+                <a:latin typeface="Consolas" panose="020B0609020204030204" pitchFamily="49" charset="0"/>
+              </a:rPr>
+              <a:t>Escape</a:t>
+            </a:r>
+            <a:r>
+              <a:rPr lang="en-US" sz="2000" dirty="0">
+                <a:solidFill>
+                  <a:srgbClr val="222222"/>
+                </a:solidFill>
+                <a:latin typeface="Consolas" panose="020B0609020204030204" pitchFamily="49" charset="0"/>
+              </a:rPr>
+              <a:t>(</a:t>
+            </a:r>
+            <a:r>
+              <a:rPr lang="en-US" sz="2000" dirty="0" err="1">
+                <a:solidFill>
+                  <a:srgbClr val="001080"/>
+                </a:solidFill>
+                <a:latin typeface="Consolas" panose="020B0609020204030204" pitchFamily="49" charset="0"/>
+              </a:rPr>
+              <a:t>decimalSeparator</a:t>
+            </a:r>
+            <a:r>
+              <a:rPr lang="en-US" sz="2000" dirty="0">
+                <a:solidFill>
+                  <a:srgbClr val="222222"/>
+                </a:solidFill>
+                <a:latin typeface="Consolas" panose="020B0609020204030204" pitchFamily="49" charset="0"/>
+              </a:rPr>
+              <a:t>)</a:t>
+            </a:r>
+            <a:r>
+              <a:rPr lang="en-US" sz="2000" dirty="0">
+                <a:solidFill>
+                  <a:srgbClr val="000000"/>
+                </a:solidFill>
+                <a:latin typeface="Consolas" panose="020B0609020204030204" pitchFamily="49" charset="0"/>
+              </a:rPr>
+              <a:t> + </a:t>
+            </a:r>
+            <a:r>
+              <a:rPr lang="en-US" sz="2000" dirty="0">
+                <a:solidFill>
+                  <a:srgbClr val="A31515"/>
+                </a:solidFill>
+                <a:latin typeface="Consolas" panose="020B0609020204030204" pitchFamily="49" charset="0"/>
+              </a:rPr>
+              <a:t>"[0-9]+)?)"</a:t>
+            </a:r>
+            <a:r>
+              <a:rPr lang="en-US" sz="2000" dirty="0">
+                <a:solidFill>
+                  <a:srgbClr val="000000"/>
+                </a:solidFill>
+                <a:latin typeface="Consolas" panose="020B0609020204030204" pitchFamily="49" charset="0"/>
+              </a:rPr>
+              <a:t> +</a:t>
+            </a:r>
+          </a:p>
+          <a:p>
+            <a:pPr>
+              <a:lnSpc>
+                <a:spcPct val="150000"/>
+              </a:lnSpc>
+            </a:pPr>
+            <a:r>
+              <a:rPr lang="en-US" sz="2000" dirty="0">
+                <a:solidFill>
+                  <a:srgbClr val="000000"/>
+                </a:solidFill>
+                <a:latin typeface="Consolas" panose="020B0609020204030204" pitchFamily="49" charset="0"/>
+              </a:rPr>
+              <a:t>                 </a:t>
+            </a:r>
+            <a:r>
+              <a:rPr lang="en-US" sz="2000" dirty="0">
+                <a:solidFill>
+                  <a:srgbClr val="222222"/>
+                </a:solidFill>
+                <a:latin typeface="Consolas" panose="020B0609020204030204" pitchFamily="49" charset="0"/>
+              </a:rPr>
+              <a:t>(</a:t>
+            </a:r>
+            <a:r>
+              <a:rPr lang="en-US" sz="2000" dirty="0">
+                <a:solidFill>
+                  <a:srgbClr val="000000"/>
+                </a:solidFill>
+                <a:latin typeface="Consolas" panose="020B0609020204030204" pitchFamily="49" charset="0"/>
+              </a:rPr>
+              <a:t>!</a:t>
+            </a:r>
+            <a:r>
+              <a:rPr lang="en-US" sz="2000" dirty="0" err="1">
+                <a:solidFill>
+                  <a:srgbClr val="001080"/>
+                </a:solidFill>
+                <a:latin typeface="Consolas" panose="020B0609020204030204" pitchFamily="49" charset="0"/>
+              </a:rPr>
+              <a:t>symbolPrecedesIfPositive</a:t>
+            </a:r>
+            <a:r>
+              <a:rPr lang="en-US" sz="2000" dirty="0">
+                <a:solidFill>
+                  <a:srgbClr val="000000"/>
+                </a:solidFill>
+                <a:latin typeface="Consolas" panose="020B0609020204030204" pitchFamily="49" charset="0"/>
+              </a:rPr>
+              <a:t> ? </a:t>
+            </a:r>
+            <a:r>
+              <a:rPr lang="en-US" sz="2000" dirty="0" err="1">
+                <a:solidFill>
+                  <a:srgbClr val="001080"/>
+                </a:solidFill>
+                <a:latin typeface="Consolas" panose="020B0609020204030204" pitchFamily="49" charset="0"/>
+              </a:rPr>
+              <a:t>currencySymbol</a:t>
+            </a:r>
+            <a:r>
+              <a:rPr lang="en-US" sz="2000" dirty="0">
+                <a:solidFill>
+                  <a:srgbClr val="000000"/>
+                </a:solidFill>
+                <a:latin typeface="Consolas" panose="020B0609020204030204" pitchFamily="49" charset="0"/>
+              </a:rPr>
+              <a:t> : </a:t>
+            </a:r>
+            <a:r>
+              <a:rPr lang="en-US" sz="2000" dirty="0">
+                <a:solidFill>
+                  <a:srgbClr val="A31515"/>
+                </a:solidFill>
+                <a:latin typeface="Consolas" panose="020B0609020204030204" pitchFamily="49" charset="0"/>
+              </a:rPr>
+              <a:t>""</a:t>
+            </a:r>
+            <a:r>
+              <a:rPr lang="en-US" sz="2000" dirty="0">
+                <a:solidFill>
+                  <a:srgbClr val="222222"/>
+                </a:solidFill>
+                <a:latin typeface="Consolas" panose="020B0609020204030204" pitchFamily="49" charset="0"/>
+              </a:rPr>
+              <a:t>);</a:t>
+            </a:r>
+            <a:endParaRPr lang="en-US" sz="2000" dirty="0">
+              <a:solidFill>
+                <a:srgbClr val="000000"/>
+              </a:solidFill>
+              <a:latin typeface="Consolas" panose="020B0609020204030204" pitchFamily="49" charset="0"/>
+            </a:endParaRPr>
+          </a:p>
+          <a:p>
+            <a:pPr>
+              <a:lnSpc>
+                <a:spcPct val="150000"/>
+              </a:lnSpc>
+            </a:pPr>
+            <a:r>
+              <a:rPr lang="en-US" sz="2000" dirty="0" err="1">
+                <a:solidFill>
+                  <a:srgbClr val="001080"/>
+                </a:solidFill>
+                <a:latin typeface="Consolas" panose="020B0609020204030204" pitchFamily="49" charset="0"/>
+              </a:rPr>
+              <a:t>Console</a:t>
+            </a:r>
+            <a:r>
+              <a:rPr lang="en-US" sz="2000" dirty="0" err="1">
+                <a:solidFill>
+                  <a:srgbClr val="000000"/>
+                </a:solidFill>
+                <a:latin typeface="Consolas" panose="020B0609020204030204" pitchFamily="49" charset="0"/>
+              </a:rPr>
+              <a:t>.</a:t>
+            </a:r>
+            <a:r>
+              <a:rPr lang="en-US" sz="2000" dirty="0" err="1">
+                <a:solidFill>
+                  <a:srgbClr val="001080"/>
+                </a:solidFill>
+                <a:latin typeface="Consolas" panose="020B0609020204030204" pitchFamily="49" charset="0"/>
+              </a:rPr>
+              <a:t>WriteLine</a:t>
+            </a:r>
+            <a:r>
+              <a:rPr lang="en-US" sz="2000" dirty="0">
+                <a:solidFill>
+                  <a:srgbClr val="222222"/>
+                </a:solidFill>
+                <a:latin typeface="Consolas" panose="020B0609020204030204" pitchFamily="49" charset="0"/>
+              </a:rPr>
+              <a:t>(</a:t>
+            </a:r>
+            <a:r>
+              <a:rPr lang="en-US" sz="2000" dirty="0">
+                <a:solidFill>
+                  <a:srgbClr val="A31515"/>
+                </a:solidFill>
+                <a:latin typeface="Consolas" panose="020B0609020204030204" pitchFamily="49" charset="0"/>
+              </a:rPr>
+              <a:t>"The regular expression pattern is:"</a:t>
+            </a:r>
+            <a:r>
+              <a:rPr lang="en-US" sz="2000" dirty="0">
+                <a:solidFill>
+                  <a:srgbClr val="222222"/>
+                </a:solidFill>
+                <a:latin typeface="Consolas" panose="020B0609020204030204" pitchFamily="49" charset="0"/>
+              </a:rPr>
+              <a:t>);</a:t>
+            </a:r>
+            <a:endParaRPr lang="en-US" sz="2000" dirty="0">
+              <a:solidFill>
+                <a:srgbClr val="000000"/>
+              </a:solidFill>
+              <a:latin typeface="Consolas" panose="020B0609020204030204" pitchFamily="49" charset="0"/>
+            </a:endParaRPr>
+          </a:p>
+          <a:p>
+            <a:pPr>
+              <a:lnSpc>
+                <a:spcPct val="150000"/>
+              </a:lnSpc>
+            </a:pPr>
+            <a:r>
+              <a:rPr lang="en-US" sz="2000" dirty="0" err="1">
+                <a:solidFill>
+                  <a:srgbClr val="001080"/>
+                </a:solidFill>
+                <a:latin typeface="Consolas" panose="020B0609020204030204" pitchFamily="49" charset="0"/>
+              </a:rPr>
+              <a:t>Console</a:t>
+            </a:r>
+            <a:r>
+              <a:rPr lang="en-US" sz="2000" dirty="0" err="1">
+                <a:solidFill>
+                  <a:srgbClr val="000000"/>
+                </a:solidFill>
+                <a:latin typeface="Consolas" panose="020B0609020204030204" pitchFamily="49" charset="0"/>
+              </a:rPr>
+              <a:t>.</a:t>
+            </a:r>
+            <a:r>
+              <a:rPr lang="en-US" sz="2000" dirty="0" err="1">
+                <a:solidFill>
+                  <a:srgbClr val="001080"/>
+                </a:solidFill>
+                <a:latin typeface="Consolas" panose="020B0609020204030204" pitchFamily="49" charset="0"/>
+              </a:rPr>
+              <a:t>WriteLine</a:t>
+            </a:r>
+            <a:r>
+              <a:rPr lang="en-US" sz="2000" dirty="0">
+                <a:solidFill>
+                  <a:srgbClr val="222222"/>
+                </a:solidFill>
+                <a:latin typeface="Consolas" panose="020B0609020204030204" pitchFamily="49" charset="0"/>
+              </a:rPr>
+              <a:t>(</a:t>
+            </a:r>
+            <a:r>
+              <a:rPr lang="en-US" sz="2000" dirty="0">
+                <a:solidFill>
+                  <a:srgbClr val="A31515"/>
+                </a:solidFill>
+                <a:latin typeface="Consolas" panose="020B0609020204030204" pitchFamily="49" charset="0"/>
+              </a:rPr>
+              <a:t>"   "</a:t>
+            </a:r>
+            <a:r>
+              <a:rPr lang="en-US" sz="2000" dirty="0">
+                <a:solidFill>
+                  <a:srgbClr val="000000"/>
+                </a:solidFill>
+                <a:latin typeface="Consolas" panose="020B0609020204030204" pitchFamily="49" charset="0"/>
+              </a:rPr>
+              <a:t> + </a:t>
+            </a:r>
+            <a:r>
+              <a:rPr lang="en-US" sz="2000" dirty="0">
+                <a:solidFill>
+                  <a:srgbClr val="001080"/>
+                </a:solidFill>
+                <a:latin typeface="Consolas" panose="020B0609020204030204" pitchFamily="49" charset="0"/>
+              </a:rPr>
+              <a:t>pattern</a:t>
+            </a:r>
+            <a:r>
+              <a:rPr lang="en-US" sz="2000" dirty="0">
+                <a:solidFill>
+                  <a:srgbClr val="222222"/>
+                </a:solidFill>
+                <a:latin typeface="Consolas" panose="020B0609020204030204" pitchFamily="49" charset="0"/>
+              </a:rPr>
+              <a:t>);</a:t>
+            </a:r>
+            <a:endParaRPr lang="en-US" sz="2000" dirty="0">
+              <a:solidFill>
+                <a:srgbClr val="000000"/>
+              </a:solidFill>
+              <a:latin typeface="Consolas" panose="020B0609020204030204" pitchFamily="49" charset="0"/>
+            </a:endParaRPr>
+          </a:p>
+          <a:p>
+            <a:pPr>
+              <a:lnSpc>
+                <a:spcPct val="150000"/>
+              </a:lnSpc>
+            </a:pPr>
+            <a:r>
+              <a:rPr lang="en-US" sz="2000" dirty="0">
+                <a:solidFill>
+                  <a:srgbClr val="000000"/>
+                </a:solidFill>
+                <a:latin typeface="Consolas" panose="020B0609020204030204" pitchFamily="49" charset="0"/>
+              </a:rPr>
+              <a:t/>
+            </a:r>
+            <a:br>
+              <a:rPr lang="en-US" sz="2000" dirty="0">
+                <a:solidFill>
+                  <a:srgbClr val="000000"/>
+                </a:solidFill>
+                <a:latin typeface="Consolas" panose="020B0609020204030204" pitchFamily="49" charset="0"/>
+              </a:rPr>
+            </a:br>
+            <a:r>
+              <a:rPr lang="en-US" sz="2000" dirty="0">
+                <a:solidFill>
+                  <a:srgbClr val="008000"/>
+                </a:solidFill>
+                <a:latin typeface="Consolas" panose="020B0609020204030204" pitchFamily="49" charset="0"/>
+              </a:rPr>
+              <a:t>// Get text that matches regular expression pattern.</a:t>
+            </a:r>
+            <a:endParaRPr lang="en-US" sz="2000" dirty="0">
+              <a:solidFill>
+                <a:srgbClr val="000000"/>
+              </a:solidFill>
+              <a:latin typeface="Consolas" panose="020B0609020204030204" pitchFamily="49" charset="0"/>
+            </a:endParaRPr>
+          </a:p>
+          <a:p>
+            <a:pPr>
+              <a:lnSpc>
+                <a:spcPct val="150000"/>
+              </a:lnSpc>
+            </a:pPr>
+            <a:r>
+              <a:rPr lang="en-US" sz="2000" dirty="0" err="1">
+                <a:solidFill>
+                  <a:srgbClr val="001080"/>
+                </a:solidFill>
+                <a:latin typeface="Consolas" panose="020B0609020204030204" pitchFamily="49" charset="0"/>
+              </a:rPr>
+              <a:t>MatchCollection</a:t>
+            </a:r>
+            <a:r>
+              <a:rPr lang="en-US" sz="2000" dirty="0">
+                <a:solidFill>
+                  <a:srgbClr val="000000"/>
+                </a:solidFill>
+                <a:latin typeface="Consolas" panose="020B0609020204030204" pitchFamily="49" charset="0"/>
+              </a:rPr>
+              <a:t> </a:t>
+            </a:r>
+            <a:r>
+              <a:rPr lang="en-US" sz="2000" dirty="0">
+                <a:solidFill>
+                  <a:srgbClr val="001080"/>
+                </a:solidFill>
+                <a:latin typeface="Consolas" panose="020B0609020204030204" pitchFamily="49" charset="0"/>
+              </a:rPr>
+              <a:t>matches</a:t>
+            </a:r>
+            <a:r>
+              <a:rPr lang="en-US" sz="2000" dirty="0">
+                <a:solidFill>
+                  <a:srgbClr val="000000"/>
+                </a:solidFill>
+                <a:latin typeface="Consolas" panose="020B0609020204030204" pitchFamily="49" charset="0"/>
+              </a:rPr>
+              <a:t> = </a:t>
+            </a:r>
+            <a:r>
+              <a:rPr lang="en-US" sz="2000" dirty="0" err="1">
+                <a:solidFill>
+                  <a:srgbClr val="001080"/>
+                </a:solidFill>
+                <a:latin typeface="Consolas" panose="020B0609020204030204" pitchFamily="49" charset="0"/>
+              </a:rPr>
+              <a:t>Regex</a:t>
+            </a:r>
+            <a:r>
+              <a:rPr lang="en-US" sz="2000" dirty="0" err="1">
+                <a:solidFill>
+                  <a:srgbClr val="000000"/>
+                </a:solidFill>
+                <a:latin typeface="Consolas" panose="020B0609020204030204" pitchFamily="49" charset="0"/>
+              </a:rPr>
+              <a:t>.</a:t>
+            </a:r>
+            <a:r>
+              <a:rPr lang="en-US" sz="2000" dirty="0" err="1">
+                <a:solidFill>
+                  <a:srgbClr val="001080"/>
+                </a:solidFill>
+                <a:latin typeface="Consolas" panose="020B0609020204030204" pitchFamily="49" charset="0"/>
+              </a:rPr>
+              <a:t>Matches</a:t>
+            </a:r>
+            <a:r>
+              <a:rPr lang="en-US" sz="2000" dirty="0">
+                <a:solidFill>
+                  <a:srgbClr val="222222"/>
+                </a:solidFill>
+                <a:latin typeface="Consolas" panose="020B0609020204030204" pitchFamily="49" charset="0"/>
+              </a:rPr>
+              <a:t>(</a:t>
+            </a:r>
+            <a:r>
+              <a:rPr lang="en-US" sz="2000" dirty="0">
+                <a:solidFill>
+                  <a:srgbClr val="001080"/>
+                </a:solidFill>
+                <a:latin typeface="Consolas" panose="020B0609020204030204" pitchFamily="49" charset="0"/>
+              </a:rPr>
+              <a:t>input</a:t>
+            </a:r>
+            <a:r>
+              <a:rPr lang="en-US" sz="2000" dirty="0">
+                <a:solidFill>
+                  <a:srgbClr val="222222"/>
+                </a:solidFill>
+                <a:latin typeface="Consolas" panose="020B0609020204030204" pitchFamily="49" charset="0"/>
+              </a:rPr>
+              <a:t>,</a:t>
+            </a:r>
+            <a:r>
+              <a:rPr lang="en-US" sz="2000" dirty="0">
+                <a:solidFill>
+                  <a:srgbClr val="000000"/>
+                </a:solidFill>
+                <a:latin typeface="Consolas" panose="020B0609020204030204" pitchFamily="49" charset="0"/>
+              </a:rPr>
+              <a:t> </a:t>
+            </a:r>
+            <a:r>
+              <a:rPr lang="en-US" sz="2000" dirty="0">
+                <a:solidFill>
+                  <a:srgbClr val="001080"/>
+                </a:solidFill>
+                <a:latin typeface="Consolas" panose="020B0609020204030204" pitchFamily="49" charset="0"/>
+              </a:rPr>
+              <a:t>pattern</a:t>
+            </a:r>
+            <a:r>
+              <a:rPr lang="en-US" sz="2000" dirty="0">
+                <a:solidFill>
+                  <a:srgbClr val="222222"/>
+                </a:solidFill>
+                <a:latin typeface="Consolas" panose="020B0609020204030204" pitchFamily="49" charset="0"/>
+              </a:rPr>
+              <a:t>,</a:t>
+            </a:r>
+            <a:endParaRPr lang="en-US" sz="2000" dirty="0">
+              <a:solidFill>
+                <a:srgbClr val="000000"/>
+              </a:solidFill>
+              <a:latin typeface="Consolas" panose="020B0609020204030204" pitchFamily="49" charset="0"/>
+            </a:endParaRPr>
+          </a:p>
+          <a:p>
+            <a:pPr>
+              <a:lnSpc>
+                <a:spcPct val="150000"/>
+              </a:lnSpc>
+            </a:pPr>
+            <a:r>
+              <a:rPr lang="en-US" sz="2000" dirty="0">
+                <a:solidFill>
+                  <a:srgbClr val="000000"/>
+                </a:solidFill>
+                <a:latin typeface="Consolas" panose="020B0609020204030204" pitchFamily="49" charset="0"/>
+              </a:rPr>
+              <a:t>                                        </a:t>
+            </a:r>
+            <a:r>
+              <a:rPr lang="en-US" sz="2000" dirty="0" err="1">
+                <a:solidFill>
+                  <a:srgbClr val="001080"/>
+                </a:solidFill>
+                <a:latin typeface="Consolas" panose="020B0609020204030204" pitchFamily="49" charset="0"/>
+              </a:rPr>
+              <a:t>RegexOptions</a:t>
+            </a:r>
+            <a:r>
+              <a:rPr lang="en-US" sz="2000" dirty="0" err="1">
+                <a:solidFill>
+                  <a:srgbClr val="000000"/>
+                </a:solidFill>
+                <a:latin typeface="Consolas" panose="020B0609020204030204" pitchFamily="49" charset="0"/>
+              </a:rPr>
+              <a:t>.</a:t>
+            </a:r>
+            <a:r>
+              <a:rPr lang="en-US" sz="2000" dirty="0" err="1">
+                <a:solidFill>
+                  <a:srgbClr val="001080"/>
+                </a:solidFill>
+                <a:latin typeface="Consolas" panose="020B0609020204030204" pitchFamily="49" charset="0"/>
+              </a:rPr>
+              <a:t>IgnorePatternWhitespace</a:t>
+            </a:r>
+            <a:r>
+              <a:rPr lang="en-US" sz="2000" dirty="0">
+                <a:solidFill>
+                  <a:srgbClr val="222222"/>
+                </a:solidFill>
+                <a:latin typeface="Consolas" panose="020B0609020204030204" pitchFamily="49" charset="0"/>
+              </a:rPr>
+              <a:t>);</a:t>
+            </a:r>
+            <a:endParaRPr lang="en-US" sz="2000" dirty="0">
+              <a:solidFill>
+                <a:srgbClr val="000000"/>
+              </a:solidFill>
+              <a:latin typeface="Consolas" panose="020B0609020204030204" pitchFamily="49" charset="0"/>
+            </a:endParaRPr>
+          </a:p>
+          <a:p>
+            <a:pPr>
+              <a:lnSpc>
+                <a:spcPct val="150000"/>
+              </a:lnSpc>
+            </a:pPr>
+            <a:r>
+              <a:rPr lang="en-US" sz="2000" dirty="0" err="1">
+                <a:solidFill>
+                  <a:srgbClr val="001080"/>
+                </a:solidFill>
+                <a:latin typeface="Consolas" panose="020B0609020204030204" pitchFamily="49" charset="0"/>
+              </a:rPr>
+              <a:t>Console</a:t>
+            </a:r>
+            <a:r>
+              <a:rPr lang="en-US" sz="2000" dirty="0" err="1">
+                <a:solidFill>
+                  <a:srgbClr val="000000"/>
+                </a:solidFill>
+                <a:latin typeface="Consolas" panose="020B0609020204030204" pitchFamily="49" charset="0"/>
+              </a:rPr>
+              <a:t>.</a:t>
+            </a:r>
+            <a:r>
+              <a:rPr lang="en-US" sz="2000" dirty="0" err="1">
+                <a:solidFill>
+                  <a:srgbClr val="001080"/>
+                </a:solidFill>
+                <a:latin typeface="Consolas" panose="020B0609020204030204" pitchFamily="49" charset="0"/>
+              </a:rPr>
+              <a:t>WriteLine</a:t>
+            </a:r>
+            <a:r>
+              <a:rPr lang="en-US" sz="2000" dirty="0">
+                <a:solidFill>
+                  <a:srgbClr val="222222"/>
+                </a:solidFill>
+                <a:latin typeface="Consolas" panose="020B0609020204030204" pitchFamily="49" charset="0"/>
+              </a:rPr>
+              <a:t>(</a:t>
+            </a:r>
+            <a:r>
+              <a:rPr lang="en-US" sz="2000" dirty="0">
+                <a:solidFill>
+                  <a:srgbClr val="A31515"/>
+                </a:solidFill>
+                <a:latin typeface="Consolas" panose="020B0609020204030204" pitchFamily="49" charset="0"/>
+              </a:rPr>
+              <a:t>$"Found </a:t>
+            </a:r>
+            <a:r>
+              <a:rPr lang="en-US" sz="2000" dirty="0">
+                <a:solidFill>
+                  <a:srgbClr val="222222"/>
+                </a:solidFill>
+                <a:latin typeface="Consolas" panose="020B0609020204030204" pitchFamily="49" charset="0"/>
+              </a:rPr>
+              <a:t>{</a:t>
+            </a:r>
+            <a:r>
+              <a:rPr lang="en-US" sz="2000" dirty="0" err="1">
+                <a:solidFill>
+                  <a:srgbClr val="001080"/>
+                </a:solidFill>
+                <a:latin typeface="Consolas" panose="020B0609020204030204" pitchFamily="49" charset="0"/>
+              </a:rPr>
+              <a:t>matches</a:t>
+            </a:r>
+            <a:r>
+              <a:rPr lang="en-US" sz="2000" dirty="0" err="1">
+                <a:solidFill>
+                  <a:srgbClr val="000000"/>
+                </a:solidFill>
+                <a:latin typeface="Consolas" panose="020B0609020204030204" pitchFamily="49" charset="0"/>
+              </a:rPr>
+              <a:t>.</a:t>
+            </a:r>
+            <a:r>
+              <a:rPr lang="en-US" sz="2000" dirty="0" err="1">
+                <a:solidFill>
+                  <a:srgbClr val="001080"/>
+                </a:solidFill>
+                <a:latin typeface="Consolas" panose="020B0609020204030204" pitchFamily="49" charset="0"/>
+              </a:rPr>
+              <a:t>Count</a:t>
+            </a:r>
+            <a:r>
+              <a:rPr lang="en-US" sz="2000" dirty="0">
+                <a:solidFill>
+                  <a:srgbClr val="222222"/>
+                </a:solidFill>
+                <a:latin typeface="Consolas" panose="020B0609020204030204" pitchFamily="49" charset="0"/>
+              </a:rPr>
+              <a:t>}</a:t>
+            </a:r>
+            <a:r>
+              <a:rPr lang="en-US" sz="2000" dirty="0">
+                <a:solidFill>
+                  <a:srgbClr val="A31515"/>
+                </a:solidFill>
+                <a:latin typeface="Consolas" panose="020B0609020204030204" pitchFamily="49" charset="0"/>
+              </a:rPr>
+              <a:t> matches</a:t>
+            </a:r>
+            <a:r>
+              <a:rPr lang="en-US" sz="2000" dirty="0" smtClean="0">
+                <a:solidFill>
+                  <a:srgbClr val="A31515"/>
+                </a:solidFill>
+                <a:latin typeface="Consolas" panose="020B0609020204030204" pitchFamily="49" charset="0"/>
+              </a:rPr>
+              <a:t>."</a:t>
+            </a:r>
+            <a:r>
+              <a:rPr lang="en-US" sz="2000" dirty="0" smtClean="0">
+                <a:solidFill>
+                  <a:srgbClr val="222222"/>
+                </a:solidFill>
+                <a:latin typeface="Consolas" panose="020B0609020204030204" pitchFamily="49" charset="0"/>
+              </a:rPr>
+              <a:t>);</a:t>
+            </a:r>
+            <a:endParaRPr lang="en-US" sz="2000" dirty="0">
+              <a:solidFill>
+                <a:srgbClr val="000000"/>
+              </a:solidFill>
+              <a:latin typeface="Consolas" panose="020B0609020204030204" pitchFamily="49" charset="0"/>
+            </a:endParaRPr>
+          </a:p>
+        </p:txBody>
+      </p:sp>
+    </p:spTree>
+    <p:extLst>
+      <p:ext uri="{BB962C8B-B14F-4D97-AF65-F5344CB8AC3E}">
+        <p14:creationId xmlns:p14="http://schemas.microsoft.com/office/powerpoint/2010/main" val="2969175302"/>
+      </p:ext>
+    </p:extLst>
+  </p:cSld>
+  <p:clrMapOvr>
+    <a:masterClrMapping/>
+  </p:clrMapOvr>
+  <p:timing>
+    <p:tnLst>
+      <p:par>
+        <p:cTn id="1" dur="indefinite" restart="never" nodeType="tmRoot"/>
+      </p:par>
+    </p:tnLst>
+  </p:timing>
+</p:sld>
+</file>
+
+<file path=ppt/slides/slide22.xml><?xml version="1.0" encoding="utf-8"?>
+<p:sld xmlns:a="http://schemas.openxmlformats.org/drawingml/2006/main" xmlns:r="http://schemas.openxmlformats.org/officeDocument/2006/relationships" xmlns:p="http://schemas.openxmlformats.org/presentationml/2006/main">
+  <p:cSld>
+    <p:spTree>
+      <p:nvGrpSpPr>
+        <p:cNvPr id="1" name=""/>
+        <p:cNvGrpSpPr/>
+        <p:nvPr/>
+      </p:nvGrpSpPr>
+      <p:grpSpPr>
+        <a:xfrm>
+          <a:off x="0" y="0"/>
+          <a:ext cx="0" cy="0"/>
+          <a:chOff x="0" y="0"/>
+          <a:chExt cx="0" cy="0"/>
+        </a:xfrm>
+      </p:grpSpPr>
+      <p:sp>
+        <p:nvSpPr>
+          <p:cNvPr id="7" name="Прямоугольник 6"/>
+          <p:cNvSpPr/>
+          <p:nvPr/>
+        </p:nvSpPr>
+        <p:spPr>
+          <a:xfrm>
+            <a:off x="-2" y="0"/>
+            <a:ext cx="12192000" cy="6801862"/>
+          </a:xfrm>
+          <a:prstGeom prst="rect">
+            <a:avLst/>
+          </a:prstGeom>
+        </p:spPr>
+        <p:txBody>
+          <a:bodyPr wrap="square" lIns="360000" rIns="360000">
+            <a:spAutoFit/>
+          </a:bodyPr>
+          <a:lstStyle/>
+          <a:p>
+            <a:endParaRPr lang="en-US" sz="2000" dirty="0" smtClean="0">
+              <a:solidFill>
+                <a:srgbClr val="008000"/>
+              </a:solidFill>
+              <a:latin typeface="Consolas" panose="020B0609020204030204" pitchFamily="49" charset="0"/>
+            </a:endParaRPr>
+          </a:p>
+          <a:p>
+            <a:r>
+              <a:rPr lang="en-US" sz="2000" dirty="0" smtClean="0">
+                <a:solidFill>
+                  <a:srgbClr val="008000"/>
+                </a:solidFill>
+                <a:latin typeface="Consolas" panose="020B0609020204030204" pitchFamily="49" charset="0"/>
+              </a:rPr>
+              <a:t>// </a:t>
+            </a:r>
+            <a:r>
+              <a:rPr lang="en-US" sz="2000" dirty="0">
+                <a:solidFill>
+                  <a:srgbClr val="008000"/>
+                </a:solidFill>
+                <a:latin typeface="Consolas" panose="020B0609020204030204" pitchFamily="49" charset="0"/>
+              </a:rPr>
+              <a:t>Get numeric string, convert it to a value, and add it to List object.</a:t>
+            </a:r>
+            <a:endParaRPr lang="en-US" sz="2000" dirty="0">
+              <a:solidFill>
+                <a:srgbClr val="000000"/>
+              </a:solidFill>
+              <a:latin typeface="Consolas" panose="020B0609020204030204" pitchFamily="49" charset="0"/>
+            </a:endParaRPr>
+          </a:p>
+          <a:p>
+            <a:r>
+              <a:rPr lang="en-US" sz="2000" dirty="0">
+                <a:solidFill>
+                  <a:srgbClr val="001080"/>
+                </a:solidFill>
+                <a:latin typeface="Consolas" panose="020B0609020204030204" pitchFamily="49" charset="0"/>
+              </a:rPr>
+              <a:t>List</a:t>
+            </a:r>
+            <a:r>
+              <a:rPr lang="en-US" sz="2000" dirty="0">
+                <a:solidFill>
+                  <a:srgbClr val="222222"/>
+                </a:solidFill>
+                <a:latin typeface="Consolas" panose="020B0609020204030204" pitchFamily="49" charset="0"/>
+              </a:rPr>
+              <a:t>&lt;</a:t>
+            </a:r>
+            <a:r>
+              <a:rPr lang="en-US" sz="2000" dirty="0">
+                <a:solidFill>
+                  <a:srgbClr val="0000FF"/>
+                </a:solidFill>
+                <a:latin typeface="Consolas" panose="020B0609020204030204" pitchFamily="49" charset="0"/>
+              </a:rPr>
+              <a:t>decimal</a:t>
+            </a:r>
+            <a:r>
+              <a:rPr lang="en-US" sz="2000" dirty="0">
+                <a:solidFill>
+                  <a:srgbClr val="222222"/>
+                </a:solidFill>
+                <a:latin typeface="Consolas" panose="020B0609020204030204" pitchFamily="49" charset="0"/>
+              </a:rPr>
+              <a:t>&gt;</a:t>
+            </a:r>
+            <a:r>
+              <a:rPr lang="en-US" sz="2000" dirty="0">
+                <a:solidFill>
+                  <a:srgbClr val="000000"/>
+                </a:solidFill>
+                <a:latin typeface="Consolas" panose="020B0609020204030204" pitchFamily="49" charset="0"/>
+              </a:rPr>
+              <a:t> </a:t>
+            </a:r>
+            <a:r>
+              <a:rPr lang="en-US" sz="2000" dirty="0">
+                <a:solidFill>
+                  <a:srgbClr val="001080"/>
+                </a:solidFill>
+                <a:latin typeface="Consolas" panose="020B0609020204030204" pitchFamily="49" charset="0"/>
+              </a:rPr>
+              <a:t>expenses</a:t>
+            </a:r>
+            <a:r>
+              <a:rPr lang="en-US" sz="2000" dirty="0">
+                <a:solidFill>
+                  <a:srgbClr val="000000"/>
+                </a:solidFill>
+                <a:latin typeface="Consolas" panose="020B0609020204030204" pitchFamily="49" charset="0"/>
+              </a:rPr>
+              <a:t> = </a:t>
+            </a:r>
+            <a:r>
+              <a:rPr lang="en-US" sz="2000" dirty="0">
+                <a:solidFill>
+                  <a:srgbClr val="0000FF"/>
+                </a:solidFill>
+                <a:latin typeface="Consolas" panose="020B0609020204030204" pitchFamily="49" charset="0"/>
+              </a:rPr>
+              <a:t>new</a:t>
+            </a:r>
+            <a:r>
+              <a:rPr lang="en-US" sz="2000" dirty="0">
+                <a:solidFill>
+                  <a:srgbClr val="000000"/>
+                </a:solidFill>
+                <a:latin typeface="Consolas" panose="020B0609020204030204" pitchFamily="49" charset="0"/>
+              </a:rPr>
+              <a:t> </a:t>
+            </a:r>
+            <a:r>
+              <a:rPr lang="en-US" sz="2000" dirty="0">
+                <a:solidFill>
+                  <a:srgbClr val="001080"/>
+                </a:solidFill>
+                <a:latin typeface="Consolas" panose="020B0609020204030204" pitchFamily="49" charset="0"/>
+              </a:rPr>
+              <a:t>List</a:t>
+            </a:r>
+            <a:r>
+              <a:rPr lang="en-US" sz="2000" dirty="0">
+                <a:solidFill>
+                  <a:srgbClr val="222222"/>
+                </a:solidFill>
+                <a:latin typeface="Consolas" panose="020B0609020204030204" pitchFamily="49" charset="0"/>
+              </a:rPr>
+              <a:t>&lt;</a:t>
+            </a:r>
+            <a:r>
+              <a:rPr lang="en-US" sz="2000" dirty="0">
+                <a:solidFill>
+                  <a:srgbClr val="001080"/>
+                </a:solidFill>
+                <a:latin typeface="Consolas" panose="020B0609020204030204" pitchFamily="49" charset="0"/>
+              </a:rPr>
+              <a:t>Decimal</a:t>
+            </a:r>
+            <a:r>
+              <a:rPr lang="en-US" sz="2000" dirty="0">
+                <a:solidFill>
+                  <a:srgbClr val="222222"/>
+                </a:solidFill>
+                <a:latin typeface="Consolas" panose="020B0609020204030204" pitchFamily="49" charset="0"/>
+              </a:rPr>
+              <a:t>&gt;();</a:t>
+            </a:r>
+            <a:endParaRPr lang="en-US" sz="2000" dirty="0">
+              <a:solidFill>
+                <a:srgbClr val="000000"/>
+              </a:solidFill>
+              <a:latin typeface="Consolas" panose="020B0609020204030204" pitchFamily="49" charset="0"/>
+            </a:endParaRPr>
+          </a:p>
+          <a:p>
+            <a:r>
+              <a:rPr lang="en-US" sz="2000" dirty="0">
+                <a:solidFill>
+                  <a:srgbClr val="000000"/>
+                </a:solidFill>
+                <a:latin typeface="Consolas" panose="020B0609020204030204" pitchFamily="49" charset="0"/>
+              </a:rPr>
+              <a:t/>
+            </a:r>
+            <a:br>
+              <a:rPr lang="en-US" sz="2000" dirty="0">
+                <a:solidFill>
+                  <a:srgbClr val="000000"/>
+                </a:solidFill>
+                <a:latin typeface="Consolas" panose="020B0609020204030204" pitchFamily="49" charset="0"/>
+              </a:rPr>
+            </a:br>
+            <a:r>
+              <a:rPr lang="en-US" sz="2000" dirty="0" err="1">
+                <a:solidFill>
+                  <a:srgbClr val="AF00DB"/>
+                </a:solidFill>
+                <a:latin typeface="Consolas" panose="020B0609020204030204" pitchFamily="49" charset="0"/>
+              </a:rPr>
+              <a:t>foreach</a:t>
+            </a:r>
+            <a:r>
+              <a:rPr lang="en-US" sz="2000" dirty="0">
+                <a:solidFill>
+                  <a:srgbClr val="000000"/>
+                </a:solidFill>
+                <a:latin typeface="Consolas" panose="020B0609020204030204" pitchFamily="49" charset="0"/>
+              </a:rPr>
+              <a:t> </a:t>
+            </a:r>
+            <a:r>
+              <a:rPr lang="en-US" sz="2000" dirty="0">
+                <a:solidFill>
+                  <a:srgbClr val="222222"/>
+                </a:solidFill>
+                <a:latin typeface="Consolas" panose="020B0609020204030204" pitchFamily="49" charset="0"/>
+              </a:rPr>
+              <a:t>(</a:t>
+            </a:r>
+            <a:r>
+              <a:rPr lang="en-US" sz="2000" dirty="0">
+                <a:solidFill>
+                  <a:srgbClr val="001080"/>
+                </a:solidFill>
+                <a:latin typeface="Consolas" panose="020B0609020204030204" pitchFamily="49" charset="0"/>
+              </a:rPr>
+              <a:t>Match</a:t>
+            </a:r>
+            <a:r>
+              <a:rPr lang="en-US" sz="2000" dirty="0">
+                <a:solidFill>
+                  <a:srgbClr val="000000"/>
+                </a:solidFill>
+                <a:latin typeface="Consolas" panose="020B0609020204030204" pitchFamily="49" charset="0"/>
+              </a:rPr>
+              <a:t> </a:t>
+            </a:r>
+            <a:r>
+              <a:rPr lang="en-US" sz="2000" dirty="0" err="1">
+                <a:solidFill>
+                  <a:srgbClr val="001080"/>
+                </a:solidFill>
+                <a:latin typeface="Consolas" panose="020B0609020204030204" pitchFamily="49" charset="0"/>
+              </a:rPr>
+              <a:t>match</a:t>
+            </a:r>
+            <a:r>
+              <a:rPr lang="en-US" sz="2000" dirty="0">
+                <a:solidFill>
+                  <a:srgbClr val="000000"/>
+                </a:solidFill>
+                <a:latin typeface="Consolas" panose="020B0609020204030204" pitchFamily="49" charset="0"/>
+              </a:rPr>
+              <a:t> </a:t>
+            </a:r>
+            <a:r>
+              <a:rPr lang="en-US" sz="2000" dirty="0">
+                <a:solidFill>
+                  <a:srgbClr val="AF00DB"/>
+                </a:solidFill>
+                <a:latin typeface="Consolas" panose="020B0609020204030204" pitchFamily="49" charset="0"/>
+              </a:rPr>
+              <a:t>in</a:t>
+            </a:r>
+            <a:r>
+              <a:rPr lang="en-US" sz="2000" dirty="0">
+                <a:solidFill>
+                  <a:srgbClr val="000000"/>
+                </a:solidFill>
+                <a:latin typeface="Consolas" panose="020B0609020204030204" pitchFamily="49" charset="0"/>
+              </a:rPr>
+              <a:t> </a:t>
+            </a:r>
+            <a:r>
+              <a:rPr lang="en-US" sz="2000" dirty="0">
+                <a:solidFill>
+                  <a:srgbClr val="001080"/>
+                </a:solidFill>
+                <a:latin typeface="Consolas" panose="020B0609020204030204" pitchFamily="49" charset="0"/>
+              </a:rPr>
+              <a:t>matches</a:t>
+            </a:r>
+            <a:r>
+              <a:rPr lang="en-US" sz="2000" dirty="0">
+                <a:solidFill>
+                  <a:srgbClr val="222222"/>
+                </a:solidFill>
+                <a:latin typeface="Consolas" panose="020B0609020204030204" pitchFamily="49" charset="0"/>
+              </a:rPr>
+              <a:t>)</a:t>
+            </a:r>
+            <a:endParaRPr lang="en-US" sz="2000" dirty="0">
+              <a:solidFill>
+                <a:srgbClr val="000000"/>
+              </a:solidFill>
+              <a:latin typeface="Consolas" panose="020B0609020204030204" pitchFamily="49" charset="0"/>
+            </a:endParaRPr>
+          </a:p>
+          <a:p>
+            <a:r>
+              <a:rPr lang="en-US" sz="2000" dirty="0">
+                <a:solidFill>
+                  <a:srgbClr val="000000"/>
+                </a:solidFill>
+                <a:latin typeface="Consolas" panose="020B0609020204030204" pitchFamily="49" charset="0"/>
+              </a:rPr>
+              <a:t>    </a:t>
+            </a:r>
+            <a:r>
+              <a:rPr lang="en-US" sz="2000" dirty="0" err="1">
+                <a:solidFill>
+                  <a:srgbClr val="001080"/>
+                </a:solidFill>
+                <a:latin typeface="Consolas" panose="020B0609020204030204" pitchFamily="49" charset="0"/>
+              </a:rPr>
+              <a:t>expenses</a:t>
+            </a:r>
+            <a:r>
+              <a:rPr lang="en-US" sz="2000" dirty="0" err="1">
+                <a:solidFill>
+                  <a:srgbClr val="000000"/>
+                </a:solidFill>
+                <a:latin typeface="Consolas" panose="020B0609020204030204" pitchFamily="49" charset="0"/>
+              </a:rPr>
+              <a:t>.</a:t>
+            </a:r>
+            <a:r>
+              <a:rPr lang="en-US" sz="2000" dirty="0" err="1">
+                <a:solidFill>
+                  <a:srgbClr val="001080"/>
+                </a:solidFill>
+                <a:latin typeface="Consolas" panose="020B0609020204030204" pitchFamily="49" charset="0"/>
+              </a:rPr>
+              <a:t>Add</a:t>
+            </a:r>
+            <a:r>
+              <a:rPr lang="en-US" sz="2000" dirty="0">
+                <a:solidFill>
+                  <a:srgbClr val="222222"/>
+                </a:solidFill>
+                <a:latin typeface="Consolas" panose="020B0609020204030204" pitchFamily="49" charset="0"/>
+              </a:rPr>
+              <a:t>(</a:t>
+            </a:r>
+            <a:r>
+              <a:rPr lang="en-US" sz="2000" dirty="0" err="1">
+                <a:solidFill>
+                  <a:srgbClr val="001080"/>
+                </a:solidFill>
+                <a:latin typeface="Consolas" panose="020B0609020204030204" pitchFamily="49" charset="0"/>
+              </a:rPr>
+              <a:t>Decimal</a:t>
+            </a:r>
+            <a:r>
+              <a:rPr lang="en-US" sz="2000" dirty="0" err="1">
+                <a:solidFill>
+                  <a:srgbClr val="000000"/>
+                </a:solidFill>
+                <a:latin typeface="Consolas" panose="020B0609020204030204" pitchFamily="49" charset="0"/>
+              </a:rPr>
+              <a:t>.</a:t>
+            </a:r>
+            <a:r>
+              <a:rPr lang="en-US" sz="2000" dirty="0" err="1">
+                <a:solidFill>
+                  <a:srgbClr val="001080"/>
+                </a:solidFill>
+                <a:latin typeface="Consolas" panose="020B0609020204030204" pitchFamily="49" charset="0"/>
+              </a:rPr>
+              <a:t>Parse</a:t>
+            </a:r>
+            <a:r>
+              <a:rPr lang="en-US" sz="2000" dirty="0">
+                <a:solidFill>
+                  <a:srgbClr val="222222"/>
+                </a:solidFill>
+                <a:latin typeface="Consolas" panose="020B0609020204030204" pitchFamily="49" charset="0"/>
+              </a:rPr>
+              <a:t>(</a:t>
+            </a:r>
+            <a:r>
+              <a:rPr lang="en-US" sz="2000" dirty="0" err="1">
+                <a:solidFill>
+                  <a:srgbClr val="001080"/>
+                </a:solidFill>
+                <a:latin typeface="Consolas" panose="020B0609020204030204" pitchFamily="49" charset="0"/>
+              </a:rPr>
+              <a:t>match</a:t>
+            </a:r>
+            <a:r>
+              <a:rPr lang="en-US" sz="2000" dirty="0" err="1">
+                <a:solidFill>
+                  <a:srgbClr val="000000"/>
+                </a:solidFill>
+                <a:latin typeface="Consolas" panose="020B0609020204030204" pitchFamily="49" charset="0"/>
+              </a:rPr>
+              <a:t>.</a:t>
+            </a:r>
+            <a:r>
+              <a:rPr lang="en-US" sz="2000" dirty="0" err="1">
+                <a:solidFill>
+                  <a:srgbClr val="001080"/>
+                </a:solidFill>
+                <a:latin typeface="Consolas" panose="020B0609020204030204" pitchFamily="49" charset="0"/>
+              </a:rPr>
+              <a:t>Groups</a:t>
+            </a:r>
+            <a:r>
+              <a:rPr lang="en-US" sz="2000" dirty="0">
+                <a:solidFill>
+                  <a:srgbClr val="222222"/>
+                </a:solidFill>
+                <a:latin typeface="Consolas" panose="020B0609020204030204" pitchFamily="49" charset="0"/>
+              </a:rPr>
+              <a:t>[</a:t>
+            </a:r>
+            <a:r>
+              <a:rPr lang="en-US" sz="2000" dirty="0">
+                <a:solidFill>
+                  <a:srgbClr val="098658"/>
+                </a:solidFill>
+                <a:latin typeface="Consolas" panose="020B0609020204030204" pitchFamily="49" charset="0"/>
+              </a:rPr>
+              <a:t>1</a:t>
+            </a:r>
+            <a:r>
+              <a:rPr lang="en-US" sz="2000" dirty="0">
+                <a:solidFill>
+                  <a:srgbClr val="222222"/>
+                </a:solidFill>
+                <a:latin typeface="Consolas" panose="020B0609020204030204" pitchFamily="49" charset="0"/>
+              </a:rPr>
+              <a:t>]</a:t>
+            </a:r>
+            <a:r>
+              <a:rPr lang="en-US" sz="2000" dirty="0">
+                <a:solidFill>
+                  <a:srgbClr val="000000"/>
+                </a:solidFill>
+                <a:latin typeface="Consolas" panose="020B0609020204030204" pitchFamily="49" charset="0"/>
+              </a:rPr>
+              <a:t>.</a:t>
+            </a:r>
+            <a:r>
+              <a:rPr lang="en-US" sz="2000" dirty="0">
+                <a:solidFill>
+                  <a:srgbClr val="001080"/>
+                </a:solidFill>
+                <a:latin typeface="Consolas" panose="020B0609020204030204" pitchFamily="49" charset="0"/>
+              </a:rPr>
+              <a:t>Value</a:t>
+            </a:r>
+            <a:r>
+              <a:rPr lang="en-US" sz="2000" dirty="0">
+                <a:solidFill>
+                  <a:srgbClr val="222222"/>
+                </a:solidFill>
+                <a:latin typeface="Consolas" panose="020B0609020204030204" pitchFamily="49" charset="0"/>
+              </a:rPr>
+              <a:t>));</a:t>
+            </a:r>
+            <a:endParaRPr lang="en-US" sz="2000" dirty="0">
+              <a:solidFill>
+                <a:srgbClr val="000000"/>
+              </a:solidFill>
+              <a:latin typeface="Consolas" panose="020B0609020204030204" pitchFamily="49" charset="0"/>
+            </a:endParaRPr>
+          </a:p>
+          <a:p>
+            <a:r>
+              <a:rPr lang="en-US" sz="2000" dirty="0">
+                <a:solidFill>
+                  <a:srgbClr val="000000"/>
+                </a:solidFill>
+                <a:latin typeface="Consolas" panose="020B0609020204030204" pitchFamily="49" charset="0"/>
+              </a:rPr>
+              <a:t/>
+            </a:r>
+            <a:br>
+              <a:rPr lang="en-US" sz="2000" dirty="0">
+                <a:solidFill>
+                  <a:srgbClr val="000000"/>
+                </a:solidFill>
+                <a:latin typeface="Consolas" panose="020B0609020204030204" pitchFamily="49" charset="0"/>
+              </a:rPr>
+            </a:br>
+            <a:r>
+              <a:rPr lang="en-US" sz="2000" dirty="0">
+                <a:solidFill>
+                  <a:srgbClr val="008000"/>
+                </a:solidFill>
+                <a:latin typeface="Consolas" panose="020B0609020204030204" pitchFamily="49" charset="0"/>
+              </a:rPr>
+              <a:t>// Determine whether total is present and if present, whether it is correct.</a:t>
+            </a:r>
+            <a:endParaRPr lang="en-US" sz="2000" dirty="0">
+              <a:solidFill>
+                <a:srgbClr val="000000"/>
+              </a:solidFill>
+              <a:latin typeface="Consolas" panose="020B0609020204030204" pitchFamily="49" charset="0"/>
+            </a:endParaRPr>
+          </a:p>
+          <a:p>
+            <a:r>
+              <a:rPr lang="en-US" sz="2000" dirty="0">
+                <a:solidFill>
+                  <a:srgbClr val="0000FF"/>
+                </a:solidFill>
+                <a:latin typeface="Consolas" panose="020B0609020204030204" pitchFamily="49" charset="0"/>
+              </a:rPr>
+              <a:t>decimal</a:t>
+            </a:r>
+            <a:r>
+              <a:rPr lang="en-US" sz="2000" dirty="0">
+                <a:solidFill>
+                  <a:srgbClr val="000000"/>
+                </a:solidFill>
+                <a:latin typeface="Consolas" panose="020B0609020204030204" pitchFamily="49" charset="0"/>
+              </a:rPr>
+              <a:t> </a:t>
+            </a:r>
+            <a:r>
+              <a:rPr lang="en-US" sz="2000" dirty="0">
+                <a:solidFill>
+                  <a:srgbClr val="001080"/>
+                </a:solidFill>
+                <a:latin typeface="Consolas" panose="020B0609020204030204" pitchFamily="49" charset="0"/>
+              </a:rPr>
+              <a:t>total</a:t>
+            </a:r>
+            <a:r>
+              <a:rPr lang="en-US" sz="2000" dirty="0">
+                <a:solidFill>
+                  <a:srgbClr val="000000"/>
+                </a:solidFill>
+                <a:latin typeface="Consolas" panose="020B0609020204030204" pitchFamily="49" charset="0"/>
+              </a:rPr>
+              <a:t> = </a:t>
+            </a:r>
+            <a:r>
+              <a:rPr lang="en-US" sz="2000" dirty="0">
+                <a:solidFill>
+                  <a:srgbClr val="098658"/>
+                </a:solidFill>
+                <a:latin typeface="Consolas" panose="020B0609020204030204" pitchFamily="49" charset="0"/>
+              </a:rPr>
+              <a:t>0</a:t>
+            </a:r>
+            <a:r>
+              <a:rPr lang="en-US" sz="2000" dirty="0">
+                <a:solidFill>
+                  <a:srgbClr val="222222"/>
+                </a:solidFill>
+                <a:latin typeface="Consolas" panose="020B0609020204030204" pitchFamily="49" charset="0"/>
+              </a:rPr>
+              <a:t>;</a:t>
+            </a:r>
+            <a:endParaRPr lang="en-US" sz="2000" dirty="0">
+              <a:solidFill>
+                <a:srgbClr val="000000"/>
+              </a:solidFill>
+              <a:latin typeface="Consolas" panose="020B0609020204030204" pitchFamily="49" charset="0"/>
+            </a:endParaRPr>
+          </a:p>
+          <a:p>
+            <a:r>
+              <a:rPr lang="en-US" sz="2000" dirty="0" err="1">
+                <a:solidFill>
+                  <a:srgbClr val="AF00DB"/>
+                </a:solidFill>
+                <a:latin typeface="Consolas" panose="020B0609020204030204" pitchFamily="49" charset="0"/>
+              </a:rPr>
+              <a:t>foreach</a:t>
+            </a:r>
+            <a:r>
+              <a:rPr lang="en-US" sz="2000" dirty="0">
+                <a:solidFill>
+                  <a:srgbClr val="000000"/>
+                </a:solidFill>
+                <a:latin typeface="Consolas" panose="020B0609020204030204" pitchFamily="49" charset="0"/>
+              </a:rPr>
+              <a:t> </a:t>
+            </a:r>
+            <a:r>
+              <a:rPr lang="en-US" sz="2000" dirty="0">
+                <a:solidFill>
+                  <a:srgbClr val="222222"/>
+                </a:solidFill>
+                <a:latin typeface="Consolas" panose="020B0609020204030204" pitchFamily="49" charset="0"/>
+              </a:rPr>
+              <a:t>(</a:t>
+            </a:r>
+            <a:r>
+              <a:rPr lang="en-US" sz="2000" dirty="0">
+                <a:solidFill>
+                  <a:srgbClr val="0000FF"/>
+                </a:solidFill>
+                <a:latin typeface="Consolas" panose="020B0609020204030204" pitchFamily="49" charset="0"/>
+              </a:rPr>
+              <a:t>decimal</a:t>
+            </a:r>
+            <a:r>
+              <a:rPr lang="en-US" sz="2000" dirty="0">
+                <a:solidFill>
+                  <a:srgbClr val="000000"/>
+                </a:solidFill>
+                <a:latin typeface="Consolas" panose="020B0609020204030204" pitchFamily="49" charset="0"/>
+              </a:rPr>
+              <a:t> </a:t>
+            </a:r>
+            <a:r>
+              <a:rPr lang="en-US" sz="2000" dirty="0">
+                <a:solidFill>
+                  <a:srgbClr val="001080"/>
+                </a:solidFill>
+                <a:latin typeface="Consolas" panose="020B0609020204030204" pitchFamily="49" charset="0"/>
+              </a:rPr>
+              <a:t>value</a:t>
+            </a:r>
+            <a:r>
+              <a:rPr lang="en-US" sz="2000" dirty="0">
+                <a:solidFill>
+                  <a:srgbClr val="000000"/>
+                </a:solidFill>
+                <a:latin typeface="Consolas" panose="020B0609020204030204" pitchFamily="49" charset="0"/>
+              </a:rPr>
+              <a:t> </a:t>
+            </a:r>
+            <a:r>
+              <a:rPr lang="en-US" sz="2000" dirty="0">
+                <a:solidFill>
+                  <a:srgbClr val="AF00DB"/>
+                </a:solidFill>
+                <a:latin typeface="Consolas" panose="020B0609020204030204" pitchFamily="49" charset="0"/>
+              </a:rPr>
+              <a:t>in</a:t>
+            </a:r>
+            <a:r>
+              <a:rPr lang="en-US" sz="2000" dirty="0">
+                <a:solidFill>
+                  <a:srgbClr val="000000"/>
+                </a:solidFill>
+                <a:latin typeface="Consolas" panose="020B0609020204030204" pitchFamily="49" charset="0"/>
+              </a:rPr>
+              <a:t> </a:t>
+            </a:r>
+            <a:r>
+              <a:rPr lang="en-US" sz="2000" dirty="0">
+                <a:solidFill>
+                  <a:srgbClr val="001080"/>
+                </a:solidFill>
+                <a:latin typeface="Consolas" panose="020B0609020204030204" pitchFamily="49" charset="0"/>
+              </a:rPr>
+              <a:t>expenses</a:t>
+            </a:r>
+            <a:r>
+              <a:rPr lang="en-US" sz="2000" dirty="0">
+                <a:solidFill>
+                  <a:srgbClr val="222222"/>
+                </a:solidFill>
+                <a:latin typeface="Consolas" panose="020B0609020204030204" pitchFamily="49" charset="0"/>
+              </a:rPr>
+              <a:t>)</a:t>
+            </a:r>
+            <a:endParaRPr lang="en-US" sz="2000" dirty="0">
+              <a:solidFill>
+                <a:srgbClr val="000000"/>
+              </a:solidFill>
+              <a:latin typeface="Consolas" panose="020B0609020204030204" pitchFamily="49" charset="0"/>
+            </a:endParaRPr>
+          </a:p>
+          <a:p>
+            <a:r>
+              <a:rPr lang="en-US" sz="2000" dirty="0">
+                <a:solidFill>
+                  <a:srgbClr val="000000"/>
+                </a:solidFill>
+                <a:latin typeface="Consolas" panose="020B0609020204030204" pitchFamily="49" charset="0"/>
+              </a:rPr>
+              <a:t>    </a:t>
+            </a:r>
+            <a:r>
+              <a:rPr lang="en-US" sz="2000" dirty="0">
+                <a:solidFill>
+                  <a:srgbClr val="001080"/>
+                </a:solidFill>
+                <a:latin typeface="Consolas" panose="020B0609020204030204" pitchFamily="49" charset="0"/>
+              </a:rPr>
+              <a:t>total</a:t>
+            </a:r>
+            <a:r>
+              <a:rPr lang="en-US" sz="2000" dirty="0">
+                <a:solidFill>
+                  <a:srgbClr val="000000"/>
+                </a:solidFill>
+                <a:latin typeface="Consolas" panose="020B0609020204030204" pitchFamily="49" charset="0"/>
+              </a:rPr>
+              <a:t> += </a:t>
+            </a:r>
+            <a:r>
+              <a:rPr lang="en-US" sz="2000" dirty="0">
+                <a:solidFill>
+                  <a:srgbClr val="001080"/>
+                </a:solidFill>
+                <a:latin typeface="Consolas" panose="020B0609020204030204" pitchFamily="49" charset="0"/>
+              </a:rPr>
+              <a:t>value</a:t>
+            </a:r>
+            <a:r>
+              <a:rPr lang="en-US" sz="2000" dirty="0">
+                <a:solidFill>
+                  <a:srgbClr val="222222"/>
+                </a:solidFill>
+                <a:latin typeface="Consolas" panose="020B0609020204030204" pitchFamily="49" charset="0"/>
+              </a:rPr>
+              <a:t>;</a:t>
+            </a:r>
+            <a:endParaRPr lang="en-US" sz="2000" dirty="0">
+              <a:solidFill>
+                <a:srgbClr val="000000"/>
+              </a:solidFill>
+              <a:latin typeface="Consolas" panose="020B0609020204030204" pitchFamily="49" charset="0"/>
+            </a:endParaRPr>
+          </a:p>
+          <a:p>
+            <a:r>
+              <a:rPr lang="en-US" sz="2000" dirty="0">
+                <a:solidFill>
+                  <a:srgbClr val="000000"/>
+                </a:solidFill>
+                <a:latin typeface="Consolas" panose="020B0609020204030204" pitchFamily="49" charset="0"/>
+              </a:rPr>
+              <a:t/>
+            </a:r>
+            <a:br>
+              <a:rPr lang="en-US" sz="2000" dirty="0">
+                <a:solidFill>
+                  <a:srgbClr val="000000"/>
+                </a:solidFill>
+                <a:latin typeface="Consolas" panose="020B0609020204030204" pitchFamily="49" charset="0"/>
+              </a:rPr>
+            </a:br>
+            <a:r>
+              <a:rPr lang="en-US" sz="2000" dirty="0">
+                <a:solidFill>
+                  <a:srgbClr val="AF00DB"/>
+                </a:solidFill>
+                <a:latin typeface="Consolas" panose="020B0609020204030204" pitchFamily="49" charset="0"/>
+              </a:rPr>
+              <a:t>if</a:t>
+            </a:r>
+            <a:r>
+              <a:rPr lang="en-US" sz="2000" dirty="0">
+                <a:solidFill>
+                  <a:srgbClr val="000000"/>
+                </a:solidFill>
+                <a:latin typeface="Consolas" panose="020B0609020204030204" pitchFamily="49" charset="0"/>
+              </a:rPr>
+              <a:t> </a:t>
+            </a:r>
+            <a:r>
+              <a:rPr lang="en-US" sz="2000" dirty="0">
+                <a:solidFill>
+                  <a:srgbClr val="222222"/>
+                </a:solidFill>
+                <a:latin typeface="Consolas" panose="020B0609020204030204" pitchFamily="49" charset="0"/>
+              </a:rPr>
+              <a:t>(</a:t>
+            </a:r>
+            <a:r>
+              <a:rPr lang="en-US" sz="2000" dirty="0">
+                <a:solidFill>
+                  <a:srgbClr val="001080"/>
+                </a:solidFill>
+                <a:latin typeface="Consolas" panose="020B0609020204030204" pitchFamily="49" charset="0"/>
+              </a:rPr>
+              <a:t>total</a:t>
+            </a:r>
+            <a:r>
+              <a:rPr lang="en-US" sz="2000" dirty="0">
+                <a:solidFill>
+                  <a:srgbClr val="000000"/>
+                </a:solidFill>
+                <a:latin typeface="Consolas" panose="020B0609020204030204" pitchFamily="49" charset="0"/>
+              </a:rPr>
+              <a:t> / </a:t>
+            </a:r>
+            <a:r>
+              <a:rPr lang="en-US" sz="2000" dirty="0">
+                <a:solidFill>
+                  <a:srgbClr val="098658"/>
+                </a:solidFill>
+                <a:latin typeface="Consolas" panose="020B0609020204030204" pitchFamily="49" charset="0"/>
+              </a:rPr>
+              <a:t>2</a:t>
+            </a:r>
+            <a:r>
+              <a:rPr lang="en-US" sz="2000" dirty="0">
+                <a:solidFill>
+                  <a:srgbClr val="000000"/>
+                </a:solidFill>
+                <a:latin typeface="Consolas" panose="020B0609020204030204" pitchFamily="49" charset="0"/>
+              </a:rPr>
+              <a:t> == </a:t>
+            </a:r>
+            <a:r>
+              <a:rPr lang="en-US" sz="2000" dirty="0">
+                <a:solidFill>
+                  <a:srgbClr val="001080"/>
+                </a:solidFill>
+                <a:latin typeface="Consolas" panose="020B0609020204030204" pitchFamily="49" charset="0"/>
+              </a:rPr>
+              <a:t>expenses</a:t>
+            </a:r>
+            <a:r>
+              <a:rPr lang="en-US" sz="2000" dirty="0">
+                <a:solidFill>
+                  <a:srgbClr val="222222"/>
+                </a:solidFill>
+                <a:latin typeface="Consolas" panose="020B0609020204030204" pitchFamily="49" charset="0"/>
+              </a:rPr>
+              <a:t>[</a:t>
+            </a:r>
+            <a:r>
+              <a:rPr lang="en-US" sz="2000" dirty="0" err="1">
+                <a:solidFill>
+                  <a:srgbClr val="001080"/>
+                </a:solidFill>
+                <a:latin typeface="Consolas" panose="020B0609020204030204" pitchFamily="49" charset="0"/>
+              </a:rPr>
+              <a:t>expenses</a:t>
+            </a:r>
+            <a:r>
+              <a:rPr lang="en-US" sz="2000" dirty="0" err="1">
+                <a:solidFill>
+                  <a:srgbClr val="000000"/>
+                </a:solidFill>
+                <a:latin typeface="Consolas" panose="020B0609020204030204" pitchFamily="49" charset="0"/>
+              </a:rPr>
+              <a:t>.</a:t>
+            </a:r>
+            <a:r>
+              <a:rPr lang="en-US" sz="2000" dirty="0" err="1">
+                <a:solidFill>
+                  <a:srgbClr val="001080"/>
+                </a:solidFill>
+                <a:latin typeface="Consolas" panose="020B0609020204030204" pitchFamily="49" charset="0"/>
+              </a:rPr>
+              <a:t>Count</a:t>
+            </a:r>
+            <a:r>
+              <a:rPr lang="en-US" sz="2000" dirty="0">
+                <a:solidFill>
+                  <a:srgbClr val="000000"/>
+                </a:solidFill>
+                <a:latin typeface="Consolas" panose="020B0609020204030204" pitchFamily="49" charset="0"/>
+              </a:rPr>
+              <a:t> - </a:t>
+            </a:r>
+            <a:r>
+              <a:rPr lang="en-US" sz="2000" dirty="0">
+                <a:solidFill>
+                  <a:srgbClr val="098658"/>
+                </a:solidFill>
+                <a:latin typeface="Consolas" panose="020B0609020204030204" pitchFamily="49" charset="0"/>
+              </a:rPr>
+              <a:t>1</a:t>
+            </a:r>
+            <a:r>
+              <a:rPr lang="en-US" sz="2000" dirty="0">
+                <a:solidFill>
+                  <a:srgbClr val="222222"/>
+                </a:solidFill>
+                <a:latin typeface="Consolas" panose="020B0609020204030204" pitchFamily="49" charset="0"/>
+              </a:rPr>
+              <a:t>])</a:t>
+            </a:r>
+            <a:endParaRPr lang="en-US" sz="2000" dirty="0">
+              <a:solidFill>
+                <a:srgbClr val="000000"/>
+              </a:solidFill>
+              <a:latin typeface="Consolas" panose="020B0609020204030204" pitchFamily="49" charset="0"/>
+            </a:endParaRPr>
+          </a:p>
+          <a:p>
+            <a:r>
+              <a:rPr lang="en-US" sz="2000" dirty="0">
+                <a:solidFill>
+                  <a:srgbClr val="000000"/>
+                </a:solidFill>
+                <a:latin typeface="Consolas" panose="020B0609020204030204" pitchFamily="49" charset="0"/>
+              </a:rPr>
+              <a:t>    </a:t>
+            </a:r>
+            <a:r>
+              <a:rPr lang="en-US" sz="2000" dirty="0" err="1">
+                <a:solidFill>
+                  <a:srgbClr val="001080"/>
+                </a:solidFill>
+                <a:latin typeface="Consolas" panose="020B0609020204030204" pitchFamily="49" charset="0"/>
+              </a:rPr>
+              <a:t>Console</a:t>
+            </a:r>
+            <a:r>
+              <a:rPr lang="en-US" sz="2000" dirty="0" err="1">
+                <a:solidFill>
+                  <a:srgbClr val="000000"/>
+                </a:solidFill>
+                <a:latin typeface="Consolas" panose="020B0609020204030204" pitchFamily="49" charset="0"/>
+              </a:rPr>
+              <a:t>.</a:t>
+            </a:r>
+            <a:r>
+              <a:rPr lang="en-US" sz="2000" dirty="0" err="1">
+                <a:solidFill>
+                  <a:srgbClr val="001080"/>
+                </a:solidFill>
+                <a:latin typeface="Consolas" panose="020B0609020204030204" pitchFamily="49" charset="0"/>
+              </a:rPr>
+              <a:t>WriteLine</a:t>
+            </a:r>
+            <a:r>
+              <a:rPr lang="en-US" sz="2000" dirty="0">
+                <a:solidFill>
+                  <a:srgbClr val="222222"/>
+                </a:solidFill>
+                <a:latin typeface="Consolas" panose="020B0609020204030204" pitchFamily="49" charset="0"/>
+              </a:rPr>
+              <a:t>(</a:t>
+            </a:r>
+            <a:r>
+              <a:rPr lang="en-US" sz="2000" dirty="0">
+                <a:solidFill>
+                  <a:srgbClr val="A31515"/>
+                </a:solidFill>
+                <a:latin typeface="Consolas" panose="020B0609020204030204" pitchFamily="49" charset="0"/>
+              </a:rPr>
+              <a:t>$"The expenses total </a:t>
+            </a:r>
+            <a:r>
+              <a:rPr lang="en-US" sz="2000" dirty="0">
+                <a:solidFill>
+                  <a:srgbClr val="222222"/>
+                </a:solidFill>
+                <a:latin typeface="Consolas" panose="020B0609020204030204" pitchFamily="49" charset="0"/>
+              </a:rPr>
+              <a:t>{</a:t>
+            </a:r>
+            <a:r>
+              <a:rPr lang="en-US" sz="2000" dirty="0">
+                <a:solidFill>
+                  <a:srgbClr val="001080"/>
+                </a:solidFill>
+                <a:latin typeface="Consolas" panose="020B0609020204030204" pitchFamily="49" charset="0"/>
+              </a:rPr>
+              <a:t>expenses</a:t>
+            </a:r>
+            <a:r>
+              <a:rPr lang="en-US" sz="2000" dirty="0">
+                <a:solidFill>
+                  <a:srgbClr val="222222"/>
+                </a:solidFill>
+                <a:latin typeface="Consolas" panose="020B0609020204030204" pitchFamily="49" charset="0"/>
+              </a:rPr>
+              <a:t>[</a:t>
+            </a:r>
+            <a:r>
+              <a:rPr lang="en-US" sz="2000" dirty="0" err="1">
+                <a:solidFill>
+                  <a:srgbClr val="001080"/>
+                </a:solidFill>
+                <a:latin typeface="Consolas" panose="020B0609020204030204" pitchFamily="49" charset="0"/>
+              </a:rPr>
+              <a:t>expenses</a:t>
+            </a:r>
+            <a:r>
+              <a:rPr lang="en-US" sz="2000" dirty="0" err="1">
+                <a:solidFill>
+                  <a:srgbClr val="000000"/>
+                </a:solidFill>
+                <a:latin typeface="Consolas" panose="020B0609020204030204" pitchFamily="49" charset="0"/>
+              </a:rPr>
+              <a:t>.</a:t>
+            </a:r>
+            <a:r>
+              <a:rPr lang="en-US" sz="2000" dirty="0" err="1">
+                <a:solidFill>
+                  <a:srgbClr val="001080"/>
+                </a:solidFill>
+                <a:latin typeface="Consolas" panose="020B0609020204030204" pitchFamily="49" charset="0"/>
+              </a:rPr>
+              <a:t>Count</a:t>
+            </a:r>
+            <a:r>
+              <a:rPr lang="en-US" sz="2000" dirty="0">
+                <a:solidFill>
+                  <a:srgbClr val="A31515"/>
+                </a:solidFill>
+                <a:latin typeface="Consolas" panose="020B0609020204030204" pitchFamily="49" charset="0"/>
+              </a:rPr>
+              <a:t> </a:t>
+            </a:r>
+            <a:r>
+              <a:rPr lang="en-US" sz="2000" dirty="0">
+                <a:solidFill>
+                  <a:srgbClr val="000000"/>
+                </a:solidFill>
+                <a:latin typeface="Consolas" panose="020B0609020204030204" pitchFamily="49" charset="0"/>
+              </a:rPr>
+              <a:t>-</a:t>
+            </a:r>
+            <a:r>
+              <a:rPr lang="en-US" sz="2000" dirty="0">
+                <a:solidFill>
+                  <a:srgbClr val="A31515"/>
+                </a:solidFill>
+                <a:latin typeface="Consolas" panose="020B0609020204030204" pitchFamily="49" charset="0"/>
+              </a:rPr>
+              <a:t> </a:t>
+            </a:r>
+            <a:r>
+              <a:rPr lang="en-US" sz="2000" dirty="0">
+                <a:solidFill>
+                  <a:srgbClr val="098658"/>
+                </a:solidFill>
+                <a:latin typeface="Consolas" panose="020B0609020204030204" pitchFamily="49" charset="0"/>
+              </a:rPr>
+              <a:t>1</a:t>
+            </a:r>
+            <a:r>
+              <a:rPr lang="en-US" sz="2000" dirty="0">
+                <a:solidFill>
+                  <a:srgbClr val="222222"/>
+                </a:solidFill>
+                <a:latin typeface="Consolas" panose="020B0609020204030204" pitchFamily="49" charset="0"/>
+              </a:rPr>
+              <a:t>]:</a:t>
+            </a:r>
+            <a:r>
+              <a:rPr lang="en-US" sz="2000" dirty="0">
+                <a:solidFill>
+                  <a:srgbClr val="A31515"/>
+                </a:solidFill>
+                <a:latin typeface="Consolas" panose="020B0609020204030204" pitchFamily="49" charset="0"/>
+              </a:rPr>
+              <a:t>C2</a:t>
+            </a:r>
+            <a:r>
+              <a:rPr lang="en-US" sz="2000" dirty="0">
+                <a:solidFill>
+                  <a:srgbClr val="222222"/>
+                </a:solidFill>
+                <a:latin typeface="Consolas" panose="020B0609020204030204" pitchFamily="49" charset="0"/>
+              </a:rPr>
+              <a:t>}</a:t>
+            </a:r>
+            <a:r>
+              <a:rPr lang="en-US" sz="2000" dirty="0">
+                <a:solidFill>
+                  <a:srgbClr val="A31515"/>
+                </a:solidFill>
+                <a:latin typeface="Consolas" panose="020B0609020204030204" pitchFamily="49" charset="0"/>
+              </a:rPr>
+              <a:t>."</a:t>
+            </a:r>
+            <a:r>
+              <a:rPr lang="en-US" sz="2000" dirty="0">
+                <a:solidFill>
+                  <a:srgbClr val="222222"/>
+                </a:solidFill>
+                <a:latin typeface="Consolas" panose="020B0609020204030204" pitchFamily="49" charset="0"/>
+              </a:rPr>
+              <a:t>);</a:t>
+            </a:r>
+            <a:endParaRPr lang="en-US" sz="2000" dirty="0">
+              <a:solidFill>
+                <a:srgbClr val="000000"/>
+              </a:solidFill>
+              <a:latin typeface="Consolas" panose="020B0609020204030204" pitchFamily="49" charset="0"/>
+            </a:endParaRPr>
+          </a:p>
+          <a:p>
+            <a:r>
+              <a:rPr lang="en-US" sz="2000" dirty="0">
+                <a:solidFill>
+                  <a:srgbClr val="AF00DB"/>
+                </a:solidFill>
+                <a:latin typeface="Consolas" panose="020B0609020204030204" pitchFamily="49" charset="0"/>
+              </a:rPr>
+              <a:t>else</a:t>
+            </a:r>
+            <a:endParaRPr lang="en-US" sz="2000" dirty="0">
+              <a:solidFill>
+                <a:srgbClr val="000000"/>
+              </a:solidFill>
+              <a:latin typeface="Consolas" panose="020B0609020204030204" pitchFamily="49" charset="0"/>
+            </a:endParaRPr>
+          </a:p>
+          <a:p>
+            <a:r>
+              <a:rPr lang="en-US" sz="2000" dirty="0">
+                <a:solidFill>
+                  <a:srgbClr val="000000"/>
+                </a:solidFill>
+                <a:latin typeface="Consolas" panose="020B0609020204030204" pitchFamily="49" charset="0"/>
+              </a:rPr>
+              <a:t>    </a:t>
+            </a:r>
+            <a:r>
+              <a:rPr lang="en-US" sz="2000" dirty="0" err="1">
+                <a:solidFill>
+                  <a:srgbClr val="001080"/>
+                </a:solidFill>
+                <a:latin typeface="Consolas" panose="020B0609020204030204" pitchFamily="49" charset="0"/>
+              </a:rPr>
+              <a:t>Console</a:t>
+            </a:r>
+            <a:r>
+              <a:rPr lang="en-US" sz="2000" dirty="0" err="1">
+                <a:solidFill>
+                  <a:srgbClr val="000000"/>
+                </a:solidFill>
+                <a:latin typeface="Consolas" panose="020B0609020204030204" pitchFamily="49" charset="0"/>
+              </a:rPr>
+              <a:t>.</a:t>
+            </a:r>
+            <a:r>
+              <a:rPr lang="en-US" sz="2000" dirty="0" err="1">
+                <a:solidFill>
+                  <a:srgbClr val="001080"/>
+                </a:solidFill>
+                <a:latin typeface="Consolas" panose="020B0609020204030204" pitchFamily="49" charset="0"/>
+              </a:rPr>
+              <a:t>WriteLine</a:t>
+            </a:r>
+            <a:r>
+              <a:rPr lang="en-US" sz="2000" dirty="0">
+                <a:solidFill>
+                  <a:srgbClr val="222222"/>
+                </a:solidFill>
+                <a:latin typeface="Consolas" panose="020B0609020204030204" pitchFamily="49" charset="0"/>
+              </a:rPr>
+              <a:t>(</a:t>
+            </a:r>
+            <a:r>
+              <a:rPr lang="en-US" sz="2000" dirty="0">
+                <a:solidFill>
+                  <a:srgbClr val="A31515"/>
+                </a:solidFill>
+                <a:latin typeface="Consolas" panose="020B0609020204030204" pitchFamily="49" charset="0"/>
+              </a:rPr>
+              <a:t>$"The expenses total </a:t>
+            </a:r>
+            <a:r>
+              <a:rPr lang="en-US" sz="2000" dirty="0">
+                <a:solidFill>
+                  <a:srgbClr val="222222"/>
+                </a:solidFill>
+                <a:latin typeface="Consolas" panose="020B0609020204030204" pitchFamily="49" charset="0"/>
+              </a:rPr>
+              <a:t>{</a:t>
+            </a:r>
+            <a:r>
+              <a:rPr lang="en-US" sz="2000" dirty="0">
+                <a:solidFill>
+                  <a:srgbClr val="001080"/>
+                </a:solidFill>
+                <a:latin typeface="Consolas" panose="020B0609020204030204" pitchFamily="49" charset="0"/>
+              </a:rPr>
+              <a:t>total</a:t>
+            </a:r>
+            <a:r>
+              <a:rPr lang="en-US" sz="2000" dirty="0">
+                <a:solidFill>
+                  <a:srgbClr val="222222"/>
+                </a:solidFill>
+                <a:latin typeface="Consolas" panose="020B0609020204030204" pitchFamily="49" charset="0"/>
+              </a:rPr>
+              <a:t>:</a:t>
+            </a:r>
+            <a:r>
+              <a:rPr lang="en-US" sz="2000" dirty="0">
+                <a:solidFill>
+                  <a:srgbClr val="A31515"/>
+                </a:solidFill>
+                <a:latin typeface="Consolas" panose="020B0609020204030204" pitchFamily="49" charset="0"/>
+              </a:rPr>
+              <a:t>C2</a:t>
+            </a:r>
+            <a:r>
+              <a:rPr lang="en-US" sz="2000" dirty="0" smtClean="0">
+                <a:solidFill>
+                  <a:srgbClr val="222222"/>
+                </a:solidFill>
+                <a:latin typeface="Consolas" panose="020B0609020204030204" pitchFamily="49" charset="0"/>
+              </a:rPr>
+              <a:t>}</a:t>
+            </a:r>
+            <a:r>
+              <a:rPr lang="en-US" sz="2000" dirty="0" smtClean="0">
+                <a:solidFill>
+                  <a:srgbClr val="A31515"/>
+                </a:solidFill>
+                <a:latin typeface="Consolas" panose="020B0609020204030204" pitchFamily="49" charset="0"/>
+              </a:rPr>
+              <a:t>."</a:t>
+            </a:r>
+            <a:r>
+              <a:rPr lang="en-US" sz="2000" dirty="0" smtClean="0">
+                <a:solidFill>
+                  <a:srgbClr val="222222"/>
+                </a:solidFill>
+                <a:latin typeface="Consolas" panose="020B0609020204030204" pitchFamily="49" charset="0"/>
+              </a:rPr>
+              <a:t>);</a:t>
+            </a:r>
+          </a:p>
+          <a:p>
+            <a:endParaRPr lang="en-US" sz="2000" dirty="0">
+              <a:solidFill>
+                <a:srgbClr val="222222"/>
+              </a:solidFill>
+              <a:latin typeface="Consolas" panose="020B0609020204030204" pitchFamily="49" charset="0"/>
+            </a:endParaRPr>
+          </a:p>
+          <a:p>
+            <a:r>
+              <a:rPr lang="en-US" sz="2000" dirty="0">
+                <a:solidFill>
+                  <a:srgbClr val="008000"/>
+                </a:solidFill>
+                <a:latin typeface="Consolas" panose="020B0609020204030204" pitchFamily="49" charset="0"/>
+              </a:rPr>
+              <a:t>// The example displays the following output:</a:t>
+            </a:r>
+            <a:endParaRPr lang="en-US" sz="2000" dirty="0">
+              <a:solidFill>
+                <a:srgbClr val="000000"/>
+              </a:solidFill>
+              <a:latin typeface="Consolas" panose="020B0609020204030204" pitchFamily="49" charset="0"/>
+            </a:endParaRPr>
+          </a:p>
+          <a:p>
+            <a:r>
+              <a:rPr lang="en-US" sz="2000" dirty="0">
+                <a:solidFill>
+                  <a:srgbClr val="008000"/>
+                </a:solidFill>
+                <a:latin typeface="Consolas" panose="020B0609020204030204" pitchFamily="49" charset="0"/>
+              </a:rPr>
+              <a:t>//       The regular expression pattern is:</a:t>
+            </a:r>
+            <a:endParaRPr lang="en-US" sz="2000" dirty="0">
+              <a:solidFill>
+                <a:srgbClr val="000000"/>
+              </a:solidFill>
+              <a:latin typeface="Consolas" panose="020B0609020204030204" pitchFamily="49" charset="0"/>
+            </a:endParaRPr>
+          </a:p>
+          <a:p>
+            <a:r>
+              <a:rPr lang="en-US" sz="2000" dirty="0">
+                <a:solidFill>
+                  <a:srgbClr val="008000"/>
+                </a:solidFill>
+                <a:latin typeface="Consolas" panose="020B0609020204030204" pitchFamily="49" charset="0"/>
+              </a:rPr>
+              <a:t>//          \$\s*[-+]?([0-9]{0,3}(,[0-9]{3})*(\.[0-9]+)?)</a:t>
+            </a:r>
+            <a:endParaRPr lang="en-US" sz="2000" dirty="0">
+              <a:solidFill>
+                <a:srgbClr val="000000"/>
+              </a:solidFill>
+              <a:latin typeface="Consolas" panose="020B0609020204030204" pitchFamily="49" charset="0"/>
+            </a:endParaRPr>
+          </a:p>
+          <a:p>
+            <a:r>
+              <a:rPr lang="en-US" sz="2000" dirty="0">
+                <a:solidFill>
+                  <a:srgbClr val="008000"/>
+                </a:solidFill>
+                <a:latin typeface="Consolas" panose="020B0609020204030204" pitchFamily="49" charset="0"/>
+              </a:rPr>
+              <a:t>//       Found 6 matches.</a:t>
+            </a:r>
+            <a:endParaRPr lang="en-US" sz="2000" dirty="0">
+              <a:solidFill>
+                <a:srgbClr val="000000"/>
+              </a:solidFill>
+              <a:latin typeface="Consolas" panose="020B0609020204030204" pitchFamily="49" charset="0"/>
+            </a:endParaRPr>
+          </a:p>
+          <a:p>
+            <a:r>
+              <a:rPr lang="en-US" sz="2000" dirty="0">
+                <a:solidFill>
+                  <a:srgbClr val="008000"/>
+                </a:solidFill>
+                <a:latin typeface="Consolas" panose="020B0609020204030204" pitchFamily="49" charset="0"/>
+              </a:rPr>
+              <a:t>//       The expenses total $81.58.</a:t>
+            </a:r>
+            <a:endParaRPr lang="en-US" sz="2000" b="0" dirty="0">
+              <a:solidFill>
+                <a:srgbClr val="000000"/>
+              </a:solidFill>
+              <a:effectLst/>
+              <a:latin typeface="Consolas" panose="020B0609020204030204" pitchFamily="49" charset="0"/>
+            </a:endParaRPr>
+          </a:p>
+        </p:txBody>
+      </p:sp>
+    </p:spTree>
+    <p:extLst>
+      <p:ext uri="{BB962C8B-B14F-4D97-AF65-F5344CB8AC3E}">
+        <p14:creationId xmlns:p14="http://schemas.microsoft.com/office/powerpoint/2010/main" val="2997213143"/>
       </p:ext>
     </p:extLst>
   </p:cSld>
@@ -15258,13 +20600,7 @@
               <a:rPr lang="ru-RU" sz="2400" dirty="0" smtClean="0">
                 <a:latin typeface="Bookman Old Style" panose="02050604050505020204" pitchFamily="18" charset="0"/>
               </a:rPr>
-              <a:t>таблице</a:t>
-            </a:r>
-            <a:r>
-              <a:rPr lang="ru-RU" sz="2400" dirty="0" smtClean="0">
-                <a:latin typeface="Bookman Old Style" panose="02050604050505020204" pitchFamily="18" charset="0"/>
-              </a:rPr>
-              <a:t>.</a:t>
+              <a:t>таблице.</a:t>
             </a:r>
           </a:p>
         </p:txBody>
@@ -15295,28 +20631,28 @@
                 <a:gridCol w="3157785">
                   <a:extLst>
                     <a:ext uri="{9D8B030D-6E8A-4147-A177-3AD203B41FA5}">
-                      <a16:colId xmlns:a16="http://schemas.microsoft.com/office/drawing/2014/main" val="3274012395"/>
+                      <a16:colId xmlns:a16="http://schemas.microsoft.com/office/drawing/2014/main" xmlns="" val="3274012395"/>
                     </a:ext>
                   </a:extLst>
                 </a:gridCol>
                 <a:gridCol w="3443774">
                   <a:extLst>
                     <a:ext uri="{9D8B030D-6E8A-4147-A177-3AD203B41FA5}">
-                      <a16:colId xmlns:a16="http://schemas.microsoft.com/office/drawing/2014/main" val="2736568033"/>
+                      <a16:colId xmlns:a16="http://schemas.microsoft.com/office/drawing/2014/main" xmlns="" val="2736568033"/>
                     </a:ext>
                   </a:extLst>
                 </a:gridCol>
                 <a:gridCol w="1978086">
                   <a:extLst>
                     <a:ext uri="{9D8B030D-6E8A-4147-A177-3AD203B41FA5}">
-                      <a16:colId xmlns:a16="http://schemas.microsoft.com/office/drawing/2014/main" val="4050211339"/>
+                      <a16:colId xmlns:a16="http://schemas.microsoft.com/office/drawing/2014/main" xmlns="" val="4050211339"/>
                     </a:ext>
                   </a:extLst>
                 </a:gridCol>
                 <a:gridCol w="2859882">
                   <a:extLst>
                     <a:ext uri="{9D8B030D-6E8A-4147-A177-3AD203B41FA5}">
-                      <a16:colId xmlns:a16="http://schemas.microsoft.com/office/drawing/2014/main" val="3464496591"/>
+                      <a16:colId xmlns:a16="http://schemas.microsoft.com/office/drawing/2014/main" xmlns="" val="3464496591"/>
                     </a:ext>
                   </a:extLst>
                 </a:gridCol>
@@ -15592,7 +20928,7 @@
                 </a:tc>
                 <a:extLst>
                   <a:ext uri="{0D108BD9-81ED-4DB2-BD59-A6C34878D82A}">
-                    <a16:rowId xmlns:a16="http://schemas.microsoft.com/office/drawing/2014/main" val="1038931298"/>
+                    <a16:rowId xmlns:a16="http://schemas.microsoft.com/office/drawing/2014/main" xmlns="" val="1038931298"/>
                   </a:ext>
                 </a:extLst>
               </a:tr>
@@ -15954,7 +21290,7 @@
                 </a:tc>
                 <a:extLst>
                   <a:ext uri="{0D108BD9-81ED-4DB2-BD59-A6C34878D82A}">
-                    <a16:rowId xmlns:a16="http://schemas.microsoft.com/office/drawing/2014/main" val="3689983154"/>
+                    <a16:rowId xmlns:a16="http://schemas.microsoft.com/office/drawing/2014/main" xmlns="" val="3689983154"/>
                   </a:ext>
                 </a:extLst>
               </a:tr>
@@ -16278,7 +21614,7 @@
                 </a:tc>
                 <a:extLst>
                   <a:ext uri="{0D108BD9-81ED-4DB2-BD59-A6C34878D82A}">
-                    <a16:rowId xmlns:a16="http://schemas.microsoft.com/office/drawing/2014/main" val="864201936"/>
+                    <a16:rowId xmlns:a16="http://schemas.microsoft.com/office/drawing/2014/main" xmlns="" val="864201936"/>
                   </a:ext>
                 </a:extLst>
               </a:tr>
@@ -16602,7 +21938,7 @@
                 </a:tc>
                 <a:extLst>
                   <a:ext uri="{0D108BD9-81ED-4DB2-BD59-A6C34878D82A}">
-                    <a16:rowId xmlns:a16="http://schemas.microsoft.com/office/drawing/2014/main" val="2642416597"/>
+                    <a16:rowId xmlns:a16="http://schemas.microsoft.com/office/drawing/2014/main" xmlns="" val="2642416597"/>
                   </a:ext>
                 </a:extLst>
               </a:tr>
@@ -16968,7 +22304,7 @@
                 </a:tc>
                 <a:extLst>
                   <a:ext uri="{0D108BD9-81ED-4DB2-BD59-A6C34878D82A}">
-                    <a16:rowId xmlns:a16="http://schemas.microsoft.com/office/drawing/2014/main" val="3655396559"/>
+                    <a16:rowId xmlns:a16="http://schemas.microsoft.com/office/drawing/2014/main" xmlns="" val="3655396559"/>
                   </a:ext>
                 </a:extLst>
               </a:tr>
@@ -17039,28 +22375,28 @@
                 <a:gridCol w="2864644">
                   <a:extLst>
                     <a:ext uri="{9D8B030D-6E8A-4147-A177-3AD203B41FA5}">
-                      <a16:colId xmlns:a16="http://schemas.microsoft.com/office/drawing/2014/main" val="3274012395"/>
+                      <a16:colId xmlns:a16="http://schemas.microsoft.com/office/drawing/2014/main" xmlns="" val="3274012395"/>
                     </a:ext>
                   </a:extLst>
                 </a:gridCol>
                 <a:gridCol w="2864644">
                   <a:extLst>
                     <a:ext uri="{9D8B030D-6E8A-4147-A177-3AD203B41FA5}">
-                      <a16:colId xmlns:a16="http://schemas.microsoft.com/office/drawing/2014/main" val="2736568033"/>
+                      <a16:colId xmlns:a16="http://schemas.microsoft.com/office/drawing/2014/main" xmlns="" val="2736568033"/>
                     </a:ext>
                   </a:extLst>
                 </a:gridCol>
                 <a:gridCol w="2864644">
                   <a:extLst>
                     <a:ext uri="{9D8B030D-6E8A-4147-A177-3AD203B41FA5}">
-                      <a16:colId xmlns:a16="http://schemas.microsoft.com/office/drawing/2014/main" val="4050211339"/>
+                      <a16:colId xmlns:a16="http://schemas.microsoft.com/office/drawing/2014/main" xmlns="" val="4050211339"/>
                     </a:ext>
                   </a:extLst>
                 </a:gridCol>
                 <a:gridCol w="2864644">
                   <a:extLst>
                     <a:ext uri="{9D8B030D-6E8A-4147-A177-3AD203B41FA5}">
-                      <a16:colId xmlns:a16="http://schemas.microsoft.com/office/drawing/2014/main" val="3464496591"/>
+                      <a16:colId xmlns:a16="http://schemas.microsoft.com/office/drawing/2014/main" xmlns="" val="3464496591"/>
                     </a:ext>
                   </a:extLst>
                 </a:gridCol>
@@ -17336,7 +22672,7 @@
                 </a:tc>
                 <a:extLst>
                   <a:ext uri="{0D108BD9-81ED-4DB2-BD59-A6C34878D82A}">
-                    <a16:rowId xmlns:a16="http://schemas.microsoft.com/office/drawing/2014/main" val="1038931298"/>
+                    <a16:rowId xmlns:a16="http://schemas.microsoft.com/office/drawing/2014/main" xmlns="" val="1038931298"/>
                   </a:ext>
                 </a:extLst>
               </a:tr>
@@ -17766,7 +23102,7 @@
                 </a:tc>
                 <a:extLst>
                   <a:ext uri="{0D108BD9-81ED-4DB2-BD59-A6C34878D82A}">
-                    <a16:rowId xmlns:a16="http://schemas.microsoft.com/office/drawing/2014/main" val="3767226120"/>
+                    <a16:rowId xmlns:a16="http://schemas.microsoft.com/office/drawing/2014/main" xmlns="" val="3767226120"/>
                   </a:ext>
                 </a:extLst>
               </a:tr>
@@ -18236,7 +23572,7 @@
                 </a:tc>
                 <a:extLst>
                   <a:ext uri="{0D108BD9-81ED-4DB2-BD59-A6C34878D82A}">
-                    <a16:rowId xmlns:a16="http://schemas.microsoft.com/office/drawing/2014/main" val="1238821135"/>
+                    <a16:rowId xmlns:a16="http://schemas.microsoft.com/office/drawing/2014/main" xmlns="" val="1238821135"/>
                   </a:ext>
                 </a:extLst>
               </a:tr>
@@ -18510,7 +23846,7 @@
                 </a:tc>
                 <a:extLst>
                   <a:ext uri="{0D108BD9-81ED-4DB2-BD59-A6C34878D82A}">
-                    <a16:rowId xmlns:a16="http://schemas.microsoft.com/office/drawing/2014/main" val="3689983154"/>
+                    <a16:rowId xmlns:a16="http://schemas.microsoft.com/office/drawing/2014/main" xmlns="" val="3689983154"/>
                   </a:ext>
                 </a:extLst>
               </a:tr>
@@ -18784,7 +24120,7 @@
                 </a:tc>
                 <a:extLst>
                   <a:ext uri="{0D108BD9-81ED-4DB2-BD59-A6C34878D82A}">
-                    <a16:rowId xmlns:a16="http://schemas.microsoft.com/office/drawing/2014/main" val="864201936"/>
+                    <a16:rowId xmlns:a16="http://schemas.microsoft.com/office/drawing/2014/main" xmlns="" val="864201936"/>
                   </a:ext>
                 </a:extLst>
               </a:tr>
@@ -18855,28 +24191,28 @@
                 <a:gridCol w="2886075">
                   <a:extLst>
                     <a:ext uri="{9D8B030D-6E8A-4147-A177-3AD203B41FA5}">
-                      <a16:colId xmlns:a16="http://schemas.microsoft.com/office/drawing/2014/main" val="3274012395"/>
+                      <a16:colId xmlns:a16="http://schemas.microsoft.com/office/drawing/2014/main" xmlns="" val="3274012395"/>
                     </a:ext>
                   </a:extLst>
                 </a:gridCol>
                 <a:gridCol w="2886075">
                   <a:extLst>
                     <a:ext uri="{9D8B030D-6E8A-4147-A177-3AD203B41FA5}">
-                      <a16:colId xmlns:a16="http://schemas.microsoft.com/office/drawing/2014/main" val="2736568033"/>
+                      <a16:colId xmlns:a16="http://schemas.microsoft.com/office/drawing/2014/main" xmlns="" val="2736568033"/>
                     </a:ext>
                   </a:extLst>
                 </a:gridCol>
                 <a:gridCol w="2886075">
                   <a:extLst>
                     <a:ext uri="{9D8B030D-6E8A-4147-A177-3AD203B41FA5}">
-                      <a16:colId xmlns:a16="http://schemas.microsoft.com/office/drawing/2014/main" val="4050211339"/>
+                      <a16:colId xmlns:a16="http://schemas.microsoft.com/office/drawing/2014/main" xmlns="" val="4050211339"/>
                     </a:ext>
                   </a:extLst>
                 </a:gridCol>
                 <a:gridCol w="2886075">
                   <a:extLst>
                     <a:ext uri="{9D8B030D-6E8A-4147-A177-3AD203B41FA5}">
-                      <a16:colId xmlns:a16="http://schemas.microsoft.com/office/drawing/2014/main" val="3464496591"/>
+                      <a16:colId xmlns:a16="http://schemas.microsoft.com/office/drawing/2014/main" xmlns="" val="3464496591"/>
                     </a:ext>
                   </a:extLst>
                 </a:gridCol>
@@ -19152,7 +24488,7 @@
                 </a:tc>
                 <a:extLst>
                   <a:ext uri="{0D108BD9-81ED-4DB2-BD59-A6C34878D82A}">
-                    <a16:rowId xmlns:a16="http://schemas.microsoft.com/office/drawing/2014/main" val="1038931298"/>
+                    <a16:rowId xmlns:a16="http://schemas.microsoft.com/office/drawing/2014/main" xmlns="" val="1038931298"/>
                   </a:ext>
                 </a:extLst>
               </a:tr>
@@ -19426,7 +24762,7 @@
                 </a:tc>
                 <a:extLst>
                   <a:ext uri="{0D108BD9-81ED-4DB2-BD59-A6C34878D82A}">
-                    <a16:rowId xmlns:a16="http://schemas.microsoft.com/office/drawing/2014/main" val="2642416597"/>
+                    <a16:rowId xmlns:a16="http://schemas.microsoft.com/office/drawing/2014/main" xmlns="" val="2642416597"/>
                   </a:ext>
                 </a:extLst>
               </a:tr>
@@ -19740,7 +25076,7 @@
                 </a:tc>
                 <a:extLst>
                   <a:ext uri="{0D108BD9-81ED-4DB2-BD59-A6C34878D82A}">
-                    <a16:rowId xmlns:a16="http://schemas.microsoft.com/office/drawing/2014/main" val="3655396559"/>
+                    <a16:rowId xmlns:a16="http://schemas.microsoft.com/office/drawing/2014/main" xmlns="" val="3655396559"/>
                   </a:ext>
                 </a:extLst>
               </a:tr>
@@ -20024,7 +25360,7 @@
                 </a:tc>
                 <a:extLst>
                   <a:ext uri="{0D108BD9-81ED-4DB2-BD59-A6C34878D82A}">
-                    <a16:rowId xmlns:a16="http://schemas.microsoft.com/office/drawing/2014/main" val="495708781"/>
+                    <a16:rowId xmlns:a16="http://schemas.microsoft.com/office/drawing/2014/main" xmlns="" val="495708781"/>
                   </a:ext>
                 </a:extLst>
               </a:tr>
@@ -20308,7 +25644,7 @@
                 </a:tc>
                 <a:extLst>
                   <a:ext uri="{0D108BD9-81ED-4DB2-BD59-A6C34878D82A}">
-                    <a16:rowId xmlns:a16="http://schemas.microsoft.com/office/drawing/2014/main" val="1434999032"/>
+                    <a16:rowId xmlns:a16="http://schemas.microsoft.com/office/drawing/2014/main" xmlns="" val="1434999032"/>
                   </a:ext>
                 </a:extLst>
               </a:tr>
@@ -20379,28 +25715,28 @@
                 <a:gridCol w="1520913">
                   <a:extLst>
                     <a:ext uri="{9D8B030D-6E8A-4147-A177-3AD203B41FA5}">
-                      <a16:colId xmlns:a16="http://schemas.microsoft.com/office/drawing/2014/main" val="424884719"/>
+                      <a16:colId xmlns:a16="http://schemas.microsoft.com/office/drawing/2014/main" xmlns="" val="424884719"/>
                     </a:ext>
                   </a:extLst>
                 </a:gridCol>
                 <a:gridCol w="4622622">
                   <a:extLst>
                     <a:ext uri="{9D8B030D-6E8A-4147-A177-3AD203B41FA5}">
-                      <a16:colId xmlns:a16="http://schemas.microsoft.com/office/drawing/2014/main" val="4023994622"/>
+                      <a16:colId xmlns:a16="http://schemas.microsoft.com/office/drawing/2014/main" xmlns="" val="4023994622"/>
                     </a:ext>
                   </a:extLst>
                 </a:gridCol>
                 <a:gridCol w="1428840">
                   <a:extLst>
                     <a:ext uri="{9D8B030D-6E8A-4147-A177-3AD203B41FA5}">
-                      <a16:colId xmlns:a16="http://schemas.microsoft.com/office/drawing/2014/main" val="3619594727"/>
+                      <a16:colId xmlns:a16="http://schemas.microsoft.com/office/drawing/2014/main" xmlns="" val="3619594727"/>
                     </a:ext>
                   </a:extLst>
                 </a:gridCol>
                 <a:gridCol w="3924301">
                   <a:extLst>
                     <a:ext uri="{9D8B030D-6E8A-4147-A177-3AD203B41FA5}">
-                      <a16:colId xmlns:a16="http://schemas.microsoft.com/office/drawing/2014/main" val="1551228081"/>
+                      <a16:colId xmlns:a16="http://schemas.microsoft.com/office/drawing/2014/main" xmlns="" val="1551228081"/>
                     </a:ext>
                   </a:extLst>
                 </a:gridCol>
@@ -20684,7 +26020,7 @@
                 </a:tc>
                 <a:extLst>
                   <a:ext uri="{0D108BD9-81ED-4DB2-BD59-A6C34878D82A}">
-                    <a16:rowId xmlns:a16="http://schemas.microsoft.com/office/drawing/2014/main" val="1092949539"/>
+                    <a16:rowId xmlns:a16="http://schemas.microsoft.com/office/drawing/2014/main" xmlns="" val="1092949539"/>
                   </a:ext>
                 </a:extLst>
               </a:tr>
@@ -21004,7 +26340,7 @@
                 </a:tc>
                 <a:extLst>
                   <a:ext uri="{0D108BD9-81ED-4DB2-BD59-A6C34878D82A}">
-                    <a16:rowId xmlns:a16="http://schemas.microsoft.com/office/drawing/2014/main" val="4135988387"/>
+                    <a16:rowId xmlns:a16="http://schemas.microsoft.com/office/drawing/2014/main" xmlns="" val="4135988387"/>
                   </a:ext>
                 </a:extLst>
               </a:tr>
@@ -21303,7 +26639,7 @@
                 </a:tc>
                 <a:extLst>
                   <a:ext uri="{0D108BD9-81ED-4DB2-BD59-A6C34878D82A}">
-                    <a16:rowId xmlns:a16="http://schemas.microsoft.com/office/drawing/2014/main" val="1200325610"/>
+                    <a16:rowId xmlns:a16="http://schemas.microsoft.com/office/drawing/2014/main" xmlns="" val="1200325610"/>
                   </a:ext>
                 </a:extLst>
               </a:tr>
@@ -21588,7 +26924,7 @@
                 </a:tc>
                 <a:extLst>
                   <a:ext uri="{0D108BD9-81ED-4DB2-BD59-A6C34878D82A}">
-                    <a16:rowId xmlns:a16="http://schemas.microsoft.com/office/drawing/2014/main" val="169614643"/>
+                    <a16:rowId xmlns:a16="http://schemas.microsoft.com/office/drawing/2014/main" xmlns="" val="169614643"/>
                   </a:ext>
                 </a:extLst>
               </a:tr>
@@ -21922,7 +27258,7 @@
                 </a:tc>
                 <a:extLst>
                   <a:ext uri="{0D108BD9-81ED-4DB2-BD59-A6C34878D82A}">
-                    <a16:rowId xmlns:a16="http://schemas.microsoft.com/office/drawing/2014/main" val="2788824192"/>
+                    <a16:rowId xmlns:a16="http://schemas.microsoft.com/office/drawing/2014/main" xmlns="" val="2788824192"/>
                   </a:ext>
                 </a:extLst>
               </a:tr>
@@ -22214,7 +27550,7 @@
                 </a:tc>
                 <a:extLst>
                   <a:ext uri="{0D108BD9-81ED-4DB2-BD59-A6C34878D82A}">
-                    <a16:rowId xmlns:a16="http://schemas.microsoft.com/office/drawing/2014/main" val="2406214235"/>
+                    <a16:rowId xmlns:a16="http://schemas.microsoft.com/office/drawing/2014/main" xmlns="" val="2406214235"/>
                   </a:ext>
                 </a:extLst>
               </a:tr>
@@ -22581,7 +27917,7 @@
                 </a:tc>
                 <a:extLst>
                   <a:ext uri="{0D108BD9-81ED-4DB2-BD59-A6C34878D82A}">
-                    <a16:rowId xmlns:a16="http://schemas.microsoft.com/office/drawing/2014/main" val="1539968293"/>
+                    <a16:rowId xmlns:a16="http://schemas.microsoft.com/office/drawing/2014/main" xmlns="" val="1539968293"/>
                   </a:ext>
                 </a:extLst>
               </a:tr>
